--- a/ISQIP-Presentation/ISQIP_presentation.pptx
+++ b/ISQIP-Presentation/ISQIP_presentation.pptx
@@ -7,9 +7,9 @@
   <p:sldIdLst>
     <p:sldId id="256" r:id="rId2"/>
     <p:sldId id="262" r:id="rId3"/>
-    <p:sldId id="257" r:id="rId4"/>
-    <p:sldId id="258" r:id="rId5"/>
-    <p:sldId id="259" r:id="rId6"/>
+    <p:sldId id="263" r:id="rId4"/>
+    <p:sldId id="264" r:id="rId5"/>
+    <p:sldId id="265" r:id="rId6"/>
     <p:sldId id="260" r:id="rId7"/>
     <p:sldId id="261" r:id="rId8"/>
   </p:sldIdLst>
@@ -110,6 +110,11 @@
       </a:defRPr>
     </a:lvl9pPr>
   </p:defaultTextStyle>
+  <p:extLst>
+    <p:ext uri="{EFAFB233-063F-42B5-8137-9DF3F51BA10A}">
+      <p15:sldGuideLst xmlns:p15="http://schemas.microsoft.com/office/powerpoint/2012/main"/>
+    </p:ext>
+  </p:extLst>
 </p:presentation>
 </file>
 
@@ -3410,7 +3415,12 @@
           <a:bodyPr/>
           <a:lstStyle/>
           <a:p>
-            <a:endParaRPr lang="en-IN"/>
+            <a:r>
+              <a:rPr lang="en-IN" b="1" dirty="0">
+                <a:latin typeface="Montserrat" panose="00000500000000000000" pitchFamily="50" charset="0"/>
+              </a:rPr>
+              <a:t>Introduction</a:t>
+            </a:r>
           </a:p>
         </p:txBody>
       </p:sp>
@@ -3440,7 +3450,7 @@
           <a:bodyPr/>
           <a:lstStyle/>
           <a:p>
-            <a:endParaRPr lang="en-IN"/>
+            <a:endParaRPr lang="en-IN" dirty="0"/>
           </a:p>
         </p:txBody>
       </p:sp>
@@ -3510,6 +3520,136 @@
           </a:prstGeom>
         </p:spPr>
       </p:pic>
+      <p:sp>
+        <p:nvSpPr>
+          <p:cNvPr id="2" name="Title 1">
+            <a:extLst>
+              <a:ext uri="{FF2B5EF4-FFF2-40B4-BE49-F238E27FC236}">
+                <a16:creationId xmlns:a16="http://schemas.microsoft.com/office/drawing/2014/main" id="{755AC5D1-2CB9-47F4-ADBF-D14195C01182}"/>
+              </a:ext>
+            </a:extLst>
+          </p:cNvPr>
+          <p:cNvSpPr>
+            <a:spLocks noGrp="1"/>
+          </p:cNvSpPr>
+          <p:nvPr>
+            <p:ph type="title"/>
+          </p:nvPr>
+        </p:nvSpPr>
+        <p:spPr>
+          <a:xfrm>
+            <a:off x="838200" y="1175657"/>
+            <a:ext cx="10515600" cy="984069"/>
+          </a:xfrm>
+        </p:spPr>
+        <p:txBody>
+          <a:bodyPr>
+            <a:normAutofit/>
+          </a:bodyPr>
+          <a:lstStyle/>
+          <a:p>
+            <a:r>
+              <a:rPr lang="en-IN" b="1" dirty="0">
+                <a:latin typeface="Montserrat" panose="00000500000000000000" pitchFamily="50" charset="0"/>
+              </a:rPr>
+              <a:t>What is Medicus?</a:t>
+            </a:r>
+          </a:p>
+        </p:txBody>
+      </p:sp>
+      <p:sp>
+        <p:nvSpPr>
+          <p:cNvPr id="3" name="Content Placeholder 2">
+            <a:extLst>
+              <a:ext uri="{FF2B5EF4-FFF2-40B4-BE49-F238E27FC236}">
+                <a16:creationId xmlns:a16="http://schemas.microsoft.com/office/drawing/2014/main" id="{101259B3-6D8F-47B0-9907-AC17AC3B359A}"/>
+              </a:ext>
+            </a:extLst>
+          </p:cNvPr>
+          <p:cNvSpPr>
+            <a:spLocks noGrp="1"/>
+          </p:cNvSpPr>
+          <p:nvPr>
+            <p:ph idx="1"/>
+          </p:nvPr>
+        </p:nvSpPr>
+        <p:spPr>
+          <a:xfrm>
+            <a:off x="838200" y="2342606"/>
+            <a:ext cx="10515600" cy="3834357"/>
+          </a:xfrm>
+        </p:spPr>
+        <p:txBody>
+          <a:bodyPr/>
+          <a:lstStyle/>
+          <a:p>
+            <a:r>
+              <a:rPr lang="en-IN" dirty="0">
+                <a:latin typeface="Montserrat" panose="00000500000000000000" pitchFamily="50" charset="0"/>
+              </a:rPr>
+              <a:t>A website bringing e-medical assistance </a:t>
+            </a:r>
+          </a:p>
+          <a:p>
+            <a:r>
+              <a:rPr lang="en-IN" dirty="0">
+                <a:latin typeface="Montserrat" panose="00000500000000000000" pitchFamily="50" charset="0"/>
+              </a:rPr>
+              <a:t>Derived from Latin , meaning </a:t>
+            </a:r>
+            <a:r>
+              <a:rPr lang="en-IN" b="1" dirty="0">
+                <a:latin typeface="Montserrat" panose="00000500000000000000" pitchFamily="50" charset="0"/>
+              </a:rPr>
+              <a:t>Doctor</a:t>
+            </a:r>
+          </a:p>
+          <a:p>
+            <a:r>
+              <a:rPr lang="en-IN" dirty="0">
+                <a:latin typeface="Montserrat" panose="00000500000000000000" pitchFamily="50" charset="0"/>
+              </a:rPr>
+              <a:t>Contains:</a:t>
+            </a:r>
+          </a:p>
+          <a:p>
+            <a:pPr lvl="1"/>
+            <a:r>
+              <a:rPr lang="en-IN" dirty="0">
+                <a:latin typeface="Montserrat" panose="00000500000000000000" pitchFamily="50" charset="0"/>
+              </a:rPr>
+              <a:t>Information about the hospitals</a:t>
+            </a:r>
+          </a:p>
+          <a:p>
+            <a:pPr lvl="1"/>
+            <a:r>
+              <a:rPr lang="en-IN" dirty="0">
+                <a:latin typeface="Montserrat" panose="00000500000000000000" pitchFamily="50" charset="0"/>
+              </a:rPr>
+              <a:t>Reviews for the corresponding hospitals</a:t>
+            </a:r>
+          </a:p>
+          <a:p>
+            <a:pPr lvl="1"/>
+            <a:r>
+              <a:rPr lang="en-IN" dirty="0">
+                <a:latin typeface="Montserrat" panose="00000500000000000000" pitchFamily="50" charset="0"/>
+              </a:rPr>
+              <a:t>Feedback from real patients about their experience</a:t>
+            </a:r>
+          </a:p>
+          <a:p>
+            <a:pPr lvl="1"/>
+            <a:r>
+              <a:rPr lang="en-IN" dirty="0">
+                <a:latin typeface="Montserrat" panose="00000500000000000000" pitchFamily="50" charset="0"/>
+              </a:rPr>
+              <a:t>Rating of Doctors in the corresponding hospital</a:t>
+            </a:r>
+          </a:p>
+        </p:txBody>
+      </p:sp>
     </p:spTree>
     <p:extLst>
       <p:ext uri="{BB962C8B-B14F-4D97-AF65-F5344CB8AC3E}">
@@ -3576,16 +3716,837 @@
           </a:prstGeom>
         </p:spPr>
       </p:pic>
+      <p:sp>
+        <p:nvSpPr>
+          <p:cNvPr id="2" name="Title 1">
+            <a:extLst>
+              <a:ext uri="{FF2B5EF4-FFF2-40B4-BE49-F238E27FC236}">
+                <a16:creationId xmlns:a16="http://schemas.microsoft.com/office/drawing/2014/main" id="{755AC5D1-2CB9-47F4-ADBF-D14195C01182}"/>
+              </a:ext>
+            </a:extLst>
+          </p:cNvPr>
+          <p:cNvSpPr>
+            <a:spLocks noGrp="1"/>
+          </p:cNvSpPr>
+          <p:nvPr>
+            <p:ph type="title"/>
+          </p:nvPr>
+        </p:nvSpPr>
+        <p:spPr>
+          <a:xfrm>
+            <a:off x="838200" y="1175657"/>
+            <a:ext cx="10515600" cy="984069"/>
+          </a:xfrm>
+        </p:spPr>
+        <p:txBody>
+          <a:bodyPr>
+            <a:normAutofit/>
+          </a:bodyPr>
+          <a:lstStyle/>
+          <a:p>
+            <a:r>
+              <a:rPr lang="en-IN" b="1" dirty="0">
+                <a:latin typeface="Montserrat" panose="00000500000000000000" pitchFamily="50" charset="0"/>
+              </a:rPr>
+              <a:t>Why Medicus?</a:t>
+            </a:r>
+          </a:p>
+        </p:txBody>
+      </p:sp>
+      <p:sp>
+        <p:nvSpPr>
+          <p:cNvPr id="3" name="Content Placeholder 2">
+            <a:extLst>
+              <a:ext uri="{FF2B5EF4-FFF2-40B4-BE49-F238E27FC236}">
+                <a16:creationId xmlns:a16="http://schemas.microsoft.com/office/drawing/2014/main" id="{101259B3-6D8F-47B0-9907-AC17AC3B359A}"/>
+              </a:ext>
+            </a:extLst>
+          </p:cNvPr>
+          <p:cNvSpPr>
+            <a:spLocks noGrp="1"/>
+          </p:cNvSpPr>
+          <p:nvPr>
+            <p:ph idx="1"/>
+          </p:nvPr>
+        </p:nvSpPr>
+        <p:spPr>
+          <a:xfrm>
+            <a:off x="838200" y="2342606"/>
+            <a:ext cx="10515600" cy="3834357"/>
+          </a:xfrm>
+        </p:spPr>
+        <p:txBody>
+          <a:bodyPr/>
+          <a:lstStyle/>
+          <a:p>
+            <a:r>
+              <a:rPr lang="en-IN" dirty="0">
+                <a:latin typeface="Montserrat" panose="00000500000000000000" pitchFamily="50" charset="0"/>
+              </a:rPr>
+              <a:t>Finds the best doctor that suits you</a:t>
+            </a:r>
+          </a:p>
+          <a:p>
+            <a:r>
+              <a:rPr lang="en-IN" dirty="0">
+                <a:latin typeface="Montserrat" panose="00000500000000000000" pitchFamily="50" charset="0"/>
+              </a:rPr>
+              <a:t>Finds the best hospital that suits you </a:t>
+            </a:r>
+          </a:p>
+          <a:p>
+            <a:r>
+              <a:rPr lang="en-IN" dirty="0">
+                <a:latin typeface="Montserrat" panose="00000500000000000000" pitchFamily="50" charset="0"/>
+              </a:rPr>
+              <a:t>No fake feedbacks</a:t>
+            </a:r>
+          </a:p>
+          <a:p>
+            <a:r>
+              <a:rPr lang="en-IN" dirty="0">
+                <a:latin typeface="Montserrat" panose="00000500000000000000" pitchFamily="50" charset="0"/>
+              </a:rPr>
+              <a:t>Pure reviews from verified people</a:t>
+            </a:r>
+          </a:p>
+          <a:p>
+            <a:r>
+              <a:rPr lang="en-IN" dirty="0">
+                <a:latin typeface="Montserrat" panose="00000500000000000000" pitchFamily="50" charset="0"/>
+              </a:rPr>
+              <a:t>Easy booking</a:t>
+            </a:r>
+          </a:p>
+          <a:p>
+            <a:pPr marL="0" indent="0">
+              <a:buNone/>
+            </a:pPr>
+            <a:endParaRPr lang="en-IN" dirty="0"/>
+          </a:p>
+          <a:p>
+            <a:endParaRPr lang="en-IN" dirty="0"/>
+          </a:p>
+        </p:txBody>
+      </p:sp>
     </p:spTree>
     <p:extLst>
       <p:ext uri="{BB962C8B-B14F-4D97-AF65-F5344CB8AC3E}">
-        <p14:creationId xmlns:p14="http://schemas.microsoft.com/office/powerpoint/2010/main" val="306732762"/>
+        <p14:creationId xmlns:p14="http://schemas.microsoft.com/office/powerpoint/2010/main" val="644834684"/>
       </p:ext>
     </p:extLst>
   </p:cSld>
   <p:clrMapOvr>
     <a:masterClrMapping/>
   </p:clrMapOvr>
+  <p:timing>
+    <p:tnLst>
+      <p:par>
+        <p:cTn id="1" dur="indefinite" restart="never" nodeType="tmRoot">
+          <p:childTnLst>
+            <p:seq concurrent="1" nextAc="seek">
+              <p:cTn id="2" dur="indefinite" nodeType="mainSeq">
+                <p:childTnLst>
+                  <p:par>
+                    <p:cTn id="3" fill="hold">
+                      <p:stCondLst>
+                        <p:cond delay="indefinite"/>
+                      </p:stCondLst>
+                      <p:childTnLst>
+                        <p:par>
+                          <p:cTn id="4" fill="hold">
+                            <p:stCondLst>
+                              <p:cond delay="0"/>
+                            </p:stCondLst>
+                            <p:childTnLst>
+                              <p:par>
+                                <p:cTn id="5" presetID="42" presetClass="entr" presetSubtype="0" fill="hold" grpId="0" nodeType="clickEffect">
+                                  <p:stCondLst>
+                                    <p:cond delay="0"/>
+                                  </p:stCondLst>
+                                  <p:childTnLst>
+                                    <p:set>
+                                      <p:cBhvr>
+                                        <p:cTn id="6" dur="1" fill="hold">
+                                          <p:stCondLst>
+                                            <p:cond delay="0"/>
+                                          </p:stCondLst>
+                                        </p:cTn>
+                                        <p:tgtEl>
+                                          <p:spTgt spid="2"/>
+                                        </p:tgtEl>
+                                        <p:attrNameLst>
+                                          <p:attrName>style.visibility</p:attrName>
+                                        </p:attrNameLst>
+                                      </p:cBhvr>
+                                      <p:to>
+                                        <p:strVal val="visible"/>
+                                      </p:to>
+                                    </p:set>
+                                    <p:animEffect transition="in" filter="fade">
+                                      <p:cBhvr>
+                                        <p:cTn id="7" dur="1000"/>
+                                        <p:tgtEl>
+                                          <p:spTgt spid="2"/>
+                                        </p:tgtEl>
+                                      </p:cBhvr>
+                                    </p:animEffect>
+                                    <p:anim calcmode="lin" valueType="num">
+                                      <p:cBhvr>
+                                        <p:cTn id="8" dur="1000" fill="hold"/>
+                                        <p:tgtEl>
+                                          <p:spTgt spid="2"/>
+                                        </p:tgtEl>
+                                        <p:attrNameLst>
+                                          <p:attrName>ppt_x</p:attrName>
+                                        </p:attrNameLst>
+                                      </p:cBhvr>
+                                      <p:tavLst>
+                                        <p:tav tm="0">
+                                          <p:val>
+                                            <p:strVal val="#ppt_x"/>
+                                          </p:val>
+                                        </p:tav>
+                                        <p:tav tm="100000">
+                                          <p:val>
+                                            <p:strVal val="#ppt_x"/>
+                                          </p:val>
+                                        </p:tav>
+                                      </p:tavLst>
+                                    </p:anim>
+                                    <p:anim calcmode="lin" valueType="num">
+                                      <p:cBhvr>
+                                        <p:cTn id="9" dur="1000" fill="hold"/>
+                                        <p:tgtEl>
+                                          <p:spTgt spid="2"/>
+                                        </p:tgtEl>
+                                        <p:attrNameLst>
+                                          <p:attrName>ppt_y</p:attrName>
+                                        </p:attrNameLst>
+                                      </p:cBhvr>
+                                      <p:tavLst>
+                                        <p:tav tm="0">
+                                          <p:val>
+                                            <p:strVal val="#ppt_y+.1"/>
+                                          </p:val>
+                                        </p:tav>
+                                        <p:tav tm="100000">
+                                          <p:val>
+                                            <p:strVal val="#ppt_y"/>
+                                          </p:val>
+                                        </p:tav>
+                                      </p:tavLst>
+                                    </p:anim>
+                                  </p:childTnLst>
+                                </p:cTn>
+                              </p:par>
+                            </p:childTnLst>
+                          </p:cTn>
+                        </p:par>
+                      </p:childTnLst>
+                    </p:cTn>
+                  </p:par>
+                  <p:par>
+                    <p:cTn id="10" fill="hold">
+                      <p:stCondLst>
+                        <p:cond delay="indefinite"/>
+                      </p:stCondLst>
+                      <p:childTnLst>
+                        <p:par>
+                          <p:cTn id="11" fill="hold">
+                            <p:stCondLst>
+                              <p:cond delay="0"/>
+                            </p:stCondLst>
+                            <p:childTnLst>
+                              <p:par>
+                                <p:cTn id="12" presetID="42" presetClass="entr" presetSubtype="0" fill="hold" grpId="0" nodeType="clickEffect">
+                                  <p:stCondLst>
+                                    <p:cond delay="0"/>
+                                  </p:stCondLst>
+                                  <p:childTnLst>
+                                    <p:set>
+                                      <p:cBhvr>
+                                        <p:cTn id="13" dur="1" fill="hold">
+                                          <p:stCondLst>
+                                            <p:cond delay="0"/>
+                                          </p:stCondLst>
+                                        </p:cTn>
+                                        <p:tgtEl>
+                                          <p:spTgt spid="3">
+                                            <p:txEl>
+                                              <p:pRg st="0" end="0"/>
+                                            </p:txEl>
+                                          </p:spTgt>
+                                        </p:tgtEl>
+                                        <p:attrNameLst>
+                                          <p:attrName>style.visibility</p:attrName>
+                                        </p:attrNameLst>
+                                      </p:cBhvr>
+                                      <p:to>
+                                        <p:strVal val="visible"/>
+                                      </p:to>
+                                    </p:set>
+                                    <p:animEffect transition="in" filter="fade">
+                                      <p:cBhvr>
+                                        <p:cTn id="14" dur="1000"/>
+                                        <p:tgtEl>
+                                          <p:spTgt spid="3">
+                                            <p:txEl>
+                                              <p:pRg st="0" end="0"/>
+                                            </p:txEl>
+                                          </p:spTgt>
+                                        </p:tgtEl>
+                                      </p:cBhvr>
+                                    </p:animEffect>
+                                    <p:anim calcmode="lin" valueType="num">
+                                      <p:cBhvr>
+                                        <p:cTn id="15" dur="1000" fill="hold"/>
+                                        <p:tgtEl>
+                                          <p:spTgt spid="3">
+                                            <p:txEl>
+                                              <p:pRg st="0" end="0"/>
+                                            </p:txEl>
+                                          </p:spTgt>
+                                        </p:tgtEl>
+                                        <p:attrNameLst>
+                                          <p:attrName>ppt_x</p:attrName>
+                                        </p:attrNameLst>
+                                      </p:cBhvr>
+                                      <p:tavLst>
+                                        <p:tav tm="0">
+                                          <p:val>
+                                            <p:strVal val="#ppt_x"/>
+                                          </p:val>
+                                        </p:tav>
+                                        <p:tav tm="100000">
+                                          <p:val>
+                                            <p:strVal val="#ppt_x"/>
+                                          </p:val>
+                                        </p:tav>
+                                      </p:tavLst>
+                                    </p:anim>
+                                    <p:anim calcmode="lin" valueType="num">
+                                      <p:cBhvr>
+                                        <p:cTn id="16" dur="1000" fill="hold"/>
+                                        <p:tgtEl>
+                                          <p:spTgt spid="3">
+                                            <p:txEl>
+                                              <p:pRg st="0" end="0"/>
+                                            </p:txEl>
+                                          </p:spTgt>
+                                        </p:tgtEl>
+                                        <p:attrNameLst>
+                                          <p:attrName>ppt_y</p:attrName>
+                                        </p:attrNameLst>
+                                      </p:cBhvr>
+                                      <p:tavLst>
+                                        <p:tav tm="0">
+                                          <p:val>
+                                            <p:strVal val="#ppt_y+.1"/>
+                                          </p:val>
+                                        </p:tav>
+                                        <p:tav tm="100000">
+                                          <p:val>
+                                            <p:strVal val="#ppt_y"/>
+                                          </p:val>
+                                        </p:tav>
+                                      </p:tavLst>
+                                    </p:anim>
+                                  </p:childTnLst>
+                                </p:cTn>
+                              </p:par>
+                            </p:childTnLst>
+                          </p:cTn>
+                        </p:par>
+                      </p:childTnLst>
+                    </p:cTn>
+                  </p:par>
+                  <p:par>
+                    <p:cTn id="17" fill="hold">
+                      <p:stCondLst>
+                        <p:cond delay="indefinite"/>
+                      </p:stCondLst>
+                      <p:childTnLst>
+                        <p:par>
+                          <p:cTn id="18" fill="hold">
+                            <p:stCondLst>
+                              <p:cond delay="0"/>
+                            </p:stCondLst>
+                            <p:childTnLst>
+                              <p:par>
+                                <p:cTn id="19" presetID="42" presetClass="entr" presetSubtype="0" fill="hold" grpId="0" nodeType="clickEffect">
+                                  <p:stCondLst>
+                                    <p:cond delay="0"/>
+                                  </p:stCondLst>
+                                  <p:childTnLst>
+                                    <p:set>
+                                      <p:cBhvr>
+                                        <p:cTn id="20" dur="1" fill="hold">
+                                          <p:stCondLst>
+                                            <p:cond delay="0"/>
+                                          </p:stCondLst>
+                                        </p:cTn>
+                                        <p:tgtEl>
+                                          <p:spTgt spid="3">
+                                            <p:txEl>
+                                              <p:pRg st="1" end="1"/>
+                                            </p:txEl>
+                                          </p:spTgt>
+                                        </p:tgtEl>
+                                        <p:attrNameLst>
+                                          <p:attrName>style.visibility</p:attrName>
+                                        </p:attrNameLst>
+                                      </p:cBhvr>
+                                      <p:to>
+                                        <p:strVal val="visible"/>
+                                      </p:to>
+                                    </p:set>
+                                    <p:animEffect transition="in" filter="fade">
+                                      <p:cBhvr>
+                                        <p:cTn id="21" dur="1000"/>
+                                        <p:tgtEl>
+                                          <p:spTgt spid="3">
+                                            <p:txEl>
+                                              <p:pRg st="1" end="1"/>
+                                            </p:txEl>
+                                          </p:spTgt>
+                                        </p:tgtEl>
+                                      </p:cBhvr>
+                                    </p:animEffect>
+                                    <p:anim calcmode="lin" valueType="num">
+                                      <p:cBhvr>
+                                        <p:cTn id="22" dur="1000" fill="hold"/>
+                                        <p:tgtEl>
+                                          <p:spTgt spid="3">
+                                            <p:txEl>
+                                              <p:pRg st="1" end="1"/>
+                                            </p:txEl>
+                                          </p:spTgt>
+                                        </p:tgtEl>
+                                        <p:attrNameLst>
+                                          <p:attrName>ppt_x</p:attrName>
+                                        </p:attrNameLst>
+                                      </p:cBhvr>
+                                      <p:tavLst>
+                                        <p:tav tm="0">
+                                          <p:val>
+                                            <p:strVal val="#ppt_x"/>
+                                          </p:val>
+                                        </p:tav>
+                                        <p:tav tm="100000">
+                                          <p:val>
+                                            <p:strVal val="#ppt_x"/>
+                                          </p:val>
+                                        </p:tav>
+                                      </p:tavLst>
+                                    </p:anim>
+                                    <p:anim calcmode="lin" valueType="num">
+                                      <p:cBhvr>
+                                        <p:cTn id="23" dur="1000" fill="hold"/>
+                                        <p:tgtEl>
+                                          <p:spTgt spid="3">
+                                            <p:txEl>
+                                              <p:pRg st="1" end="1"/>
+                                            </p:txEl>
+                                          </p:spTgt>
+                                        </p:tgtEl>
+                                        <p:attrNameLst>
+                                          <p:attrName>ppt_y</p:attrName>
+                                        </p:attrNameLst>
+                                      </p:cBhvr>
+                                      <p:tavLst>
+                                        <p:tav tm="0">
+                                          <p:val>
+                                            <p:strVal val="#ppt_y+.1"/>
+                                          </p:val>
+                                        </p:tav>
+                                        <p:tav tm="100000">
+                                          <p:val>
+                                            <p:strVal val="#ppt_y"/>
+                                          </p:val>
+                                        </p:tav>
+                                      </p:tavLst>
+                                    </p:anim>
+                                  </p:childTnLst>
+                                </p:cTn>
+                              </p:par>
+                            </p:childTnLst>
+                          </p:cTn>
+                        </p:par>
+                      </p:childTnLst>
+                    </p:cTn>
+                  </p:par>
+                  <p:par>
+                    <p:cTn id="24" fill="hold">
+                      <p:stCondLst>
+                        <p:cond delay="indefinite"/>
+                      </p:stCondLst>
+                      <p:childTnLst>
+                        <p:par>
+                          <p:cTn id="25" fill="hold">
+                            <p:stCondLst>
+                              <p:cond delay="0"/>
+                            </p:stCondLst>
+                            <p:childTnLst>
+                              <p:par>
+                                <p:cTn id="26" presetID="42" presetClass="entr" presetSubtype="0" fill="hold" grpId="0" nodeType="clickEffect">
+                                  <p:stCondLst>
+                                    <p:cond delay="0"/>
+                                  </p:stCondLst>
+                                  <p:childTnLst>
+                                    <p:set>
+                                      <p:cBhvr>
+                                        <p:cTn id="27" dur="1" fill="hold">
+                                          <p:stCondLst>
+                                            <p:cond delay="0"/>
+                                          </p:stCondLst>
+                                        </p:cTn>
+                                        <p:tgtEl>
+                                          <p:spTgt spid="3">
+                                            <p:txEl>
+                                              <p:pRg st="2" end="2"/>
+                                            </p:txEl>
+                                          </p:spTgt>
+                                        </p:tgtEl>
+                                        <p:attrNameLst>
+                                          <p:attrName>style.visibility</p:attrName>
+                                        </p:attrNameLst>
+                                      </p:cBhvr>
+                                      <p:to>
+                                        <p:strVal val="visible"/>
+                                      </p:to>
+                                    </p:set>
+                                    <p:animEffect transition="in" filter="fade">
+                                      <p:cBhvr>
+                                        <p:cTn id="28" dur="1000"/>
+                                        <p:tgtEl>
+                                          <p:spTgt spid="3">
+                                            <p:txEl>
+                                              <p:pRg st="2" end="2"/>
+                                            </p:txEl>
+                                          </p:spTgt>
+                                        </p:tgtEl>
+                                      </p:cBhvr>
+                                    </p:animEffect>
+                                    <p:anim calcmode="lin" valueType="num">
+                                      <p:cBhvr>
+                                        <p:cTn id="29" dur="1000" fill="hold"/>
+                                        <p:tgtEl>
+                                          <p:spTgt spid="3">
+                                            <p:txEl>
+                                              <p:pRg st="2" end="2"/>
+                                            </p:txEl>
+                                          </p:spTgt>
+                                        </p:tgtEl>
+                                        <p:attrNameLst>
+                                          <p:attrName>ppt_x</p:attrName>
+                                        </p:attrNameLst>
+                                      </p:cBhvr>
+                                      <p:tavLst>
+                                        <p:tav tm="0">
+                                          <p:val>
+                                            <p:strVal val="#ppt_x"/>
+                                          </p:val>
+                                        </p:tav>
+                                        <p:tav tm="100000">
+                                          <p:val>
+                                            <p:strVal val="#ppt_x"/>
+                                          </p:val>
+                                        </p:tav>
+                                      </p:tavLst>
+                                    </p:anim>
+                                    <p:anim calcmode="lin" valueType="num">
+                                      <p:cBhvr>
+                                        <p:cTn id="30" dur="1000" fill="hold"/>
+                                        <p:tgtEl>
+                                          <p:spTgt spid="3">
+                                            <p:txEl>
+                                              <p:pRg st="2" end="2"/>
+                                            </p:txEl>
+                                          </p:spTgt>
+                                        </p:tgtEl>
+                                        <p:attrNameLst>
+                                          <p:attrName>ppt_y</p:attrName>
+                                        </p:attrNameLst>
+                                      </p:cBhvr>
+                                      <p:tavLst>
+                                        <p:tav tm="0">
+                                          <p:val>
+                                            <p:strVal val="#ppt_y+.1"/>
+                                          </p:val>
+                                        </p:tav>
+                                        <p:tav tm="100000">
+                                          <p:val>
+                                            <p:strVal val="#ppt_y"/>
+                                          </p:val>
+                                        </p:tav>
+                                      </p:tavLst>
+                                    </p:anim>
+                                  </p:childTnLst>
+                                </p:cTn>
+                              </p:par>
+                            </p:childTnLst>
+                          </p:cTn>
+                        </p:par>
+                      </p:childTnLst>
+                    </p:cTn>
+                  </p:par>
+                  <p:par>
+                    <p:cTn id="31" fill="hold">
+                      <p:stCondLst>
+                        <p:cond delay="indefinite"/>
+                      </p:stCondLst>
+                      <p:childTnLst>
+                        <p:par>
+                          <p:cTn id="32" fill="hold">
+                            <p:stCondLst>
+                              <p:cond delay="0"/>
+                            </p:stCondLst>
+                            <p:childTnLst>
+                              <p:par>
+                                <p:cTn id="33" presetID="42" presetClass="entr" presetSubtype="0" fill="hold" grpId="0" nodeType="clickEffect">
+                                  <p:stCondLst>
+                                    <p:cond delay="0"/>
+                                  </p:stCondLst>
+                                  <p:childTnLst>
+                                    <p:set>
+                                      <p:cBhvr>
+                                        <p:cTn id="34" dur="1" fill="hold">
+                                          <p:stCondLst>
+                                            <p:cond delay="0"/>
+                                          </p:stCondLst>
+                                        </p:cTn>
+                                        <p:tgtEl>
+                                          <p:spTgt spid="3">
+                                            <p:txEl>
+                                              <p:pRg st="3" end="3"/>
+                                            </p:txEl>
+                                          </p:spTgt>
+                                        </p:tgtEl>
+                                        <p:attrNameLst>
+                                          <p:attrName>style.visibility</p:attrName>
+                                        </p:attrNameLst>
+                                      </p:cBhvr>
+                                      <p:to>
+                                        <p:strVal val="visible"/>
+                                      </p:to>
+                                    </p:set>
+                                    <p:animEffect transition="in" filter="fade">
+                                      <p:cBhvr>
+                                        <p:cTn id="35" dur="1000"/>
+                                        <p:tgtEl>
+                                          <p:spTgt spid="3">
+                                            <p:txEl>
+                                              <p:pRg st="3" end="3"/>
+                                            </p:txEl>
+                                          </p:spTgt>
+                                        </p:tgtEl>
+                                      </p:cBhvr>
+                                    </p:animEffect>
+                                    <p:anim calcmode="lin" valueType="num">
+                                      <p:cBhvr>
+                                        <p:cTn id="36" dur="1000" fill="hold"/>
+                                        <p:tgtEl>
+                                          <p:spTgt spid="3">
+                                            <p:txEl>
+                                              <p:pRg st="3" end="3"/>
+                                            </p:txEl>
+                                          </p:spTgt>
+                                        </p:tgtEl>
+                                        <p:attrNameLst>
+                                          <p:attrName>ppt_x</p:attrName>
+                                        </p:attrNameLst>
+                                      </p:cBhvr>
+                                      <p:tavLst>
+                                        <p:tav tm="0">
+                                          <p:val>
+                                            <p:strVal val="#ppt_x"/>
+                                          </p:val>
+                                        </p:tav>
+                                        <p:tav tm="100000">
+                                          <p:val>
+                                            <p:strVal val="#ppt_x"/>
+                                          </p:val>
+                                        </p:tav>
+                                      </p:tavLst>
+                                    </p:anim>
+                                    <p:anim calcmode="lin" valueType="num">
+                                      <p:cBhvr>
+                                        <p:cTn id="37" dur="1000" fill="hold"/>
+                                        <p:tgtEl>
+                                          <p:spTgt spid="3">
+                                            <p:txEl>
+                                              <p:pRg st="3" end="3"/>
+                                            </p:txEl>
+                                          </p:spTgt>
+                                        </p:tgtEl>
+                                        <p:attrNameLst>
+                                          <p:attrName>ppt_y</p:attrName>
+                                        </p:attrNameLst>
+                                      </p:cBhvr>
+                                      <p:tavLst>
+                                        <p:tav tm="0">
+                                          <p:val>
+                                            <p:strVal val="#ppt_y+.1"/>
+                                          </p:val>
+                                        </p:tav>
+                                        <p:tav tm="100000">
+                                          <p:val>
+                                            <p:strVal val="#ppt_y"/>
+                                          </p:val>
+                                        </p:tav>
+                                      </p:tavLst>
+                                    </p:anim>
+                                  </p:childTnLst>
+                                </p:cTn>
+                              </p:par>
+                            </p:childTnLst>
+                          </p:cTn>
+                        </p:par>
+                      </p:childTnLst>
+                    </p:cTn>
+                  </p:par>
+                  <p:par>
+                    <p:cTn id="38" fill="hold">
+                      <p:stCondLst>
+                        <p:cond delay="indefinite"/>
+                      </p:stCondLst>
+                      <p:childTnLst>
+                        <p:par>
+                          <p:cTn id="39" fill="hold">
+                            <p:stCondLst>
+                              <p:cond delay="0"/>
+                            </p:stCondLst>
+                            <p:childTnLst>
+                              <p:par>
+                                <p:cTn id="40" presetID="42" presetClass="entr" presetSubtype="0" fill="hold" grpId="0" nodeType="clickEffect">
+                                  <p:stCondLst>
+                                    <p:cond delay="0"/>
+                                  </p:stCondLst>
+                                  <p:childTnLst>
+                                    <p:set>
+                                      <p:cBhvr>
+                                        <p:cTn id="41" dur="1" fill="hold">
+                                          <p:stCondLst>
+                                            <p:cond delay="0"/>
+                                          </p:stCondLst>
+                                        </p:cTn>
+                                        <p:tgtEl>
+                                          <p:spTgt spid="3">
+                                            <p:txEl>
+                                              <p:pRg st="4" end="4"/>
+                                            </p:txEl>
+                                          </p:spTgt>
+                                        </p:tgtEl>
+                                        <p:attrNameLst>
+                                          <p:attrName>style.visibility</p:attrName>
+                                        </p:attrNameLst>
+                                      </p:cBhvr>
+                                      <p:to>
+                                        <p:strVal val="visible"/>
+                                      </p:to>
+                                    </p:set>
+                                    <p:animEffect transition="in" filter="fade">
+                                      <p:cBhvr>
+                                        <p:cTn id="42" dur="1000"/>
+                                        <p:tgtEl>
+                                          <p:spTgt spid="3">
+                                            <p:txEl>
+                                              <p:pRg st="4" end="4"/>
+                                            </p:txEl>
+                                          </p:spTgt>
+                                        </p:tgtEl>
+                                      </p:cBhvr>
+                                    </p:animEffect>
+                                    <p:anim calcmode="lin" valueType="num">
+                                      <p:cBhvr>
+                                        <p:cTn id="43" dur="1000" fill="hold"/>
+                                        <p:tgtEl>
+                                          <p:spTgt spid="3">
+                                            <p:txEl>
+                                              <p:pRg st="4" end="4"/>
+                                            </p:txEl>
+                                          </p:spTgt>
+                                        </p:tgtEl>
+                                        <p:attrNameLst>
+                                          <p:attrName>ppt_x</p:attrName>
+                                        </p:attrNameLst>
+                                      </p:cBhvr>
+                                      <p:tavLst>
+                                        <p:tav tm="0">
+                                          <p:val>
+                                            <p:strVal val="#ppt_x"/>
+                                          </p:val>
+                                        </p:tav>
+                                        <p:tav tm="100000">
+                                          <p:val>
+                                            <p:strVal val="#ppt_x"/>
+                                          </p:val>
+                                        </p:tav>
+                                      </p:tavLst>
+                                    </p:anim>
+                                    <p:anim calcmode="lin" valueType="num">
+                                      <p:cBhvr>
+                                        <p:cTn id="44" dur="1000" fill="hold"/>
+                                        <p:tgtEl>
+                                          <p:spTgt spid="3">
+                                            <p:txEl>
+                                              <p:pRg st="4" end="4"/>
+                                            </p:txEl>
+                                          </p:spTgt>
+                                        </p:tgtEl>
+                                        <p:attrNameLst>
+                                          <p:attrName>ppt_y</p:attrName>
+                                        </p:attrNameLst>
+                                      </p:cBhvr>
+                                      <p:tavLst>
+                                        <p:tav tm="0">
+                                          <p:val>
+                                            <p:strVal val="#ppt_y+.1"/>
+                                          </p:val>
+                                        </p:tav>
+                                        <p:tav tm="100000">
+                                          <p:val>
+                                            <p:strVal val="#ppt_y"/>
+                                          </p:val>
+                                        </p:tav>
+                                      </p:tavLst>
+                                    </p:anim>
+                                  </p:childTnLst>
+                                </p:cTn>
+                              </p:par>
+                            </p:childTnLst>
+                          </p:cTn>
+                        </p:par>
+                      </p:childTnLst>
+                    </p:cTn>
+                  </p:par>
+                </p:childTnLst>
+              </p:cTn>
+              <p:prevCondLst>
+                <p:cond evt="onPrev" delay="0">
+                  <p:tgtEl>
+                    <p:sldTgt/>
+                  </p:tgtEl>
+                </p:cond>
+              </p:prevCondLst>
+              <p:nextCondLst>
+                <p:cond evt="onNext" delay="0">
+                  <p:tgtEl>
+                    <p:sldTgt/>
+                  </p:tgtEl>
+                </p:cond>
+              </p:nextCondLst>
+            </p:seq>
+          </p:childTnLst>
+        </p:cTn>
+      </p:par>
+    </p:tnLst>
+    <p:bldLst>
+      <p:bldP spid="2" grpId="0"/>
+      <p:bldP spid="3" grpId="0" uiExpand="1" build="p"/>
+    </p:bldLst>
+  </p:timing>
 </p:sld>
 </file>
 
@@ -3642,10 +4603,80 @@
           </a:prstGeom>
         </p:spPr>
       </p:pic>
+      <p:sp>
+        <p:nvSpPr>
+          <p:cNvPr id="2" name="Title 1">
+            <a:extLst>
+              <a:ext uri="{FF2B5EF4-FFF2-40B4-BE49-F238E27FC236}">
+                <a16:creationId xmlns:a16="http://schemas.microsoft.com/office/drawing/2014/main" id="{755AC5D1-2CB9-47F4-ADBF-D14195C01182}"/>
+              </a:ext>
+            </a:extLst>
+          </p:cNvPr>
+          <p:cNvSpPr>
+            <a:spLocks noGrp="1"/>
+          </p:cNvSpPr>
+          <p:nvPr>
+            <p:ph type="title"/>
+          </p:nvPr>
+        </p:nvSpPr>
+        <p:spPr>
+          <a:xfrm>
+            <a:off x="838200" y="1175657"/>
+            <a:ext cx="10515600" cy="984069"/>
+          </a:xfrm>
+        </p:spPr>
+        <p:txBody>
+          <a:bodyPr>
+            <a:normAutofit/>
+          </a:bodyPr>
+          <a:lstStyle/>
+          <a:p>
+            <a:r>
+              <a:rPr lang="en-IN" b="1" dirty="0"/>
+              <a:t>Where is Medicus?</a:t>
+            </a:r>
+          </a:p>
+        </p:txBody>
+      </p:sp>
+      <p:sp>
+        <p:nvSpPr>
+          <p:cNvPr id="3" name="Content Placeholder 2">
+            <a:extLst>
+              <a:ext uri="{FF2B5EF4-FFF2-40B4-BE49-F238E27FC236}">
+                <a16:creationId xmlns:a16="http://schemas.microsoft.com/office/drawing/2014/main" id="{101259B3-6D8F-47B0-9907-AC17AC3B359A}"/>
+              </a:ext>
+            </a:extLst>
+          </p:cNvPr>
+          <p:cNvSpPr>
+            <a:spLocks noGrp="1"/>
+          </p:cNvSpPr>
+          <p:nvPr>
+            <p:ph idx="1"/>
+          </p:nvPr>
+        </p:nvSpPr>
+        <p:spPr>
+          <a:xfrm>
+            <a:off x="838200" y="2342606"/>
+            <a:ext cx="10515600" cy="3834357"/>
+          </a:xfrm>
+        </p:spPr>
+        <p:txBody>
+          <a:bodyPr/>
+          <a:lstStyle/>
+          <a:p>
+            <a:r>
+              <a:rPr lang="en-IN" dirty="0">
+                <a:latin typeface="Montserrat" panose="00000500000000000000" pitchFamily="50" charset="0"/>
+              </a:rPr>
+              <a:t>I</a:t>
+            </a:r>
+          </a:p>
+        </p:txBody>
+      </p:sp>
     </p:spTree>
     <p:extLst>
       <p:ext uri="{BB962C8B-B14F-4D97-AF65-F5344CB8AC3E}">
-        <p14:creationId xmlns:p14="http://schemas.microsoft.com/office/powerpoint/2010/main" val="382613260"/>
+        <p14:creationId xmlns:p14="http://schemas.microsoft.com/office/powerpoint/2010/main" val="3807450185"/>
       </p:ext>
     </p:extLst>
   </p:cSld>
@@ -3708,10 +4739,72 @@
           </a:prstGeom>
         </p:spPr>
       </p:pic>
+      <p:sp>
+        <p:nvSpPr>
+          <p:cNvPr id="2" name="Title 1">
+            <a:extLst>
+              <a:ext uri="{FF2B5EF4-FFF2-40B4-BE49-F238E27FC236}">
+                <a16:creationId xmlns:a16="http://schemas.microsoft.com/office/drawing/2014/main" id="{755AC5D1-2CB9-47F4-ADBF-D14195C01182}"/>
+              </a:ext>
+            </a:extLst>
+          </p:cNvPr>
+          <p:cNvSpPr>
+            <a:spLocks noGrp="1"/>
+          </p:cNvSpPr>
+          <p:nvPr>
+            <p:ph type="title"/>
+          </p:nvPr>
+        </p:nvSpPr>
+        <p:spPr>
+          <a:xfrm>
+            <a:off x="838200" y="1175657"/>
+            <a:ext cx="10515600" cy="984069"/>
+          </a:xfrm>
+        </p:spPr>
+        <p:txBody>
+          <a:bodyPr>
+            <a:normAutofit/>
+          </a:bodyPr>
+          <a:lstStyle/>
+          <a:p>
+            <a:endParaRPr lang="en-IN" dirty="0"/>
+          </a:p>
+        </p:txBody>
+      </p:sp>
+      <p:sp>
+        <p:nvSpPr>
+          <p:cNvPr id="3" name="Content Placeholder 2">
+            <a:extLst>
+              <a:ext uri="{FF2B5EF4-FFF2-40B4-BE49-F238E27FC236}">
+                <a16:creationId xmlns:a16="http://schemas.microsoft.com/office/drawing/2014/main" id="{101259B3-6D8F-47B0-9907-AC17AC3B359A}"/>
+              </a:ext>
+            </a:extLst>
+          </p:cNvPr>
+          <p:cNvSpPr>
+            <a:spLocks noGrp="1"/>
+          </p:cNvSpPr>
+          <p:nvPr>
+            <p:ph idx="1"/>
+          </p:nvPr>
+        </p:nvSpPr>
+        <p:spPr>
+          <a:xfrm>
+            <a:off x="838200" y="2342606"/>
+            <a:ext cx="10515600" cy="3834357"/>
+          </a:xfrm>
+        </p:spPr>
+        <p:txBody>
+          <a:bodyPr/>
+          <a:lstStyle/>
+          <a:p>
+            <a:endParaRPr lang="en-IN" dirty="0"/>
+          </a:p>
+        </p:txBody>
+      </p:sp>
     </p:spTree>
     <p:extLst>
       <p:ext uri="{BB962C8B-B14F-4D97-AF65-F5344CB8AC3E}">
-        <p14:creationId xmlns:p14="http://schemas.microsoft.com/office/powerpoint/2010/main" val="2011718982"/>
+        <p14:creationId xmlns:p14="http://schemas.microsoft.com/office/powerpoint/2010/main" val="554333656"/>
       </p:ext>
     </p:extLst>
   </p:cSld>
@@ -4758,10 +5851,10 @@
         </p:nvGrpSpPr>
         <p:grpSpPr>
           <a:xfrm>
-            <a:off x="5914355" y="4620242"/>
-            <a:ext cx="3125020" cy="1452554"/>
-            <a:chOff x="6191193" y="4416136"/>
-            <a:chExt cx="3125020" cy="1452554"/>
+            <a:off x="5913121" y="4620242"/>
+            <a:ext cx="3126254" cy="1452554"/>
+            <a:chOff x="6189959" y="4416136"/>
+            <a:chExt cx="3126254" cy="1452554"/>
           </a:xfrm>
         </p:grpSpPr>
         <p:sp>
@@ -4778,8 +5871,8 @@
           </p:nvSpPr>
           <p:spPr>
             <a:xfrm>
-              <a:off x="6191193" y="4416136"/>
-              <a:ext cx="3125020" cy="461665"/>
+              <a:off x="6189959" y="4416136"/>
+              <a:ext cx="3126254" cy="461665"/>
             </a:xfrm>
             <a:prstGeom prst="rect">
               <a:avLst/>

--- a/ISQIP-Presentation/ISQIP_presentation.pptx
+++ b/ISQIP-Presentation/ISQIP_presentation.pptx
@@ -5,13 +5,15 @@
     <p:sldMasterId id="2147483648" r:id="rId1"/>
   </p:sldMasterIdLst>
   <p:sldIdLst>
-    <p:sldId id="256" r:id="rId2"/>
-    <p:sldId id="262" r:id="rId3"/>
-    <p:sldId id="263" r:id="rId4"/>
-    <p:sldId id="264" r:id="rId5"/>
-    <p:sldId id="265" r:id="rId6"/>
-    <p:sldId id="260" r:id="rId7"/>
-    <p:sldId id="261" r:id="rId8"/>
+    <p:sldId id="267" r:id="rId2"/>
+    <p:sldId id="268" r:id="rId3"/>
+    <p:sldId id="269" r:id="rId4"/>
+    <p:sldId id="262" r:id="rId5"/>
+    <p:sldId id="263" r:id="rId6"/>
+    <p:sldId id="271" r:id="rId7"/>
+    <p:sldId id="260" r:id="rId8"/>
+    <p:sldId id="261" r:id="rId9"/>
+    <p:sldId id="270" r:id="rId10"/>
   </p:sldIdLst>
   <p:sldSz cx="12192000" cy="6858000"/>
   <p:notesSz cx="6858000" cy="9144000"/>
@@ -3355,10 +3357,10 @@
       </p:grpSpPr>
       <p:pic>
         <p:nvPicPr>
-          <p:cNvPr id="5" name="Picture 4">
-            <a:extLst>
-              <a:ext uri="{FF2B5EF4-FFF2-40B4-BE49-F238E27FC236}">
-                <a16:creationId xmlns:a16="http://schemas.microsoft.com/office/drawing/2014/main" id="{4F8476F6-0F73-4EC1-87E9-C68A75BA8F87}"/>
+          <p:cNvPr id="3" name="Picture 2">
+            <a:extLst>
+              <a:ext uri="{FF2B5EF4-FFF2-40B4-BE49-F238E27FC236}">
+                <a16:creationId xmlns:a16="http://schemas.microsoft.com/office/drawing/2014/main" id="{4DA223F1-D402-4235-836B-E2CD5B8E098D}"/>
               </a:ext>
             </a:extLst>
           </p:cNvPr>
@@ -3381,83 +3383,18 @@
         </p:blipFill>
         <p:spPr>
           <a:xfrm>
-            <a:off x="0" y="27305"/>
-            <a:ext cx="12192000" cy="6858000"/>
+            <a:off x="0" y="0"/>
+            <a:ext cx="12279085" cy="6858000"/>
           </a:xfrm>
           <a:prstGeom prst="rect">
             <a:avLst/>
           </a:prstGeom>
         </p:spPr>
       </p:pic>
-      <p:sp>
-        <p:nvSpPr>
-          <p:cNvPr id="8" name="Title 7">
-            <a:extLst>
-              <a:ext uri="{FF2B5EF4-FFF2-40B4-BE49-F238E27FC236}">
-                <a16:creationId xmlns:a16="http://schemas.microsoft.com/office/drawing/2014/main" id="{10F53823-94FA-491F-8491-55B1DF983FED}"/>
-              </a:ext>
-            </a:extLst>
-          </p:cNvPr>
-          <p:cNvSpPr>
-            <a:spLocks noGrp="1"/>
-          </p:cNvSpPr>
-          <p:nvPr>
-            <p:ph type="title"/>
-          </p:nvPr>
-        </p:nvSpPr>
-        <p:spPr>
-          <a:xfrm>
-            <a:off x="838200" y="1259205"/>
-            <a:ext cx="10515600" cy="1325563"/>
-          </a:xfrm>
-        </p:spPr>
-        <p:txBody>
-          <a:bodyPr/>
-          <a:lstStyle/>
-          <a:p>
-            <a:r>
-              <a:rPr lang="en-IN" b="1" dirty="0">
-                <a:latin typeface="Montserrat" panose="00000500000000000000" pitchFamily="50" charset="0"/>
-              </a:rPr>
-              <a:t>Introduction</a:t>
-            </a:r>
-          </a:p>
-        </p:txBody>
-      </p:sp>
-      <p:sp>
-        <p:nvSpPr>
-          <p:cNvPr id="9" name="Content Placeholder 8">
-            <a:extLst>
-              <a:ext uri="{FF2B5EF4-FFF2-40B4-BE49-F238E27FC236}">
-                <a16:creationId xmlns:a16="http://schemas.microsoft.com/office/drawing/2014/main" id="{D6AA9456-9F12-403E-8E89-27B5BFA8DE5F}"/>
-              </a:ext>
-            </a:extLst>
-          </p:cNvPr>
-          <p:cNvSpPr>
-            <a:spLocks noGrp="1"/>
-          </p:cNvSpPr>
-          <p:nvPr>
-            <p:ph idx="1"/>
-          </p:nvPr>
-        </p:nvSpPr>
-        <p:spPr>
-          <a:xfrm>
-            <a:off x="838200" y="2814319"/>
-            <a:ext cx="10515600" cy="3362643"/>
-          </a:xfrm>
-        </p:spPr>
-        <p:txBody>
-          <a:bodyPr/>
-          <a:lstStyle/>
-          <a:p>
-            <a:endParaRPr lang="en-IN" dirty="0"/>
-          </a:p>
-        </p:txBody>
-      </p:sp>
     </p:spTree>
     <p:extLst>
       <p:ext uri="{BB962C8B-B14F-4D97-AF65-F5344CB8AC3E}">
-        <p14:creationId xmlns:p14="http://schemas.microsoft.com/office/powerpoint/2010/main" val="2106304524"/>
+        <p14:creationId xmlns:p14="http://schemas.microsoft.com/office/powerpoint/2010/main" val="830984742"/>
       </p:ext>
     </p:extLst>
   </p:cSld>
@@ -3486,10 +3423,10 @@
       </p:grpSpPr>
       <p:pic>
         <p:nvPicPr>
-          <p:cNvPr id="5" name="Picture 4">
-            <a:extLst>
-              <a:ext uri="{FF2B5EF4-FFF2-40B4-BE49-F238E27FC236}">
-                <a16:creationId xmlns:a16="http://schemas.microsoft.com/office/drawing/2014/main" id="{4F8476F6-0F73-4EC1-87E9-C68A75BA8F87}"/>
+          <p:cNvPr id="4" name="Picture 3">
+            <a:extLst>
+              <a:ext uri="{FF2B5EF4-FFF2-40B4-BE49-F238E27FC236}">
+                <a16:creationId xmlns:a16="http://schemas.microsoft.com/office/drawing/2014/main" id="{846C82FB-ACE6-45DF-BA31-5BEC7014C136}"/>
               </a:ext>
             </a:extLst>
           </p:cNvPr>
@@ -3512,8 +3449,8 @@
         </p:blipFill>
         <p:spPr>
           <a:xfrm>
-            <a:off x="0" y="0"/>
-            <a:ext cx="12192000" cy="6858000"/>
+            <a:off x="10167" y="0"/>
+            <a:ext cx="12181833" cy="6858000"/>
           </a:xfrm>
           <a:prstGeom prst="rect">
             <a:avLst/>
@@ -3522,47 +3459,66 @@
       </p:pic>
       <p:sp>
         <p:nvSpPr>
-          <p:cNvPr id="2" name="Title 1">
-            <a:extLst>
-              <a:ext uri="{FF2B5EF4-FFF2-40B4-BE49-F238E27FC236}">
-                <a16:creationId xmlns:a16="http://schemas.microsoft.com/office/drawing/2014/main" id="{755AC5D1-2CB9-47F4-ADBF-D14195C01182}"/>
-              </a:ext>
-            </a:extLst>
-          </p:cNvPr>
-          <p:cNvSpPr>
-            <a:spLocks noGrp="1"/>
+          <p:cNvPr id="5" name="Title 7">
+            <a:extLst>
+              <a:ext uri="{FF2B5EF4-FFF2-40B4-BE49-F238E27FC236}">
+                <a16:creationId xmlns:a16="http://schemas.microsoft.com/office/drawing/2014/main" id="{883F610C-68DA-40D1-ABCF-AE8ED6E04BDD}"/>
+              </a:ext>
+            </a:extLst>
+          </p:cNvPr>
+          <p:cNvSpPr txBox="1">
+            <a:spLocks/>
           </p:cNvSpPr>
-          <p:nvPr>
-            <p:ph type="title"/>
-          </p:nvPr>
+          <p:nvPr/>
         </p:nvSpPr>
         <p:spPr>
           <a:xfrm>
-            <a:off x="838200" y="1175657"/>
-            <a:ext cx="10515600" cy="984069"/>
+            <a:off x="838200" y="436245"/>
+            <a:ext cx="10515600" cy="1325563"/>
           </a:xfrm>
+          <a:prstGeom prst="rect">
+            <a:avLst/>
+          </a:prstGeom>
         </p:spPr>
         <p:txBody>
-          <a:bodyPr>
+          <a:bodyPr vert="horz" lIns="91440" tIns="45720" rIns="91440" bIns="45720" rtlCol="0" anchor="b">
             <a:normAutofit/>
           </a:bodyPr>
-          <a:lstStyle/>
+          <a:lstStyle>
+            <a:lvl1pPr algn="ctr" defTabSz="914400" rtl="0" eaLnBrk="1" latinLnBrk="0" hangingPunct="1">
+              <a:lnSpc>
+                <a:spcPct val="90000"/>
+              </a:lnSpc>
+              <a:spcBef>
+                <a:spcPct val="0"/>
+              </a:spcBef>
+              <a:buNone/>
+              <a:defRPr sz="6000" kern="1200">
+                <a:solidFill>
+                  <a:schemeClr val="tx1"/>
+                </a:solidFill>
+                <a:latin typeface="+mj-lt"/>
+                <a:ea typeface="+mj-ea"/>
+                <a:cs typeface="+mj-cs"/>
+              </a:defRPr>
+            </a:lvl1pPr>
+          </a:lstStyle>
           <a:p>
             <a:r>
               <a:rPr lang="en-IN" b="1" dirty="0">
                 <a:latin typeface="Montserrat" panose="00000500000000000000" pitchFamily="50" charset="0"/>
               </a:rPr>
-              <a:t>What is Medicus?</a:t>
+              <a:t>Introduction</a:t>
             </a:r>
           </a:p>
         </p:txBody>
       </p:sp>
       <p:sp>
         <p:nvSpPr>
-          <p:cNvPr id="3" name="Content Placeholder 2">
-            <a:extLst>
-              <a:ext uri="{FF2B5EF4-FFF2-40B4-BE49-F238E27FC236}">
-                <a16:creationId xmlns:a16="http://schemas.microsoft.com/office/drawing/2014/main" id="{101259B3-6D8F-47B0-9907-AC17AC3B359A}"/>
+          <p:cNvPr id="9" name="Content Placeholder 8">
+            <a:extLst>
+              <a:ext uri="{FF2B5EF4-FFF2-40B4-BE49-F238E27FC236}">
+                <a16:creationId xmlns:a16="http://schemas.microsoft.com/office/drawing/2014/main" id="{35358FAD-D4CF-4FBF-BF0E-468C33B0345E}"/>
               </a:ext>
             </a:extLst>
           </p:cNvPr>
@@ -3573,93 +3529,327 @@
             <p:ph idx="1"/>
           </p:nvPr>
         </p:nvSpPr>
-        <p:spPr>
-          <a:xfrm>
-            <a:off x="838200" y="2342606"/>
-            <a:ext cx="10515600" cy="3834357"/>
-          </a:xfrm>
-        </p:spPr>
+        <p:spPr/>
         <p:txBody>
           <a:bodyPr/>
           <a:lstStyle/>
           <a:p>
             <a:r>
-              <a:rPr lang="en-IN" dirty="0">
+              <a:rPr lang="en-US" dirty="0">
                 <a:latin typeface="Montserrat" panose="00000500000000000000" pitchFamily="50" charset="0"/>
               </a:rPr>
-              <a:t>A website bringing e-medical assistance </a:t>
+              <a:t>5.2 million medical errors are happening in India annually</a:t>
             </a:r>
           </a:p>
           <a:p>
             <a:r>
-              <a:rPr lang="en-IN" dirty="0">
+              <a:rPr lang="en-US" dirty="0">
                 <a:latin typeface="Montserrat" panose="00000500000000000000" pitchFamily="50" charset="0"/>
               </a:rPr>
-              <a:t>Derived from Latin , meaning </a:t>
+              <a:t>Majority of people don’t have access to quality      medical care </a:t>
             </a:r>
+          </a:p>
+          <a:p>
+            <a:endParaRPr lang="en-US" dirty="0">
+              <a:latin typeface="Montserrat" panose="00000500000000000000" pitchFamily="50" charset="0"/>
+            </a:endParaRPr>
+          </a:p>
+          <a:p>
+            <a:pPr marL="0" indent="0">
+              <a:buNone/>
+            </a:pPr>
             <a:r>
-              <a:rPr lang="en-IN" b="1" dirty="0">
+              <a:rPr lang="en-US" b="1" dirty="0">
                 <a:latin typeface="Montserrat" panose="00000500000000000000" pitchFamily="50" charset="0"/>
               </a:rPr>
-              <a:t>Doctor</a:t>
+              <a:t>To reduce these problems we have</a:t>
             </a:r>
           </a:p>
           <a:p>
-            <a:r>
-              <a:rPr lang="en-IN" dirty="0">
-                <a:latin typeface="Montserrat" panose="00000500000000000000" pitchFamily="50" charset="0"/>
-              </a:rPr>
-              <a:t>Contains:</a:t>
-            </a:r>
-          </a:p>
-          <a:p>
-            <a:pPr lvl="1"/>
-            <a:r>
-              <a:rPr lang="en-IN" dirty="0">
-                <a:latin typeface="Montserrat" panose="00000500000000000000" pitchFamily="50" charset="0"/>
-              </a:rPr>
-              <a:t>Information about the hospitals</a:t>
-            </a:r>
-          </a:p>
-          <a:p>
-            <a:pPr lvl="1"/>
-            <a:r>
-              <a:rPr lang="en-IN" dirty="0">
-                <a:latin typeface="Montserrat" panose="00000500000000000000" pitchFamily="50" charset="0"/>
-              </a:rPr>
-              <a:t>Reviews for the corresponding hospitals</a:t>
-            </a:r>
-          </a:p>
-          <a:p>
-            <a:pPr lvl="1"/>
-            <a:r>
-              <a:rPr lang="en-IN" dirty="0">
-                <a:latin typeface="Montserrat" panose="00000500000000000000" pitchFamily="50" charset="0"/>
-              </a:rPr>
-              <a:t>Feedback from real patients about their experience</a:t>
-            </a:r>
-          </a:p>
-          <a:p>
-            <a:pPr lvl="1"/>
-            <a:r>
-              <a:rPr lang="en-IN" dirty="0">
-                <a:latin typeface="Montserrat" panose="00000500000000000000" pitchFamily="50" charset="0"/>
-              </a:rPr>
-              <a:t>Rating of Doctors in the corresponding hospital</a:t>
-            </a:r>
+            <a:endParaRPr lang="en-IN" dirty="0"/>
           </a:p>
         </p:txBody>
       </p:sp>
     </p:spTree>
     <p:extLst>
       <p:ext uri="{BB962C8B-B14F-4D97-AF65-F5344CB8AC3E}">
-        <p14:creationId xmlns:p14="http://schemas.microsoft.com/office/powerpoint/2010/main" val="3678841423"/>
+        <p14:creationId xmlns:p14="http://schemas.microsoft.com/office/powerpoint/2010/main" val="2976097842"/>
       </p:ext>
     </p:extLst>
   </p:cSld>
   <p:clrMapOvr>
     <a:masterClrMapping/>
   </p:clrMapOvr>
+  <p:timing>
+    <p:tnLst>
+      <p:par>
+        <p:cTn id="1" dur="indefinite" restart="never" nodeType="tmRoot">
+          <p:childTnLst>
+            <p:seq concurrent="1" nextAc="seek">
+              <p:cTn id="2" dur="indefinite" nodeType="mainSeq">
+                <p:childTnLst>
+                  <p:par>
+                    <p:cTn id="3" fill="hold">
+                      <p:stCondLst>
+                        <p:cond delay="indefinite"/>
+                      </p:stCondLst>
+                      <p:childTnLst>
+                        <p:par>
+                          <p:cTn id="4" fill="hold">
+                            <p:stCondLst>
+                              <p:cond delay="0"/>
+                            </p:stCondLst>
+                            <p:childTnLst>
+                              <p:par>
+                                <p:cTn id="5" presetID="10" presetClass="entr" presetSubtype="0" fill="hold" grpId="0" nodeType="clickEffect">
+                                  <p:stCondLst>
+                                    <p:cond delay="0"/>
+                                  </p:stCondLst>
+                                  <p:childTnLst>
+                                    <p:set>
+                                      <p:cBhvr>
+                                        <p:cTn id="6" dur="1" fill="hold">
+                                          <p:stCondLst>
+                                            <p:cond delay="0"/>
+                                          </p:stCondLst>
+                                        </p:cTn>
+                                        <p:tgtEl>
+                                          <p:spTgt spid="5"/>
+                                        </p:tgtEl>
+                                        <p:attrNameLst>
+                                          <p:attrName>style.visibility</p:attrName>
+                                        </p:attrNameLst>
+                                      </p:cBhvr>
+                                      <p:to>
+                                        <p:strVal val="visible"/>
+                                      </p:to>
+                                    </p:set>
+                                    <p:animEffect transition="in" filter="fade">
+                                      <p:cBhvr>
+                                        <p:cTn id="7" dur="500"/>
+                                        <p:tgtEl>
+                                          <p:spTgt spid="5"/>
+                                        </p:tgtEl>
+                                      </p:cBhvr>
+                                    </p:animEffect>
+                                  </p:childTnLst>
+                                </p:cTn>
+                              </p:par>
+                            </p:childTnLst>
+                          </p:cTn>
+                        </p:par>
+                      </p:childTnLst>
+                    </p:cTn>
+                  </p:par>
+                  <p:par>
+                    <p:cTn id="8" fill="hold">
+                      <p:stCondLst>
+                        <p:cond delay="indefinite"/>
+                      </p:stCondLst>
+                      <p:childTnLst>
+                        <p:par>
+                          <p:cTn id="9" fill="hold">
+                            <p:stCondLst>
+                              <p:cond delay="0"/>
+                            </p:stCondLst>
+                            <p:childTnLst>
+                              <p:par>
+                                <p:cTn id="10" presetID="10" presetClass="entr" presetSubtype="0" fill="hold" grpId="0" nodeType="clickEffect">
+                                  <p:stCondLst>
+                                    <p:cond delay="0"/>
+                                  </p:stCondLst>
+                                  <p:childTnLst>
+                                    <p:set>
+                                      <p:cBhvr>
+                                        <p:cTn id="11" dur="1" fill="hold">
+                                          <p:stCondLst>
+                                            <p:cond delay="0"/>
+                                          </p:stCondLst>
+                                        </p:cTn>
+                                        <p:tgtEl>
+                                          <p:spTgt spid="9">
+                                            <p:txEl>
+                                              <p:pRg st="0" end="0"/>
+                                            </p:txEl>
+                                          </p:spTgt>
+                                        </p:tgtEl>
+                                        <p:attrNameLst>
+                                          <p:attrName>style.visibility</p:attrName>
+                                        </p:attrNameLst>
+                                      </p:cBhvr>
+                                      <p:to>
+                                        <p:strVal val="visible"/>
+                                      </p:to>
+                                    </p:set>
+                                    <p:animEffect transition="in" filter="fade">
+                                      <p:cBhvr>
+                                        <p:cTn id="12" dur="500"/>
+                                        <p:tgtEl>
+                                          <p:spTgt spid="9">
+                                            <p:txEl>
+                                              <p:pRg st="0" end="0"/>
+                                            </p:txEl>
+                                          </p:spTgt>
+                                        </p:tgtEl>
+                                      </p:cBhvr>
+                                    </p:animEffect>
+                                  </p:childTnLst>
+                                </p:cTn>
+                              </p:par>
+                            </p:childTnLst>
+                          </p:cTn>
+                        </p:par>
+                      </p:childTnLst>
+                    </p:cTn>
+                  </p:par>
+                  <p:par>
+                    <p:cTn id="13" fill="hold">
+                      <p:stCondLst>
+                        <p:cond delay="indefinite"/>
+                      </p:stCondLst>
+                      <p:childTnLst>
+                        <p:par>
+                          <p:cTn id="14" fill="hold">
+                            <p:stCondLst>
+                              <p:cond delay="0"/>
+                            </p:stCondLst>
+                            <p:childTnLst>
+                              <p:par>
+                                <p:cTn id="15" presetID="10" presetClass="entr" presetSubtype="0" fill="hold" grpId="0" nodeType="clickEffect">
+                                  <p:stCondLst>
+                                    <p:cond delay="0"/>
+                                  </p:stCondLst>
+                                  <p:childTnLst>
+                                    <p:set>
+                                      <p:cBhvr>
+                                        <p:cTn id="16" dur="1" fill="hold">
+                                          <p:stCondLst>
+                                            <p:cond delay="0"/>
+                                          </p:stCondLst>
+                                        </p:cTn>
+                                        <p:tgtEl>
+                                          <p:spTgt spid="9">
+                                            <p:txEl>
+                                              <p:pRg st="1" end="1"/>
+                                            </p:txEl>
+                                          </p:spTgt>
+                                        </p:tgtEl>
+                                        <p:attrNameLst>
+                                          <p:attrName>style.visibility</p:attrName>
+                                        </p:attrNameLst>
+                                      </p:cBhvr>
+                                      <p:to>
+                                        <p:strVal val="visible"/>
+                                      </p:to>
+                                    </p:set>
+                                    <p:animEffect transition="in" filter="fade">
+                                      <p:cBhvr>
+                                        <p:cTn id="17" dur="500"/>
+                                        <p:tgtEl>
+                                          <p:spTgt spid="9">
+                                            <p:txEl>
+                                              <p:pRg st="1" end="1"/>
+                                            </p:txEl>
+                                          </p:spTgt>
+                                        </p:tgtEl>
+                                      </p:cBhvr>
+                                    </p:animEffect>
+                                  </p:childTnLst>
+                                </p:cTn>
+                              </p:par>
+                            </p:childTnLst>
+                          </p:cTn>
+                        </p:par>
+                      </p:childTnLst>
+                    </p:cTn>
+                  </p:par>
+                  <p:par>
+                    <p:cTn id="18" fill="hold">
+                      <p:stCondLst>
+                        <p:cond delay="indefinite"/>
+                      </p:stCondLst>
+                      <p:childTnLst>
+                        <p:par>
+                          <p:cTn id="19" fill="hold">
+                            <p:stCondLst>
+                              <p:cond delay="0"/>
+                            </p:stCondLst>
+                            <p:childTnLst>
+                              <p:par>
+                                <p:cTn id="20" presetID="10" presetClass="entr" presetSubtype="0" fill="hold" grpId="0" nodeType="clickEffect">
+                                  <p:stCondLst>
+                                    <p:cond delay="0"/>
+                                  </p:stCondLst>
+                                  <p:childTnLst>
+                                    <p:set>
+                                      <p:cBhvr>
+                                        <p:cTn id="21" dur="1" fill="hold">
+                                          <p:stCondLst>
+                                            <p:cond delay="0"/>
+                                          </p:stCondLst>
+                                        </p:cTn>
+                                        <p:tgtEl>
+                                          <p:spTgt spid="9">
+                                            <p:txEl>
+                                              <p:pRg st="3" end="3"/>
+                                            </p:txEl>
+                                          </p:spTgt>
+                                        </p:tgtEl>
+                                        <p:attrNameLst>
+                                          <p:attrName>style.visibility</p:attrName>
+                                        </p:attrNameLst>
+                                      </p:cBhvr>
+                                      <p:to>
+                                        <p:strVal val="visible"/>
+                                      </p:to>
+                                    </p:set>
+                                    <p:animEffect transition="in" filter="fade">
+                                      <p:cBhvr>
+                                        <p:cTn id="22" dur="500"/>
+                                        <p:tgtEl>
+                                          <p:spTgt spid="9">
+                                            <p:txEl>
+                                              <p:pRg st="3" end="3"/>
+                                            </p:txEl>
+                                          </p:spTgt>
+                                        </p:tgtEl>
+                                      </p:cBhvr>
+                                    </p:animEffect>
+                                  </p:childTnLst>
+                                </p:cTn>
+                              </p:par>
+                            </p:childTnLst>
+                          </p:cTn>
+                        </p:par>
+                      </p:childTnLst>
+                    </p:cTn>
+                  </p:par>
+                </p:childTnLst>
+              </p:cTn>
+              <p:prevCondLst>
+                <p:cond evt="onPrev" delay="0">
+                  <p:tgtEl>
+                    <p:sldTgt/>
+                  </p:tgtEl>
+                </p:cond>
+              </p:prevCondLst>
+              <p:nextCondLst>
+                <p:cond evt="onNext" delay="0">
+                  <p:tgtEl>
+                    <p:sldTgt/>
+                  </p:tgtEl>
+                </p:cond>
+              </p:nextCondLst>
+            </p:seq>
+          </p:childTnLst>
+        </p:cTn>
+      </p:par>
+    </p:tnLst>
+    <p:bldLst>
+      <p:bldP spid="5" grpId="0"/>
+      <p:bldP spid="9" grpId="0" build="p"/>
+    </p:bldLst>
+  </p:timing>
 </p:sld>
 </file>
 
@@ -3682,6 +3872,237 @@
       </p:grpSpPr>
       <p:pic>
         <p:nvPicPr>
+          <p:cNvPr id="4" name="Picture 3">
+            <a:extLst>
+              <a:ext uri="{FF2B5EF4-FFF2-40B4-BE49-F238E27FC236}">
+                <a16:creationId xmlns:a16="http://schemas.microsoft.com/office/drawing/2014/main" id="{846C82FB-ACE6-45DF-BA31-5BEC7014C136}"/>
+              </a:ext>
+            </a:extLst>
+          </p:cNvPr>
+          <p:cNvPicPr>
+            <a:picLocks noChangeAspect="1"/>
+          </p:cNvPicPr>
+          <p:nvPr/>
+        </p:nvPicPr>
+        <p:blipFill>
+          <a:blip r:embed="rId2">
+            <a:extLst>
+              <a:ext uri="{28A0092B-C50C-407E-A947-70E740481C1C}">
+                <a14:useLocalDpi xmlns:a14="http://schemas.microsoft.com/office/drawing/2010/main" val="0"/>
+              </a:ext>
+            </a:extLst>
+          </a:blip>
+          <a:stretch>
+            <a:fillRect/>
+          </a:stretch>
+        </p:blipFill>
+        <p:spPr>
+          <a:xfrm>
+            <a:off x="1" y="0"/>
+            <a:ext cx="12192000" cy="6858000"/>
+          </a:xfrm>
+          <a:prstGeom prst="rect">
+            <a:avLst/>
+          </a:prstGeom>
+        </p:spPr>
+      </p:pic>
+      <p:pic>
+        <p:nvPicPr>
+          <p:cNvPr id="6" name="Picture 5">
+            <a:extLst>
+              <a:ext uri="{FF2B5EF4-FFF2-40B4-BE49-F238E27FC236}">
+                <a16:creationId xmlns:a16="http://schemas.microsoft.com/office/drawing/2014/main" id="{5EDCAAB5-93E3-4118-9A40-3FE57AF84B02}"/>
+              </a:ext>
+            </a:extLst>
+          </p:cNvPr>
+          <p:cNvPicPr>
+            <a:picLocks noChangeAspect="1"/>
+          </p:cNvPicPr>
+          <p:nvPr/>
+        </p:nvPicPr>
+        <p:blipFill>
+          <a:blip r:embed="rId3">
+            <a:extLst>
+              <a:ext uri="{28A0092B-C50C-407E-A947-70E740481C1C}">
+                <a14:useLocalDpi xmlns:a14="http://schemas.microsoft.com/office/drawing/2010/main" val="0"/>
+              </a:ext>
+            </a:extLst>
+          </a:blip>
+          <a:stretch>
+            <a:fillRect/>
+          </a:stretch>
+        </p:blipFill>
+        <p:spPr>
+          <a:xfrm>
+            <a:off x="3688080" y="2540972"/>
+            <a:ext cx="4815840" cy="1776055"/>
+          </a:xfrm>
+          <a:prstGeom prst="rect">
+            <a:avLst/>
+          </a:prstGeom>
+        </p:spPr>
+      </p:pic>
+    </p:spTree>
+    <p:extLst>
+      <p:ext uri="{BB962C8B-B14F-4D97-AF65-F5344CB8AC3E}">
+        <p14:creationId xmlns:p14="http://schemas.microsoft.com/office/powerpoint/2010/main" val="1081799923"/>
+      </p:ext>
+    </p:extLst>
+  </p:cSld>
+  <p:clrMapOvr>
+    <a:masterClrMapping/>
+  </p:clrMapOvr>
+  <p:timing>
+    <p:tnLst>
+      <p:par>
+        <p:cTn id="1" dur="indefinite" restart="never" nodeType="tmRoot">
+          <p:childTnLst>
+            <p:seq concurrent="1" nextAc="seek">
+              <p:cTn id="2" dur="indefinite" nodeType="mainSeq">
+                <p:childTnLst>
+                  <p:par>
+                    <p:cTn id="3" fill="hold">
+                      <p:stCondLst>
+                        <p:cond delay="indefinite"/>
+                      </p:stCondLst>
+                      <p:childTnLst>
+                        <p:par>
+                          <p:cTn id="4" fill="hold">
+                            <p:stCondLst>
+                              <p:cond delay="0"/>
+                            </p:stCondLst>
+                            <p:childTnLst>
+                              <p:par>
+                                <p:cTn id="5" presetID="42" presetClass="entr" presetSubtype="0" fill="hold" nodeType="clickEffect">
+                                  <p:stCondLst>
+                                    <p:cond delay="0"/>
+                                  </p:stCondLst>
+                                  <p:childTnLst>
+                                    <p:set>
+                                      <p:cBhvr>
+                                        <p:cTn id="6" dur="1" fill="hold">
+                                          <p:stCondLst>
+                                            <p:cond delay="0"/>
+                                          </p:stCondLst>
+                                        </p:cTn>
+                                        <p:tgtEl>
+                                          <p:spTgt spid="6"/>
+                                        </p:tgtEl>
+                                        <p:attrNameLst>
+                                          <p:attrName>style.visibility</p:attrName>
+                                        </p:attrNameLst>
+                                      </p:cBhvr>
+                                      <p:to>
+                                        <p:strVal val="visible"/>
+                                      </p:to>
+                                    </p:set>
+                                    <p:animEffect transition="in" filter="fade">
+                                      <p:cBhvr>
+                                        <p:cTn id="7" dur="1000"/>
+                                        <p:tgtEl>
+                                          <p:spTgt spid="6"/>
+                                        </p:tgtEl>
+                                      </p:cBhvr>
+                                    </p:animEffect>
+                                    <p:anim calcmode="lin" valueType="num">
+                                      <p:cBhvr>
+                                        <p:cTn id="8" dur="1000" fill="hold"/>
+                                        <p:tgtEl>
+                                          <p:spTgt spid="6"/>
+                                        </p:tgtEl>
+                                        <p:attrNameLst>
+                                          <p:attrName>ppt_x</p:attrName>
+                                        </p:attrNameLst>
+                                      </p:cBhvr>
+                                      <p:tavLst>
+                                        <p:tav tm="0">
+                                          <p:val>
+                                            <p:strVal val="#ppt_x"/>
+                                          </p:val>
+                                        </p:tav>
+                                        <p:tav tm="100000">
+                                          <p:val>
+                                            <p:strVal val="#ppt_x"/>
+                                          </p:val>
+                                        </p:tav>
+                                      </p:tavLst>
+                                    </p:anim>
+                                    <p:anim calcmode="lin" valueType="num">
+                                      <p:cBhvr>
+                                        <p:cTn id="9" dur="1000" fill="hold"/>
+                                        <p:tgtEl>
+                                          <p:spTgt spid="6"/>
+                                        </p:tgtEl>
+                                        <p:attrNameLst>
+                                          <p:attrName>ppt_y</p:attrName>
+                                        </p:attrNameLst>
+                                      </p:cBhvr>
+                                      <p:tavLst>
+                                        <p:tav tm="0">
+                                          <p:val>
+                                            <p:strVal val="#ppt_y+.1"/>
+                                          </p:val>
+                                        </p:tav>
+                                        <p:tav tm="100000">
+                                          <p:val>
+                                            <p:strVal val="#ppt_y"/>
+                                          </p:val>
+                                        </p:tav>
+                                      </p:tavLst>
+                                    </p:anim>
+                                  </p:childTnLst>
+                                </p:cTn>
+                              </p:par>
+                            </p:childTnLst>
+                          </p:cTn>
+                        </p:par>
+                      </p:childTnLst>
+                    </p:cTn>
+                  </p:par>
+                </p:childTnLst>
+              </p:cTn>
+              <p:prevCondLst>
+                <p:cond evt="onPrev" delay="0">
+                  <p:tgtEl>
+                    <p:sldTgt/>
+                  </p:tgtEl>
+                </p:cond>
+              </p:prevCondLst>
+              <p:nextCondLst>
+                <p:cond evt="onNext" delay="0">
+                  <p:tgtEl>
+                    <p:sldTgt/>
+                  </p:tgtEl>
+                </p:cond>
+              </p:nextCondLst>
+            </p:seq>
+          </p:childTnLst>
+        </p:cTn>
+      </p:par>
+    </p:tnLst>
+  </p:timing>
+</p:sld>
+</file>
+
+<file path=ppt/slides/slide4.xml><?xml version="1.0" encoding="utf-8"?>
+<p:sld xmlns:a="http://schemas.openxmlformats.org/drawingml/2006/main" xmlns:r="http://schemas.openxmlformats.org/officeDocument/2006/relationships" xmlns:p="http://schemas.openxmlformats.org/presentationml/2006/main">
+  <p:cSld>
+    <p:spTree>
+      <p:nvGrpSpPr>
+        <p:cNvPr id="1" name=""/>
+        <p:cNvGrpSpPr/>
+        <p:nvPr/>
+      </p:nvGrpSpPr>
+      <p:grpSpPr>
+        <a:xfrm>
+          <a:off x="0" y="0"/>
+          <a:ext cx="0" cy="0"/>
+          <a:chOff x="0" y="0"/>
+          <a:chExt cx="0" cy="0"/>
+        </a:xfrm>
+      </p:grpSpPr>
+      <p:pic>
+        <p:nvPicPr>
           <p:cNvPr id="5" name="Picture 4">
             <a:extLst>
               <a:ext uri="{FF2B5EF4-FFF2-40B4-BE49-F238E27FC236}">
@@ -3748,7 +4169,7 @@
               <a:rPr lang="en-IN" b="1" dirty="0">
                 <a:latin typeface="Montserrat" panose="00000500000000000000" pitchFamily="50" charset="0"/>
               </a:rPr>
-              <a:t>Why Medicus?</a:t>
+              <a:t>What is Medicus?</a:t>
             </a:r>
           </a:p>
         </p:txBody>
@@ -3783,7 +4204,7 @@
               <a:rPr lang="en-IN" dirty="0">
                 <a:latin typeface="Montserrat" panose="00000500000000000000" pitchFamily="50" charset="0"/>
               </a:rPr>
-              <a:t>Finds the best doctor that suits you</a:t>
+              <a:t>A web app bringing medical assistance </a:t>
             </a:r>
           </a:p>
           <a:p>
@@ -3791,7 +4212,13 @@
               <a:rPr lang="en-IN" dirty="0">
                 <a:latin typeface="Montserrat" panose="00000500000000000000" pitchFamily="50" charset="0"/>
               </a:rPr>
-              <a:t>Finds the best hospital that suits you </a:t>
+              <a:t>Derived from Latin , meaning </a:t>
+            </a:r>
+            <a:r>
+              <a:rPr lang="en-IN" b="1" dirty="0">
+                <a:latin typeface="Montserrat" panose="00000500000000000000" pitchFamily="50" charset="0"/>
+              </a:rPr>
+              <a:t>Doctor</a:t>
             </a:r>
           </a:p>
           <a:p>
@@ -3799,23 +4226,1025 @@
               <a:rPr lang="en-IN" dirty="0">
                 <a:latin typeface="Montserrat" panose="00000500000000000000" pitchFamily="50" charset="0"/>
               </a:rPr>
-              <a:t>No fake feedbacks</a:t>
+              <a:t>Contains:</a:t>
             </a:r>
           </a:p>
           <a:p>
+            <a:pPr lvl="1"/>
             <a:r>
               <a:rPr lang="en-IN" dirty="0">
                 <a:latin typeface="Montserrat" panose="00000500000000000000" pitchFamily="50" charset="0"/>
               </a:rPr>
-              <a:t>Pure reviews from verified people</a:t>
+              <a:t>Information about the hospitals</a:t>
             </a:r>
           </a:p>
           <a:p>
+            <a:pPr lvl="1"/>
             <a:r>
               <a:rPr lang="en-IN" dirty="0">
                 <a:latin typeface="Montserrat" panose="00000500000000000000" pitchFamily="50" charset="0"/>
               </a:rPr>
-              <a:t>Easy booking</a:t>
+              <a:t>Reviews of the corresponding hospitals</a:t>
+            </a:r>
+          </a:p>
+          <a:p>
+            <a:pPr lvl="1"/>
+            <a:r>
+              <a:rPr lang="en-IN" dirty="0">
+                <a:latin typeface="Montserrat" panose="00000500000000000000" pitchFamily="50" charset="0"/>
+              </a:rPr>
+              <a:t>Feedback from patients about their experience</a:t>
+            </a:r>
+          </a:p>
+          <a:p>
+            <a:pPr lvl="1"/>
+            <a:r>
+              <a:rPr lang="en-IN" dirty="0">
+                <a:latin typeface="Montserrat" panose="00000500000000000000" pitchFamily="50" charset="0"/>
+              </a:rPr>
+              <a:t>Rating of Doctors</a:t>
+            </a:r>
+          </a:p>
+        </p:txBody>
+      </p:sp>
+    </p:spTree>
+    <p:extLst>
+      <p:ext uri="{BB962C8B-B14F-4D97-AF65-F5344CB8AC3E}">
+        <p14:creationId xmlns:p14="http://schemas.microsoft.com/office/powerpoint/2010/main" val="3678841423"/>
+      </p:ext>
+    </p:extLst>
+  </p:cSld>
+  <p:clrMapOvr>
+    <a:masterClrMapping/>
+  </p:clrMapOvr>
+  <p:timing>
+    <p:tnLst>
+      <p:par>
+        <p:cTn id="1" dur="indefinite" restart="never" nodeType="tmRoot">
+          <p:childTnLst>
+            <p:seq concurrent="1" nextAc="seek">
+              <p:cTn id="2" dur="indefinite" nodeType="mainSeq">
+                <p:childTnLst>
+                  <p:par>
+                    <p:cTn id="3" fill="hold">
+                      <p:stCondLst>
+                        <p:cond delay="indefinite"/>
+                      </p:stCondLst>
+                      <p:childTnLst>
+                        <p:par>
+                          <p:cTn id="4" fill="hold">
+                            <p:stCondLst>
+                              <p:cond delay="0"/>
+                            </p:stCondLst>
+                            <p:childTnLst>
+                              <p:par>
+                                <p:cTn id="5" presetID="10" presetClass="entr" presetSubtype="0" fill="hold" grpId="0" nodeType="clickEffect">
+                                  <p:stCondLst>
+                                    <p:cond delay="0"/>
+                                  </p:stCondLst>
+                                  <p:childTnLst>
+                                    <p:set>
+                                      <p:cBhvr>
+                                        <p:cTn id="6" dur="1" fill="hold">
+                                          <p:stCondLst>
+                                            <p:cond delay="0"/>
+                                          </p:stCondLst>
+                                        </p:cTn>
+                                        <p:tgtEl>
+                                          <p:spTgt spid="2"/>
+                                        </p:tgtEl>
+                                        <p:attrNameLst>
+                                          <p:attrName>style.visibility</p:attrName>
+                                        </p:attrNameLst>
+                                      </p:cBhvr>
+                                      <p:to>
+                                        <p:strVal val="visible"/>
+                                      </p:to>
+                                    </p:set>
+                                    <p:animEffect transition="in" filter="fade">
+                                      <p:cBhvr>
+                                        <p:cTn id="7" dur="500"/>
+                                        <p:tgtEl>
+                                          <p:spTgt spid="2"/>
+                                        </p:tgtEl>
+                                      </p:cBhvr>
+                                    </p:animEffect>
+                                  </p:childTnLst>
+                                </p:cTn>
+                              </p:par>
+                            </p:childTnLst>
+                          </p:cTn>
+                        </p:par>
+                      </p:childTnLst>
+                    </p:cTn>
+                  </p:par>
+                  <p:par>
+                    <p:cTn id="8" fill="hold">
+                      <p:stCondLst>
+                        <p:cond delay="indefinite"/>
+                      </p:stCondLst>
+                      <p:childTnLst>
+                        <p:par>
+                          <p:cTn id="9" fill="hold">
+                            <p:stCondLst>
+                              <p:cond delay="0"/>
+                            </p:stCondLst>
+                            <p:childTnLst>
+                              <p:par>
+                                <p:cTn id="10" presetID="42" presetClass="entr" presetSubtype="0" fill="hold" grpId="0" nodeType="clickEffect">
+                                  <p:stCondLst>
+                                    <p:cond delay="0"/>
+                                  </p:stCondLst>
+                                  <p:childTnLst>
+                                    <p:set>
+                                      <p:cBhvr>
+                                        <p:cTn id="11" dur="1" fill="hold">
+                                          <p:stCondLst>
+                                            <p:cond delay="0"/>
+                                          </p:stCondLst>
+                                        </p:cTn>
+                                        <p:tgtEl>
+                                          <p:spTgt spid="3">
+                                            <p:txEl>
+                                              <p:pRg st="0" end="0"/>
+                                            </p:txEl>
+                                          </p:spTgt>
+                                        </p:tgtEl>
+                                        <p:attrNameLst>
+                                          <p:attrName>style.visibility</p:attrName>
+                                        </p:attrNameLst>
+                                      </p:cBhvr>
+                                      <p:to>
+                                        <p:strVal val="visible"/>
+                                      </p:to>
+                                    </p:set>
+                                    <p:animEffect transition="in" filter="fade">
+                                      <p:cBhvr>
+                                        <p:cTn id="12" dur="1000"/>
+                                        <p:tgtEl>
+                                          <p:spTgt spid="3">
+                                            <p:txEl>
+                                              <p:pRg st="0" end="0"/>
+                                            </p:txEl>
+                                          </p:spTgt>
+                                        </p:tgtEl>
+                                      </p:cBhvr>
+                                    </p:animEffect>
+                                    <p:anim calcmode="lin" valueType="num">
+                                      <p:cBhvr>
+                                        <p:cTn id="13" dur="1000" fill="hold"/>
+                                        <p:tgtEl>
+                                          <p:spTgt spid="3">
+                                            <p:txEl>
+                                              <p:pRg st="0" end="0"/>
+                                            </p:txEl>
+                                          </p:spTgt>
+                                        </p:tgtEl>
+                                        <p:attrNameLst>
+                                          <p:attrName>ppt_x</p:attrName>
+                                        </p:attrNameLst>
+                                      </p:cBhvr>
+                                      <p:tavLst>
+                                        <p:tav tm="0">
+                                          <p:val>
+                                            <p:strVal val="#ppt_x"/>
+                                          </p:val>
+                                        </p:tav>
+                                        <p:tav tm="100000">
+                                          <p:val>
+                                            <p:strVal val="#ppt_x"/>
+                                          </p:val>
+                                        </p:tav>
+                                      </p:tavLst>
+                                    </p:anim>
+                                    <p:anim calcmode="lin" valueType="num">
+                                      <p:cBhvr>
+                                        <p:cTn id="14" dur="1000" fill="hold"/>
+                                        <p:tgtEl>
+                                          <p:spTgt spid="3">
+                                            <p:txEl>
+                                              <p:pRg st="0" end="0"/>
+                                            </p:txEl>
+                                          </p:spTgt>
+                                        </p:tgtEl>
+                                        <p:attrNameLst>
+                                          <p:attrName>ppt_y</p:attrName>
+                                        </p:attrNameLst>
+                                      </p:cBhvr>
+                                      <p:tavLst>
+                                        <p:tav tm="0">
+                                          <p:val>
+                                            <p:strVal val="#ppt_y+.1"/>
+                                          </p:val>
+                                        </p:tav>
+                                        <p:tav tm="100000">
+                                          <p:val>
+                                            <p:strVal val="#ppt_y"/>
+                                          </p:val>
+                                        </p:tav>
+                                      </p:tavLst>
+                                    </p:anim>
+                                  </p:childTnLst>
+                                </p:cTn>
+                              </p:par>
+                            </p:childTnLst>
+                          </p:cTn>
+                        </p:par>
+                      </p:childTnLst>
+                    </p:cTn>
+                  </p:par>
+                  <p:par>
+                    <p:cTn id="15" fill="hold">
+                      <p:stCondLst>
+                        <p:cond delay="indefinite"/>
+                      </p:stCondLst>
+                      <p:childTnLst>
+                        <p:par>
+                          <p:cTn id="16" fill="hold">
+                            <p:stCondLst>
+                              <p:cond delay="0"/>
+                            </p:stCondLst>
+                            <p:childTnLst>
+                              <p:par>
+                                <p:cTn id="17" presetID="42" presetClass="entr" presetSubtype="0" fill="hold" grpId="0" nodeType="clickEffect">
+                                  <p:stCondLst>
+                                    <p:cond delay="0"/>
+                                  </p:stCondLst>
+                                  <p:childTnLst>
+                                    <p:set>
+                                      <p:cBhvr>
+                                        <p:cTn id="18" dur="1" fill="hold">
+                                          <p:stCondLst>
+                                            <p:cond delay="0"/>
+                                          </p:stCondLst>
+                                        </p:cTn>
+                                        <p:tgtEl>
+                                          <p:spTgt spid="3">
+                                            <p:txEl>
+                                              <p:pRg st="1" end="1"/>
+                                            </p:txEl>
+                                          </p:spTgt>
+                                        </p:tgtEl>
+                                        <p:attrNameLst>
+                                          <p:attrName>style.visibility</p:attrName>
+                                        </p:attrNameLst>
+                                      </p:cBhvr>
+                                      <p:to>
+                                        <p:strVal val="visible"/>
+                                      </p:to>
+                                    </p:set>
+                                    <p:animEffect transition="in" filter="fade">
+                                      <p:cBhvr>
+                                        <p:cTn id="19" dur="1000"/>
+                                        <p:tgtEl>
+                                          <p:spTgt spid="3">
+                                            <p:txEl>
+                                              <p:pRg st="1" end="1"/>
+                                            </p:txEl>
+                                          </p:spTgt>
+                                        </p:tgtEl>
+                                      </p:cBhvr>
+                                    </p:animEffect>
+                                    <p:anim calcmode="lin" valueType="num">
+                                      <p:cBhvr>
+                                        <p:cTn id="20" dur="1000" fill="hold"/>
+                                        <p:tgtEl>
+                                          <p:spTgt spid="3">
+                                            <p:txEl>
+                                              <p:pRg st="1" end="1"/>
+                                            </p:txEl>
+                                          </p:spTgt>
+                                        </p:tgtEl>
+                                        <p:attrNameLst>
+                                          <p:attrName>ppt_x</p:attrName>
+                                        </p:attrNameLst>
+                                      </p:cBhvr>
+                                      <p:tavLst>
+                                        <p:tav tm="0">
+                                          <p:val>
+                                            <p:strVal val="#ppt_x"/>
+                                          </p:val>
+                                        </p:tav>
+                                        <p:tav tm="100000">
+                                          <p:val>
+                                            <p:strVal val="#ppt_x"/>
+                                          </p:val>
+                                        </p:tav>
+                                      </p:tavLst>
+                                    </p:anim>
+                                    <p:anim calcmode="lin" valueType="num">
+                                      <p:cBhvr>
+                                        <p:cTn id="21" dur="1000" fill="hold"/>
+                                        <p:tgtEl>
+                                          <p:spTgt spid="3">
+                                            <p:txEl>
+                                              <p:pRg st="1" end="1"/>
+                                            </p:txEl>
+                                          </p:spTgt>
+                                        </p:tgtEl>
+                                        <p:attrNameLst>
+                                          <p:attrName>ppt_y</p:attrName>
+                                        </p:attrNameLst>
+                                      </p:cBhvr>
+                                      <p:tavLst>
+                                        <p:tav tm="0">
+                                          <p:val>
+                                            <p:strVal val="#ppt_y+.1"/>
+                                          </p:val>
+                                        </p:tav>
+                                        <p:tav tm="100000">
+                                          <p:val>
+                                            <p:strVal val="#ppt_y"/>
+                                          </p:val>
+                                        </p:tav>
+                                      </p:tavLst>
+                                    </p:anim>
+                                  </p:childTnLst>
+                                </p:cTn>
+                              </p:par>
+                            </p:childTnLst>
+                          </p:cTn>
+                        </p:par>
+                      </p:childTnLst>
+                    </p:cTn>
+                  </p:par>
+                  <p:par>
+                    <p:cTn id="22" fill="hold">
+                      <p:stCondLst>
+                        <p:cond delay="indefinite"/>
+                      </p:stCondLst>
+                      <p:childTnLst>
+                        <p:par>
+                          <p:cTn id="23" fill="hold">
+                            <p:stCondLst>
+                              <p:cond delay="0"/>
+                            </p:stCondLst>
+                            <p:childTnLst>
+                              <p:par>
+                                <p:cTn id="24" presetID="42" presetClass="entr" presetSubtype="0" fill="hold" grpId="0" nodeType="clickEffect">
+                                  <p:stCondLst>
+                                    <p:cond delay="0"/>
+                                  </p:stCondLst>
+                                  <p:childTnLst>
+                                    <p:set>
+                                      <p:cBhvr>
+                                        <p:cTn id="25" dur="1" fill="hold">
+                                          <p:stCondLst>
+                                            <p:cond delay="0"/>
+                                          </p:stCondLst>
+                                        </p:cTn>
+                                        <p:tgtEl>
+                                          <p:spTgt spid="3">
+                                            <p:txEl>
+                                              <p:pRg st="2" end="2"/>
+                                            </p:txEl>
+                                          </p:spTgt>
+                                        </p:tgtEl>
+                                        <p:attrNameLst>
+                                          <p:attrName>style.visibility</p:attrName>
+                                        </p:attrNameLst>
+                                      </p:cBhvr>
+                                      <p:to>
+                                        <p:strVal val="visible"/>
+                                      </p:to>
+                                    </p:set>
+                                    <p:animEffect transition="in" filter="fade">
+                                      <p:cBhvr>
+                                        <p:cTn id="26" dur="1000"/>
+                                        <p:tgtEl>
+                                          <p:spTgt spid="3">
+                                            <p:txEl>
+                                              <p:pRg st="2" end="2"/>
+                                            </p:txEl>
+                                          </p:spTgt>
+                                        </p:tgtEl>
+                                      </p:cBhvr>
+                                    </p:animEffect>
+                                    <p:anim calcmode="lin" valueType="num">
+                                      <p:cBhvr>
+                                        <p:cTn id="27" dur="1000" fill="hold"/>
+                                        <p:tgtEl>
+                                          <p:spTgt spid="3">
+                                            <p:txEl>
+                                              <p:pRg st="2" end="2"/>
+                                            </p:txEl>
+                                          </p:spTgt>
+                                        </p:tgtEl>
+                                        <p:attrNameLst>
+                                          <p:attrName>ppt_x</p:attrName>
+                                        </p:attrNameLst>
+                                      </p:cBhvr>
+                                      <p:tavLst>
+                                        <p:tav tm="0">
+                                          <p:val>
+                                            <p:strVal val="#ppt_x"/>
+                                          </p:val>
+                                        </p:tav>
+                                        <p:tav tm="100000">
+                                          <p:val>
+                                            <p:strVal val="#ppt_x"/>
+                                          </p:val>
+                                        </p:tav>
+                                      </p:tavLst>
+                                    </p:anim>
+                                    <p:anim calcmode="lin" valueType="num">
+                                      <p:cBhvr>
+                                        <p:cTn id="28" dur="1000" fill="hold"/>
+                                        <p:tgtEl>
+                                          <p:spTgt spid="3">
+                                            <p:txEl>
+                                              <p:pRg st="2" end="2"/>
+                                            </p:txEl>
+                                          </p:spTgt>
+                                        </p:tgtEl>
+                                        <p:attrNameLst>
+                                          <p:attrName>ppt_y</p:attrName>
+                                        </p:attrNameLst>
+                                      </p:cBhvr>
+                                      <p:tavLst>
+                                        <p:tav tm="0">
+                                          <p:val>
+                                            <p:strVal val="#ppt_y+.1"/>
+                                          </p:val>
+                                        </p:tav>
+                                        <p:tav tm="100000">
+                                          <p:val>
+                                            <p:strVal val="#ppt_y"/>
+                                          </p:val>
+                                        </p:tav>
+                                      </p:tavLst>
+                                    </p:anim>
+                                  </p:childTnLst>
+                                </p:cTn>
+                              </p:par>
+                              <p:par>
+                                <p:cTn id="29" presetID="42" presetClass="entr" presetSubtype="0" fill="hold" grpId="0" nodeType="withEffect">
+                                  <p:stCondLst>
+                                    <p:cond delay="0"/>
+                                  </p:stCondLst>
+                                  <p:childTnLst>
+                                    <p:set>
+                                      <p:cBhvr>
+                                        <p:cTn id="30" dur="1" fill="hold">
+                                          <p:stCondLst>
+                                            <p:cond delay="0"/>
+                                          </p:stCondLst>
+                                        </p:cTn>
+                                        <p:tgtEl>
+                                          <p:spTgt spid="3">
+                                            <p:txEl>
+                                              <p:pRg st="3" end="3"/>
+                                            </p:txEl>
+                                          </p:spTgt>
+                                        </p:tgtEl>
+                                        <p:attrNameLst>
+                                          <p:attrName>style.visibility</p:attrName>
+                                        </p:attrNameLst>
+                                      </p:cBhvr>
+                                      <p:to>
+                                        <p:strVal val="visible"/>
+                                      </p:to>
+                                    </p:set>
+                                    <p:animEffect transition="in" filter="fade">
+                                      <p:cBhvr>
+                                        <p:cTn id="31" dur="1000"/>
+                                        <p:tgtEl>
+                                          <p:spTgt spid="3">
+                                            <p:txEl>
+                                              <p:pRg st="3" end="3"/>
+                                            </p:txEl>
+                                          </p:spTgt>
+                                        </p:tgtEl>
+                                      </p:cBhvr>
+                                    </p:animEffect>
+                                    <p:anim calcmode="lin" valueType="num">
+                                      <p:cBhvr>
+                                        <p:cTn id="32" dur="1000" fill="hold"/>
+                                        <p:tgtEl>
+                                          <p:spTgt spid="3">
+                                            <p:txEl>
+                                              <p:pRg st="3" end="3"/>
+                                            </p:txEl>
+                                          </p:spTgt>
+                                        </p:tgtEl>
+                                        <p:attrNameLst>
+                                          <p:attrName>ppt_x</p:attrName>
+                                        </p:attrNameLst>
+                                      </p:cBhvr>
+                                      <p:tavLst>
+                                        <p:tav tm="0">
+                                          <p:val>
+                                            <p:strVal val="#ppt_x"/>
+                                          </p:val>
+                                        </p:tav>
+                                        <p:tav tm="100000">
+                                          <p:val>
+                                            <p:strVal val="#ppt_x"/>
+                                          </p:val>
+                                        </p:tav>
+                                      </p:tavLst>
+                                    </p:anim>
+                                    <p:anim calcmode="lin" valueType="num">
+                                      <p:cBhvr>
+                                        <p:cTn id="33" dur="1000" fill="hold"/>
+                                        <p:tgtEl>
+                                          <p:spTgt spid="3">
+                                            <p:txEl>
+                                              <p:pRg st="3" end="3"/>
+                                            </p:txEl>
+                                          </p:spTgt>
+                                        </p:tgtEl>
+                                        <p:attrNameLst>
+                                          <p:attrName>ppt_y</p:attrName>
+                                        </p:attrNameLst>
+                                      </p:cBhvr>
+                                      <p:tavLst>
+                                        <p:tav tm="0">
+                                          <p:val>
+                                            <p:strVal val="#ppt_y+.1"/>
+                                          </p:val>
+                                        </p:tav>
+                                        <p:tav tm="100000">
+                                          <p:val>
+                                            <p:strVal val="#ppt_y"/>
+                                          </p:val>
+                                        </p:tav>
+                                      </p:tavLst>
+                                    </p:anim>
+                                  </p:childTnLst>
+                                </p:cTn>
+                              </p:par>
+                              <p:par>
+                                <p:cTn id="34" presetID="42" presetClass="entr" presetSubtype="0" fill="hold" grpId="0" nodeType="withEffect">
+                                  <p:stCondLst>
+                                    <p:cond delay="0"/>
+                                  </p:stCondLst>
+                                  <p:childTnLst>
+                                    <p:set>
+                                      <p:cBhvr>
+                                        <p:cTn id="35" dur="1" fill="hold">
+                                          <p:stCondLst>
+                                            <p:cond delay="0"/>
+                                          </p:stCondLst>
+                                        </p:cTn>
+                                        <p:tgtEl>
+                                          <p:spTgt spid="3">
+                                            <p:txEl>
+                                              <p:pRg st="4" end="4"/>
+                                            </p:txEl>
+                                          </p:spTgt>
+                                        </p:tgtEl>
+                                        <p:attrNameLst>
+                                          <p:attrName>style.visibility</p:attrName>
+                                        </p:attrNameLst>
+                                      </p:cBhvr>
+                                      <p:to>
+                                        <p:strVal val="visible"/>
+                                      </p:to>
+                                    </p:set>
+                                    <p:animEffect transition="in" filter="fade">
+                                      <p:cBhvr>
+                                        <p:cTn id="36" dur="1000"/>
+                                        <p:tgtEl>
+                                          <p:spTgt spid="3">
+                                            <p:txEl>
+                                              <p:pRg st="4" end="4"/>
+                                            </p:txEl>
+                                          </p:spTgt>
+                                        </p:tgtEl>
+                                      </p:cBhvr>
+                                    </p:animEffect>
+                                    <p:anim calcmode="lin" valueType="num">
+                                      <p:cBhvr>
+                                        <p:cTn id="37" dur="1000" fill="hold"/>
+                                        <p:tgtEl>
+                                          <p:spTgt spid="3">
+                                            <p:txEl>
+                                              <p:pRg st="4" end="4"/>
+                                            </p:txEl>
+                                          </p:spTgt>
+                                        </p:tgtEl>
+                                        <p:attrNameLst>
+                                          <p:attrName>ppt_x</p:attrName>
+                                        </p:attrNameLst>
+                                      </p:cBhvr>
+                                      <p:tavLst>
+                                        <p:tav tm="0">
+                                          <p:val>
+                                            <p:strVal val="#ppt_x"/>
+                                          </p:val>
+                                        </p:tav>
+                                        <p:tav tm="100000">
+                                          <p:val>
+                                            <p:strVal val="#ppt_x"/>
+                                          </p:val>
+                                        </p:tav>
+                                      </p:tavLst>
+                                    </p:anim>
+                                    <p:anim calcmode="lin" valueType="num">
+                                      <p:cBhvr>
+                                        <p:cTn id="38" dur="1000" fill="hold"/>
+                                        <p:tgtEl>
+                                          <p:spTgt spid="3">
+                                            <p:txEl>
+                                              <p:pRg st="4" end="4"/>
+                                            </p:txEl>
+                                          </p:spTgt>
+                                        </p:tgtEl>
+                                        <p:attrNameLst>
+                                          <p:attrName>ppt_y</p:attrName>
+                                        </p:attrNameLst>
+                                      </p:cBhvr>
+                                      <p:tavLst>
+                                        <p:tav tm="0">
+                                          <p:val>
+                                            <p:strVal val="#ppt_y+.1"/>
+                                          </p:val>
+                                        </p:tav>
+                                        <p:tav tm="100000">
+                                          <p:val>
+                                            <p:strVal val="#ppt_y"/>
+                                          </p:val>
+                                        </p:tav>
+                                      </p:tavLst>
+                                    </p:anim>
+                                  </p:childTnLst>
+                                </p:cTn>
+                              </p:par>
+                              <p:par>
+                                <p:cTn id="39" presetID="42" presetClass="entr" presetSubtype="0" fill="hold" grpId="0" nodeType="withEffect">
+                                  <p:stCondLst>
+                                    <p:cond delay="0"/>
+                                  </p:stCondLst>
+                                  <p:childTnLst>
+                                    <p:set>
+                                      <p:cBhvr>
+                                        <p:cTn id="40" dur="1" fill="hold">
+                                          <p:stCondLst>
+                                            <p:cond delay="0"/>
+                                          </p:stCondLst>
+                                        </p:cTn>
+                                        <p:tgtEl>
+                                          <p:spTgt spid="3">
+                                            <p:txEl>
+                                              <p:pRg st="5" end="5"/>
+                                            </p:txEl>
+                                          </p:spTgt>
+                                        </p:tgtEl>
+                                        <p:attrNameLst>
+                                          <p:attrName>style.visibility</p:attrName>
+                                        </p:attrNameLst>
+                                      </p:cBhvr>
+                                      <p:to>
+                                        <p:strVal val="visible"/>
+                                      </p:to>
+                                    </p:set>
+                                    <p:animEffect transition="in" filter="fade">
+                                      <p:cBhvr>
+                                        <p:cTn id="41" dur="1000"/>
+                                        <p:tgtEl>
+                                          <p:spTgt spid="3">
+                                            <p:txEl>
+                                              <p:pRg st="5" end="5"/>
+                                            </p:txEl>
+                                          </p:spTgt>
+                                        </p:tgtEl>
+                                      </p:cBhvr>
+                                    </p:animEffect>
+                                    <p:anim calcmode="lin" valueType="num">
+                                      <p:cBhvr>
+                                        <p:cTn id="42" dur="1000" fill="hold"/>
+                                        <p:tgtEl>
+                                          <p:spTgt spid="3">
+                                            <p:txEl>
+                                              <p:pRg st="5" end="5"/>
+                                            </p:txEl>
+                                          </p:spTgt>
+                                        </p:tgtEl>
+                                        <p:attrNameLst>
+                                          <p:attrName>ppt_x</p:attrName>
+                                        </p:attrNameLst>
+                                      </p:cBhvr>
+                                      <p:tavLst>
+                                        <p:tav tm="0">
+                                          <p:val>
+                                            <p:strVal val="#ppt_x"/>
+                                          </p:val>
+                                        </p:tav>
+                                        <p:tav tm="100000">
+                                          <p:val>
+                                            <p:strVal val="#ppt_x"/>
+                                          </p:val>
+                                        </p:tav>
+                                      </p:tavLst>
+                                    </p:anim>
+                                    <p:anim calcmode="lin" valueType="num">
+                                      <p:cBhvr>
+                                        <p:cTn id="43" dur="1000" fill="hold"/>
+                                        <p:tgtEl>
+                                          <p:spTgt spid="3">
+                                            <p:txEl>
+                                              <p:pRg st="5" end="5"/>
+                                            </p:txEl>
+                                          </p:spTgt>
+                                        </p:tgtEl>
+                                        <p:attrNameLst>
+                                          <p:attrName>ppt_y</p:attrName>
+                                        </p:attrNameLst>
+                                      </p:cBhvr>
+                                      <p:tavLst>
+                                        <p:tav tm="0">
+                                          <p:val>
+                                            <p:strVal val="#ppt_y+.1"/>
+                                          </p:val>
+                                        </p:tav>
+                                        <p:tav tm="100000">
+                                          <p:val>
+                                            <p:strVal val="#ppt_y"/>
+                                          </p:val>
+                                        </p:tav>
+                                      </p:tavLst>
+                                    </p:anim>
+                                  </p:childTnLst>
+                                </p:cTn>
+                              </p:par>
+                              <p:par>
+                                <p:cTn id="44" presetID="42" presetClass="entr" presetSubtype="0" fill="hold" grpId="0" nodeType="withEffect">
+                                  <p:stCondLst>
+                                    <p:cond delay="0"/>
+                                  </p:stCondLst>
+                                  <p:childTnLst>
+                                    <p:set>
+                                      <p:cBhvr>
+                                        <p:cTn id="45" dur="1" fill="hold">
+                                          <p:stCondLst>
+                                            <p:cond delay="0"/>
+                                          </p:stCondLst>
+                                        </p:cTn>
+                                        <p:tgtEl>
+                                          <p:spTgt spid="3">
+                                            <p:txEl>
+                                              <p:pRg st="6" end="6"/>
+                                            </p:txEl>
+                                          </p:spTgt>
+                                        </p:tgtEl>
+                                        <p:attrNameLst>
+                                          <p:attrName>style.visibility</p:attrName>
+                                        </p:attrNameLst>
+                                      </p:cBhvr>
+                                      <p:to>
+                                        <p:strVal val="visible"/>
+                                      </p:to>
+                                    </p:set>
+                                    <p:animEffect transition="in" filter="fade">
+                                      <p:cBhvr>
+                                        <p:cTn id="46" dur="1000"/>
+                                        <p:tgtEl>
+                                          <p:spTgt spid="3">
+                                            <p:txEl>
+                                              <p:pRg st="6" end="6"/>
+                                            </p:txEl>
+                                          </p:spTgt>
+                                        </p:tgtEl>
+                                      </p:cBhvr>
+                                    </p:animEffect>
+                                    <p:anim calcmode="lin" valueType="num">
+                                      <p:cBhvr>
+                                        <p:cTn id="47" dur="1000" fill="hold"/>
+                                        <p:tgtEl>
+                                          <p:spTgt spid="3">
+                                            <p:txEl>
+                                              <p:pRg st="6" end="6"/>
+                                            </p:txEl>
+                                          </p:spTgt>
+                                        </p:tgtEl>
+                                        <p:attrNameLst>
+                                          <p:attrName>ppt_x</p:attrName>
+                                        </p:attrNameLst>
+                                      </p:cBhvr>
+                                      <p:tavLst>
+                                        <p:tav tm="0">
+                                          <p:val>
+                                            <p:strVal val="#ppt_x"/>
+                                          </p:val>
+                                        </p:tav>
+                                        <p:tav tm="100000">
+                                          <p:val>
+                                            <p:strVal val="#ppt_x"/>
+                                          </p:val>
+                                        </p:tav>
+                                      </p:tavLst>
+                                    </p:anim>
+                                    <p:anim calcmode="lin" valueType="num">
+                                      <p:cBhvr>
+                                        <p:cTn id="48" dur="1000" fill="hold"/>
+                                        <p:tgtEl>
+                                          <p:spTgt spid="3">
+                                            <p:txEl>
+                                              <p:pRg st="6" end="6"/>
+                                            </p:txEl>
+                                          </p:spTgt>
+                                        </p:tgtEl>
+                                        <p:attrNameLst>
+                                          <p:attrName>ppt_y</p:attrName>
+                                        </p:attrNameLst>
+                                      </p:cBhvr>
+                                      <p:tavLst>
+                                        <p:tav tm="0">
+                                          <p:val>
+                                            <p:strVal val="#ppt_y+.1"/>
+                                          </p:val>
+                                        </p:tav>
+                                        <p:tav tm="100000">
+                                          <p:val>
+                                            <p:strVal val="#ppt_y"/>
+                                          </p:val>
+                                        </p:tav>
+                                      </p:tavLst>
+                                    </p:anim>
+                                  </p:childTnLst>
+                                </p:cTn>
+                              </p:par>
+                            </p:childTnLst>
+                          </p:cTn>
+                        </p:par>
+                      </p:childTnLst>
+                    </p:cTn>
+                  </p:par>
+                </p:childTnLst>
+              </p:cTn>
+              <p:prevCondLst>
+                <p:cond evt="onPrev" delay="0">
+                  <p:tgtEl>
+                    <p:sldTgt/>
+                  </p:tgtEl>
+                </p:cond>
+              </p:prevCondLst>
+              <p:nextCondLst>
+                <p:cond evt="onNext" delay="0">
+                  <p:tgtEl>
+                    <p:sldTgt/>
+                  </p:tgtEl>
+                </p:cond>
+              </p:nextCondLst>
+            </p:seq>
+          </p:childTnLst>
+        </p:cTn>
+      </p:par>
+    </p:tnLst>
+    <p:bldLst>
+      <p:bldP spid="2" grpId="0"/>
+      <p:bldP spid="3" grpId="0" build="p"/>
+    </p:bldLst>
+  </p:timing>
+</p:sld>
+</file>
+
+<file path=ppt/slides/slide5.xml><?xml version="1.0" encoding="utf-8"?>
+<p:sld xmlns:a="http://schemas.openxmlformats.org/drawingml/2006/main" xmlns:r="http://schemas.openxmlformats.org/officeDocument/2006/relationships" xmlns:p="http://schemas.openxmlformats.org/presentationml/2006/main">
+  <p:cSld>
+    <p:spTree>
+      <p:nvGrpSpPr>
+        <p:cNvPr id="1" name=""/>
+        <p:cNvGrpSpPr/>
+        <p:nvPr/>
+      </p:nvGrpSpPr>
+      <p:grpSpPr>
+        <a:xfrm>
+          <a:off x="0" y="0"/>
+          <a:ext cx="0" cy="0"/>
+          <a:chOff x="0" y="0"/>
+          <a:chExt cx="0" cy="0"/>
+        </a:xfrm>
+      </p:grpSpPr>
+      <p:pic>
+        <p:nvPicPr>
+          <p:cNvPr id="5" name="Picture 4">
+            <a:extLst>
+              <a:ext uri="{FF2B5EF4-FFF2-40B4-BE49-F238E27FC236}">
+                <a16:creationId xmlns:a16="http://schemas.microsoft.com/office/drawing/2014/main" id="{4F8476F6-0F73-4EC1-87E9-C68A75BA8F87}"/>
+              </a:ext>
+            </a:extLst>
+          </p:cNvPr>
+          <p:cNvPicPr>
+            <a:picLocks noChangeAspect="1"/>
+          </p:cNvPicPr>
+          <p:nvPr/>
+        </p:nvPicPr>
+        <p:blipFill>
+          <a:blip r:embed="rId2">
+            <a:extLst>
+              <a:ext uri="{28A0092B-C50C-407E-A947-70E740481C1C}">
+                <a14:useLocalDpi xmlns:a14="http://schemas.microsoft.com/office/drawing/2010/main" val="0"/>
+              </a:ext>
+            </a:extLst>
+          </a:blip>
+          <a:stretch>
+            <a:fillRect/>
+          </a:stretch>
+        </p:blipFill>
+        <p:spPr>
+          <a:xfrm>
+            <a:off x="0" y="0"/>
+            <a:ext cx="12192000" cy="6858000"/>
+          </a:xfrm>
+          <a:prstGeom prst="rect">
+            <a:avLst/>
+          </a:prstGeom>
+        </p:spPr>
+      </p:pic>
+      <p:sp>
+        <p:nvSpPr>
+          <p:cNvPr id="2" name="Title 1">
+            <a:extLst>
+              <a:ext uri="{FF2B5EF4-FFF2-40B4-BE49-F238E27FC236}">
+                <a16:creationId xmlns:a16="http://schemas.microsoft.com/office/drawing/2014/main" id="{755AC5D1-2CB9-47F4-ADBF-D14195C01182}"/>
+              </a:ext>
+            </a:extLst>
+          </p:cNvPr>
+          <p:cNvSpPr>
+            <a:spLocks noGrp="1"/>
+          </p:cNvSpPr>
+          <p:nvPr>
+            <p:ph type="title"/>
+          </p:nvPr>
+        </p:nvSpPr>
+        <p:spPr>
+          <a:xfrm>
+            <a:off x="838200" y="1175657"/>
+            <a:ext cx="10515600" cy="984069"/>
+          </a:xfrm>
+        </p:spPr>
+        <p:txBody>
+          <a:bodyPr>
+            <a:normAutofit/>
+          </a:bodyPr>
+          <a:lstStyle/>
+          <a:p>
+            <a:r>
+              <a:rPr lang="en-IN" b="1" dirty="0">
+                <a:latin typeface="Montserrat" panose="00000500000000000000" pitchFamily="50" charset="0"/>
+              </a:rPr>
+              <a:t>Why Medicus?</a:t>
+            </a:r>
+          </a:p>
+        </p:txBody>
+      </p:sp>
+      <p:sp>
+        <p:nvSpPr>
+          <p:cNvPr id="3" name="Content Placeholder 2">
+            <a:extLst>
+              <a:ext uri="{FF2B5EF4-FFF2-40B4-BE49-F238E27FC236}">
+                <a16:creationId xmlns:a16="http://schemas.microsoft.com/office/drawing/2014/main" id="{101259B3-6D8F-47B0-9907-AC17AC3B359A}"/>
+              </a:ext>
+            </a:extLst>
+          </p:cNvPr>
+          <p:cNvSpPr>
+            <a:spLocks noGrp="1"/>
+          </p:cNvSpPr>
+          <p:nvPr>
+            <p:ph idx="1"/>
+          </p:nvPr>
+        </p:nvSpPr>
+        <p:spPr>
+          <a:xfrm>
+            <a:off x="838200" y="2342606"/>
+            <a:ext cx="10515600" cy="3834357"/>
+          </a:xfrm>
+        </p:spPr>
+        <p:txBody>
+          <a:bodyPr/>
+          <a:lstStyle/>
+          <a:p>
+            <a:r>
+              <a:rPr lang="en-IN" sz="4000" dirty="0">
+                <a:latin typeface="Montserrat" panose="00000500000000000000" pitchFamily="50" charset="0"/>
+              </a:rPr>
+              <a:t>Finds the best doctor that suits you</a:t>
+            </a:r>
+          </a:p>
+          <a:p>
+            <a:r>
+              <a:rPr lang="en-IN" sz="4000" dirty="0">
+                <a:latin typeface="Montserrat" panose="00000500000000000000" pitchFamily="50" charset="0"/>
+              </a:rPr>
+              <a:t>Finds the best hospital near you</a:t>
+            </a:r>
+          </a:p>
+          <a:p>
+            <a:r>
+              <a:rPr lang="en-IN" sz="4000" dirty="0">
+                <a:latin typeface="Montserrat" panose="00000500000000000000" pitchFamily="50" charset="0"/>
+              </a:rPr>
+              <a:t>No fake feedbacks</a:t>
+            </a:r>
+          </a:p>
+          <a:p>
+            <a:r>
+              <a:rPr lang="en-IN" sz="4000" dirty="0">
+                <a:latin typeface="Montserrat" panose="00000500000000000000" pitchFamily="50" charset="0"/>
+              </a:rPr>
+              <a:t>Pure reviews from verified people</a:t>
             </a:r>
           </a:p>
           <a:p>
@@ -4377,121 +5806,6 @@
                                           <p:spTgt spid="3">
                                             <p:txEl>
                                               <p:pRg st="3" end="3"/>
-                                            </p:txEl>
-                                          </p:spTgt>
-                                        </p:tgtEl>
-                                        <p:attrNameLst>
-                                          <p:attrName>ppt_y</p:attrName>
-                                        </p:attrNameLst>
-                                      </p:cBhvr>
-                                      <p:tavLst>
-                                        <p:tav tm="0">
-                                          <p:val>
-                                            <p:strVal val="#ppt_y+.1"/>
-                                          </p:val>
-                                        </p:tav>
-                                        <p:tav tm="100000">
-                                          <p:val>
-                                            <p:strVal val="#ppt_y"/>
-                                          </p:val>
-                                        </p:tav>
-                                      </p:tavLst>
-                                    </p:anim>
-                                  </p:childTnLst>
-                                </p:cTn>
-                              </p:par>
-                            </p:childTnLst>
-                          </p:cTn>
-                        </p:par>
-                      </p:childTnLst>
-                    </p:cTn>
-                  </p:par>
-                  <p:par>
-                    <p:cTn id="38" fill="hold">
-                      <p:stCondLst>
-                        <p:cond delay="indefinite"/>
-                      </p:stCondLst>
-                      <p:childTnLst>
-                        <p:par>
-                          <p:cTn id="39" fill="hold">
-                            <p:stCondLst>
-                              <p:cond delay="0"/>
-                            </p:stCondLst>
-                            <p:childTnLst>
-                              <p:par>
-                                <p:cTn id="40" presetID="42" presetClass="entr" presetSubtype="0" fill="hold" grpId="0" nodeType="clickEffect">
-                                  <p:stCondLst>
-                                    <p:cond delay="0"/>
-                                  </p:stCondLst>
-                                  <p:childTnLst>
-                                    <p:set>
-                                      <p:cBhvr>
-                                        <p:cTn id="41" dur="1" fill="hold">
-                                          <p:stCondLst>
-                                            <p:cond delay="0"/>
-                                          </p:stCondLst>
-                                        </p:cTn>
-                                        <p:tgtEl>
-                                          <p:spTgt spid="3">
-                                            <p:txEl>
-                                              <p:pRg st="4" end="4"/>
-                                            </p:txEl>
-                                          </p:spTgt>
-                                        </p:tgtEl>
-                                        <p:attrNameLst>
-                                          <p:attrName>style.visibility</p:attrName>
-                                        </p:attrNameLst>
-                                      </p:cBhvr>
-                                      <p:to>
-                                        <p:strVal val="visible"/>
-                                      </p:to>
-                                    </p:set>
-                                    <p:animEffect transition="in" filter="fade">
-                                      <p:cBhvr>
-                                        <p:cTn id="42" dur="1000"/>
-                                        <p:tgtEl>
-                                          <p:spTgt spid="3">
-                                            <p:txEl>
-                                              <p:pRg st="4" end="4"/>
-                                            </p:txEl>
-                                          </p:spTgt>
-                                        </p:tgtEl>
-                                      </p:cBhvr>
-                                    </p:animEffect>
-                                    <p:anim calcmode="lin" valueType="num">
-                                      <p:cBhvr>
-                                        <p:cTn id="43" dur="1000" fill="hold"/>
-                                        <p:tgtEl>
-                                          <p:spTgt spid="3">
-                                            <p:txEl>
-                                              <p:pRg st="4" end="4"/>
-                                            </p:txEl>
-                                          </p:spTgt>
-                                        </p:tgtEl>
-                                        <p:attrNameLst>
-                                          <p:attrName>ppt_x</p:attrName>
-                                        </p:attrNameLst>
-                                      </p:cBhvr>
-                                      <p:tavLst>
-                                        <p:tav tm="0">
-                                          <p:val>
-                                            <p:strVal val="#ppt_x"/>
-                                          </p:val>
-                                        </p:tav>
-                                        <p:tav tm="100000">
-                                          <p:val>
-                                            <p:strVal val="#ppt_x"/>
-                                          </p:val>
-                                        </p:tav>
-                                      </p:tavLst>
-                                    </p:anim>
-                                    <p:anim calcmode="lin" valueType="num">
-                                      <p:cBhvr>
-                                        <p:cTn id="44" dur="1000" fill="hold"/>
-                                        <p:tgtEl>
-                                          <p:spTgt spid="3">
-                                            <p:txEl>
-                                              <p:pRg st="4" end="4"/>
                                             </p:txEl>
                                           </p:spTgt>
                                         </p:tgtEl>
@@ -4550,7 +5864,7 @@
 </p:sld>
 </file>
 
-<file path=ppt/slides/slide4.xml><?xml version="1.0" encoding="utf-8"?>
+<file path=ppt/slides/slide6.xml><?xml version="1.0" encoding="utf-8"?>
 <p:sld xmlns:a="http://schemas.openxmlformats.org/drawingml/2006/main" xmlns:r="http://schemas.openxmlformats.org/officeDocument/2006/relationships" xmlns:p="http://schemas.openxmlformats.org/presentationml/2006/main">
   <p:cSld>
     <p:spTree>
@@ -4569,10 +5883,10 @@
       </p:grpSpPr>
       <p:pic>
         <p:nvPicPr>
-          <p:cNvPr id="5" name="Picture 4">
-            <a:extLst>
-              <a:ext uri="{FF2B5EF4-FFF2-40B4-BE49-F238E27FC236}">
-                <a16:creationId xmlns:a16="http://schemas.microsoft.com/office/drawing/2014/main" id="{4F8476F6-0F73-4EC1-87E9-C68A75BA8F87}"/>
+          <p:cNvPr id="10" name="Picture 9">
+            <a:extLst>
+              <a:ext uri="{FF2B5EF4-FFF2-40B4-BE49-F238E27FC236}">
+                <a16:creationId xmlns:a16="http://schemas.microsoft.com/office/drawing/2014/main" id="{61DC2EDA-D57A-4618-AA30-3204FEE4C636}"/>
               </a:ext>
             </a:extLst>
           </p:cNvPr>
@@ -4595,88 +5909,462 @@
         </p:blipFill>
         <p:spPr>
           <a:xfrm>
-            <a:off x="0" y="0"/>
-            <a:ext cx="12192000" cy="6858000"/>
+            <a:off x="2708" y="0"/>
+            <a:ext cx="12186584" cy="6858000"/>
           </a:xfrm>
           <a:prstGeom prst="rect">
             <a:avLst/>
           </a:prstGeom>
         </p:spPr>
       </p:pic>
+      <p:cxnSp>
+        <p:nvCxnSpPr>
+          <p:cNvPr id="19" name="Straight Arrow Connector 18">
+            <a:extLst>
+              <a:ext uri="{FF2B5EF4-FFF2-40B4-BE49-F238E27FC236}">
+                <a16:creationId xmlns:a16="http://schemas.microsoft.com/office/drawing/2014/main" id="{E1E4351F-3207-47D8-B090-B9BB54AE4552}"/>
+              </a:ext>
+            </a:extLst>
+          </p:cNvPr>
+          <p:cNvCxnSpPr>
+            <a:cxnSpLocks/>
+          </p:cNvCxnSpPr>
+          <p:nvPr/>
+        </p:nvCxnSpPr>
+        <p:spPr>
+          <a:xfrm>
+            <a:off x="3048000" y="3627120"/>
+            <a:ext cx="1869440" cy="0"/>
+          </a:xfrm>
+          <a:prstGeom prst="straightConnector1">
+            <a:avLst/>
+          </a:prstGeom>
+          <a:ln w="53975">
+            <a:tailEnd type="triangle"/>
+          </a:ln>
+        </p:spPr>
+        <p:style>
+          <a:lnRef idx="1">
+            <a:schemeClr val="accent1"/>
+          </a:lnRef>
+          <a:fillRef idx="0">
+            <a:schemeClr val="accent1"/>
+          </a:fillRef>
+          <a:effectRef idx="0">
+            <a:schemeClr val="accent1"/>
+          </a:effectRef>
+          <a:fontRef idx="minor">
+            <a:schemeClr val="tx1"/>
+          </a:fontRef>
+        </p:style>
+      </p:cxnSp>
+      <p:cxnSp>
+        <p:nvCxnSpPr>
+          <p:cNvPr id="22" name="Straight Arrow Connector 21">
+            <a:extLst>
+              <a:ext uri="{FF2B5EF4-FFF2-40B4-BE49-F238E27FC236}">
+                <a16:creationId xmlns:a16="http://schemas.microsoft.com/office/drawing/2014/main" id="{3DC2D6A7-8558-4161-BA84-67185B5D3A31}"/>
+              </a:ext>
+            </a:extLst>
+          </p:cNvPr>
+          <p:cNvCxnSpPr>
+            <a:cxnSpLocks/>
+          </p:cNvCxnSpPr>
+          <p:nvPr/>
+        </p:nvCxnSpPr>
+        <p:spPr>
+          <a:xfrm flipH="1">
+            <a:off x="3048000" y="4196080"/>
+            <a:ext cx="1798320" cy="0"/>
+          </a:xfrm>
+          <a:prstGeom prst="straightConnector1">
+            <a:avLst/>
+          </a:prstGeom>
+          <a:ln w="53975">
+            <a:tailEnd type="triangle"/>
+          </a:ln>
+        </p:spPr>
+        <p:style>
+          <a:lnRef idx="1">
+            <a:schemeClr val="accent1"/>
+          </a:lnRef>
+          <a:fillRef idx="0">
+            <a:schemeClr val="accent1"/>
+          </a:fillRef>
+          <a:effectRef idx="0">
+            <a:schemeClr val="accent1"/>
+          </a:effectRef>
+          <a:fontRef idx="minor">
+            <a:schemeClr val="tx1"/>
+          </a:fontRef>
+        </p:style>
+      </p:cxnSp>
       <p:sp>
         <p:nvSpPr>
-          <p:cNvPr id="2" name="Title 1">
-            <a:extLst>
-              <a:ext uri="{FF2B5EF4-FFF2-40B4-BE49-F238E27FC236}">
-                <a16:creationId xmlns:a16="http://schemas.microsoft.com/office/drawing/2014/main" id="{755AC5D1-2CB9-47F4-ADBF-D14195C01182}"/>
-              </a:ext>
-            </a:extLst>
-          </p:cNvPr>
-          <p:cNvSpPr>
-            <a:spLocks noGrp="1"/>
-          </p:cNvSpPr>
-          <p:nvPr>
-            <p:ph type="title"/>
-          </p:nvPr>
+          <p:cNvPr id="27" name="TextBox 26">
+            <a:extLst>
+              <a:ext uri="{FF2B5EF4-FFF2-40B4-BE49-F238E27FC236}">
+                <a16:creationId xmlns:a16="http://schemas.microsoft.com/office/drawing/2014/main" id="{56492AC2-E41B-4D20-884A-0FEC22765C26}"/>
+              </a:ext>
+            </a:extLst>
+          </p:cNvPr>
+          <p:cNvSpPr txBox="1"/>
+          <p:nvPr/>
         </p:nvSpPr>
         <p:spPr>
           <a:xfrm>
-            <a:off x="838200" y="1175657"/>
-            <a:ext cx="10515600" cy="984069"/>
+            <a:off x="3496017" y="3244334"/>
+            <a:ext cx="1529862" cy="369332"/>
           </a:xfrm>
+          <a:prstGeom prst="rect">
+            <a:avLst/>
+          </a:prstGeom>
+          <a:noFill/>
         </p:spPr>
         <p:txBody>
-          <a:bodyPr>
-            <a:normAutofit/>
+          <a:bodyPr wrap="square" rtlCol="0">
+            <a:spAutoFit/>
           </a:bodyPr>
           <a:lstStyle/>
           <a:p>
             <a:r>
-              <a:rPr lang="en-IN" b="1" dirty="0"/>
-              <a:t>Where is Medicus?</a:t>
+              <a:rPr lang="en-US" b="1" dirty="0">
+                <a:solidFill>
+                  <a:srgbClr val="EB6048"/>
+                </a:solidFill>
+                <a:latin typeface="Montserrat" panose="00000500000000000000" pitchFamily="50" charset="0"/>
+              </a:rPr>
+              <a:t>QUERY</a:t>
             </a:r>
+            <a:endParaRPr lang="en-IN" b="1" dirty="0">
+              <a:solidFill>
+                <a:srgbClr val="EB6048"/>
+              </a:solidFill>
+              <a:latin typeface="Montserrat" panose="00000500000000000000" pitchFamily="50" charset="0"/>
+            </a:endParaRPr>
           </a:p>
         </p:txBody>
       </p:sp>
       <p:sp>
         <p:nvSpPr>
-          <p:cNvPr id="3" name="Content Placeholder 2">
-            <a:extLst>
-              <a:ext uri="{FF2B5EF4-FFF2-40B4-BE49-F238E27FC236}">
-                <a16:creationId xmlns:a16="http://schemas.microsoft.com/office/drawing/2014/main" id="{101259B3-6D8F-47B0-9907-AC17AC3B359A}"/>
-              </a:ext>
-            </a:extLst>
-          </p:cNvPr>
-          <p:cNvSpPr>
-            <a:spLocks noGrp="1"/>
-          </p:cNvSpPr>
-          <p:nvPr>
-            <p:ph idx="1"/>
-          </p:nvPr>
+          <p:cNvPr id="28" name="TextBox 27">
+            <a:extLst>
+              <a:ext uri="{FF2B5EF4-FFF2-40B4-BE49-F238E27FC236}">
+                <a16:creationId xmlns:a16="http://schemas.microsoft.com/office/drawing/2014/main" id="{C780901D-9056-4E2A-8BDC-E57F26722352}"/>
+              </a:ext>
+            </a:extLst>
+          </p:cNvPr>
+          <p:cNvSpPr txBox="1"/>
+          <p:nvPr/>
         </p:nvSpPr>
         <p:spPr>
           <a:xfrm>
-            <a:off x="838200" y="2342606"/>
-            <a:ext cx="10515600" cy="3834357"/>
+            <a:off x="3496017" y="4240095"/>
+            <a:ext cx="1155114" cy="369332"/>
           </a:xfrm>
+          <a:prstGeom prst="rect">
+            <a:avLst/>
+          </a:prstGeom>
+          <a:noFill/>
         </p:spPr>
         <p:txBody>
-          <a:bodyPr/>
+          <a:bodyPr wrap="square" rtlCol="0">
+            <a:spAutoFit/>
+          </a:bodyPr>
           <a:lstStyle/>
           <a:p>
             <a:r>
-              <a:rPr lang="en-IN" dirty="0">
+              <a:rPr lang="en-US" b="1" dirty="0">
+                <a:solidFill>
+                  <a:srgbClr val="EE8A1A"/>
+                </a:solidFill>
                 <a:latin typeface="Montserrat" panose="00000500000000000000" pitchFamily="50" charset="0"/>
               </a:rPr>
-              <a:t>I</a:t>
+              <a:t>RESULT</a:t>
             </a:r>
+            <a:endParaRPr lang="en-IN" b="1" dirty="0">
+              <a:solidFill>
+                <a:srgbClr val="EE8A1A"/>
+              </a:solidFill>
+              <a:latin typeface="Montserrat" panose="00000500000000000000" pitchFamily="50" charset="0"/>
+            </a:endParaRPr>
+          </a:p>
+        </p:txBody>
+      </p:sp>
+      <p:sp>
+        <p:nvSpPr>
+          <p:cNvPr id="29" name="TextBox 28">
+            <a:extLst>
+              <a:ext uri="{FF2B5EF4-FFF2-40B4-BE49-F238E27FC236}">
+                <a16:creationId xmlns:a16="http://schemas.microsoft.com/office/drawing/2014/main" id="{4D499A75-61C3-491C-9822-6DC388C04D7F}"/>
+              </a:ext>
+            </a:extLst>
+          </p:cNvPr>
+          <p:cNvSpPr txBox="1"/>
+          <p:nvPr/>
+        </p:nvSpPr>
+        <p:spPr>
+          <a:xfrm>
+            <a:off x="1059705" y="3059668"/>
+            <a:ext cx="1379316" cy="369332"/>
+          </a:xfrm>
+          <a:prstGeom prst="rect">
+            <a:avLst/>
+          </a:prstGeom>
+          <a:noFill/>
+        </p:spPr>
+        <p:txBody>
+          <a:bodyPr wrap="square" rtlCol="0">
+            <a:spAutoFit/>
+          </a:bodyPr>
+          <a:lstStyle/>
+          <a:p>
+            <a:r>
+              <a:rPr lang="en-US" b="1" dirty="0">
+                <a:solidFill>
+                  <a:srgbClr val="38454E"/>
+                </a:solidFill>
+                <a:latin typeface="Montserrat" panose="00000500000000000000" pitchFamily="50" charset="0"/>
+              </a:rPr>
+              <a:t>WEBAPP</a:t>
+            </a:r>
+            <a:endParaRPr lang="en-IN" b="1" dirty="0">
+              <a:solidFill>
+                <a:srgbClr val="38454E"/>
+              </a:solidFill>
+              <a:latin typeface="Montserrat" panose="00000500000000000000" pitchFamily="50" charset="0"/>
+            </a:endParaRPr>
+          </a:p>
+        </p:txBody>
+      </p:sp>
+      <p:sp>
+        <p:nvSpPr>
+          <p:cNvPr id="30" name="TextBox 29">
+            <a:extLst>
+              <a:ext uri="{FF2B5EF4-FFF2-40B4-BE49-F238E27FC236}">
+                <a16:creationId xmlns:a16="http://schemas.microsoft.com/office/drawing/2014/main" id="{5DDEC6FE-890A-4A1C-AB2D-B08BAAD5B0E6}"/>
+              </a:ext>
+            </a:extLst>
+          </p:cNvPr>
+          <p:cNvSpPr txBox="1"/>
+          <p:nvPr/>
+        </p:nvSpPr>
+        <p:spPr>
+          <a:xfrm>
+            <a:off x="5688623" y="2365130"/>
+            <a:ext cx="1292469" cy="369332"/>
+          </a:xfrm>
+          <a:prstGeom prst="rect">
+            <a:avLst/>
+          </a:prstGeom>
+          <a:noFill/>
+        </p:spPr>
+        <p:txBody>
+          <a:bodyPr wrap="square" rtlCol="0">
+            <a:spAutoFit/>
+          </a:bodyPr>
+          <a:lstStyle/>
+          <a:p>
+            <a:r>
+              <a:rPr lang="en-US" b="1" dirty="0">
+                <a:solidFill>
+                  <a:srgbClr val="28394D"/>
+                </a:solidFill>
+                <a:latin typeface="Montserrat" panose="00000500000000000000" pitchFamily="50" charset="0"/>
+              </a:rPr>
+              <a:t>SERVER</a:t>
+            </a:r>
+            <a:endParaRPr lang="en-IN" b="1" dirty="0">
+              <a:solidFill>
+                <a:srgbClr val="28394D"/>
+              </a:solidFill>
+              <a:latin typeface="Montserrat" panose="00000500000000000000" pitchFamily="50" charset="0"/>
+            </a:endParaRPr>
+          </a:p>
+        </p:txBody>
+      </p:sp>
+      <p:sp>
+        <p:nvSpPr>
+          <p:cNvPr id="31" name="TextBox 30">
+            <a:extLst>
+              <a:ext uri="{FF2B5EF4-FFF2-40B4-BE49-F238E27FC236}">
+                <a16:creationId xmlns:a16="http://schemas.microsoft.com/office/drawing/2014/main" id="{48D13480-C8C2-43D6-891E-10CB6619502E}"/>
+              </a:ext>
+            </a:extLst>
+          </p:cNvPr>
+          <p:cNvSpPr txBox="1"/>
+          <p:nvPr/>
+        </p:nvSpPr>
+        <p:spPr>
+          <a:xfrm>
+            <a:off x="9976338" y="3059668"/>
+            <a:ext cx="870439" cy="369332"/>
+          </a:xfrm>
+          <a:prstGeom prst="rect">
+            <a:avLst/>
+          </a:prstGeom>
+          <a:noFill/>
+        </p:spPr>
+        <p:txBody>
+          <a:bodyPr wrap="square" rtlCol="0">
+            <a:spAutoFit/>
+          </a:bodyPr>
+          <a:lstStyle/>
+          <a:p>
+            <a:r>
+              <a:rPr lang="en-US" b="1" dirty="0">
+                <a:solidFill>
+                  <a:srgbClr val="424A5F"/>
+                </a:solidFill>
+                <a:latin typeface="Montserrat" panose="00000500000000000000" pitchFamily="50" charset="0"/>
+              </a:rPr>
+              <a:t>DB</a:t>
+            </a:r>
+            <a:endParaRPr lang="en-IN" b="1" dirty="0">
+              <a:solidFill>
+                <a:srgbClr val="424A5F"/>
+              </a:solidFill>
+              <a:latin typeface="Montserrat" panose="00000500000000000000" pitchFamily="50" charset="0"/>
+            </a:endParaRPr>
+          </a:p>
+        </p:txBody>
+      </p:sp>
+      <p:cxnSp>
+        <p:nvCxnSpPr>
+          <p:cNvPr id="33" name="Straight Arrow Connector 32">
+            <a:extLst>
+              <a:ext uri="{FF2B5EF4-FFF2-40B4-BE49-F238E27FC236}">
+                <a16:creationId xmlns:a16="http://schemas.microsoft.com/office/drawing/2014/main" id="{34CE0355-CA1B-4674-B946-6DE7F9A352D3}"/>
+              </a:ext>
+            </a:extLst>
+          </p:cNvPr>
+          <p:cNvCxnSpPr/>
+          <p:nvPr/>
+        </p:nvCxnSpPr>
+        <p:spPr>
+          <a:xfrm>
+            <a:off x="7271238" y="4035669"/>
+            <a:ext cx="1978270" cy="0"/>
+          </a:xfrm>
+          <a:prstGeom prst="straightConnector1">
+            <a:avLst/>
+          </a:prstGeom>
+          <a:ln w="57150">
+            <a:headEnd type="triangle"/>
+            <a:tailEnd type="triangle"/>
+          </a:ln>
+        </p:spPr>
+        <p:style>
+          <a:lnRef idx="1">
+            <a:schemeClr val="accent1"/>
+          </a:lnRef>
+          <a:fillRef idx="0">
+            <a:schemeClr val="accent1"/>
+          </a:fillRef>
+          <a:effectRef idx="0">
+            <a:schemeClr val="accent1"/>
+          </a:effectRef>
+          <a:fontRef idx="minor">
+            <a:schemeClr val="tx1"/>
+          </a:fontRef>
+        </p:style>
+      </p:cxnSp>
+      <p:sp>
+        <p:nvSpPr>
+          <p:cNvPr id="34" name="TextBox 33">
+            <a:extLst>
+              <a:ext uri="{FF2B5EF4-FFF2-40B4-BE49-F238E27FC236}">
+                <a16:creationId xmlns:a16="http://schemas.microsoft.com/office/drawing/2014/main" id="{D30812F4-78A4-4B71-8A1D-F999DC59C07D}"/>
+              </a:ext>
+            </a:extLst>
+          </p:cNvPr>
+          <p:cNvSpPr txBox="1"/>
+          <p:nvPr/>
+        </p:nvSpPr>
+        <p:spPr>
+          <a:xfrm>
+            <a:off x="7271238" y="3613666"/>
+            <a:ext cx="2286839" cy="338554"/>
+          </a:xfrm>
+          <a:prstGeom prst="rect">
+            <a:avLst/>
+          </a:prstGeom>
+          <a:noFill/>
+        </p:spPr>
+        <p:txBody>
+          <a:bodyPr wrap="square" rtlCol="0">
+            <a:spAutoFit/>
+          </a:bodyPr>
+          <a:lstStyle/>
+          <a:p>
+            <a:r>
+              <a:rPr lang="en-US" sz="1600" b="1" dirty="0">
+                <a:solidFill>
+                  <a:srgbClr val="22A24D"/>
+                </a:solidFill>
+                <a:latin typeface="Montserrat" panose="00000500000000000000" pitchFamily="50" charset="0"/>
+              </a:rPr>
+              <a:t>ACCESSING DATA</a:t>
+            </a:r>
+            <a:endParaRPr lang="en-IN" sz="1600" b="1" dirty="0">
+              <a:solidFill>
+                <a:srgbClr val="22A24D"/>
+              </a:solidFill>
+              <a:latin typeface="Montserrat" panose="00000500000000000000" pitchFamily="50" charset="0"/>
+            </a:endParaRPr>
+          </a:p>
+        </p:txBody>
+      </p:sp>
+      <p:sp>
+        <p:nvSpPr>
+          <p:cNvPr id="35" name="TextBox 34">
+            <a:extLst>
+              <a:ext uri="{FF2B5EF4-FFF2-40B4-BE49-F238E27FC236}">
+                <a16:creationId xmlns:a16="http://schemas.microsoft.com/office/drawing/2014/main" id="{1364078D-8A83-43D5-A3BC-E9CCD36F62A7}"/>
+              </a:ext>
+            </a:extLst>
+          </p:cNvPr>
+          <p:cNvSpPr txBox="1"/>
+          <p:nvPr/>
+        </p:nvSpPr>
+        <p:spPr>
+          <a:xfrm>
+            <a:off x="5241680" y="1213339"/>
+            <a:ext cx="2186354" cy="523220"/>
+          </a:xfrm>
+          <a:prstGeom prst="rect">
+            <a:avLst/>
+          </a:prstGeom>
+          <a:noFill/>
+        </p:spPr>
+        <p:txBody>
+          <a:bodyPr wrap="square" rtlCol="0">
+            <a:spAutoFit/>
+          </a:bodyPr>
+          <a:lstStyle/>
+          <a:p>
+            <a:r>
+              <a:rPr lang="en-US" sz="2800" b="1" dirty="0">
+                <a:solidFill>
+                  <a:srgbClr val="3750B4"/>
+                </a:solidFill>
+                <a:latin typeface="Montserrat" panose="00000500000000000000" pitchFamily="50" charset="0"/>
+              </a:rPr>
+              <a:t>WORKING</a:t>
+            </a:r>
+            <a:endParaRPr lang="en-IN" sz="2800" b="1" dirty="0">
+              <a:solidFill>
+                <a:srgbClr val="3750B4"/>
+              </a:solidFill>
+              <a:latin typeface="Montserrat" panose="00000500000000000000" pitchFamily="50" charset="0"/>
+            </a:endParaRPr>
           </a:p>
         </p:txBody>
       </p:sp>
     </p:spTree>
     <p:extLst>
       <p:ext uri="{BB962C8B-B14F-4D97-AF65-F5344CB8AC3E}">
-        <p14:creationId xmlns:p14="http://schemas.microsoft.com/office/powerpoint/2010/main" val="3807450185"/>
+        <p14:creationId xmlns:p14="http://schemas.microsoft.com/office/powerpoint/2010/main" val="4238688134"/>
       </p:ext>
     </p:extLst>
   </p:cSld>
@@ -4686,135 +6374,7 @@
 </p:sld>
 </file>
 
-<file path=ppt/slides/slide5.xml><?xml version="1.0" encoding="utf-8"?>
-<p:sld xmlns:a="http://schemas.openxmlformats.org/drawingml/2006/main" xmlns:r="http://schemas.openxmlformats.org/officeDocument/2006/relationships" xmlns:p="http://schemas.openxmlformats.org/presentationml/2006/main">
-  <p:cSld>
-    <p:spTree>
-      <p:nvGrpSpPr>
-        <p:cNvPr id="1" name=""/>
-        <p:cNvGrpSpPr/>
-        <p:nvPr/>
-      </p:nvGrpSpPr>
-      <p:grpSpPr>
-        <a:xfrm>
-          <a:off x="0" y="0"/>
-          <a:ext cx="0" cy="0"/>
-          <a:chOff x="0" y="0"/>
-          <a:chExt cx="0" cy="0"/>
-        </a:xfrm>
-      </p:grpSpPr>
-      <p:pic>
-        <p:nvPicPr>
-          <p:cNvPr id="5" name="Picture 4">
-            <a:extLst>
-              <a:ext uri="{FF2B5EF4-FFF2-40B4-BE49-F238E27FC236}">
-                <a16:creationId xmlns:a16="http://schemas.microsoft.com/office/drawing/2014/main" id="{4F8476F6-0F73-4EC1-87E9-C68A75BA8F87}"/>
-              </a:ext>
-            </a:extLst>
-          </p:cNvPr>
-          <p:cNvPicPr>
-            <a:picLocks noChangeAspect="1"/>
-          </p:cNvPicPr>
-          <p:nvPr/>
-        </p:nvPicPr>
-        <p:blipFill>
-          <a:blip r:embed="rId2">
-            <a:extLst>
-              <a:ext uri="{28A0092B-C50C-407E-A947-70E740481C1C}">
-                <a14:useLocalDpi xmlns:a14="http://schemas.microsoft.com/office/drawing/2010/main" val="0"/>
-              </a:ext>
-            </a:extLst>
-          </a:blip>
-          <a:stretch>
-            <a:fillRect/>
-          </a:stretch>
-        </p:blipFill>
-        <p:spPr>
-          <a:xfrm>
-            <a:off x="0" y="0"/>
-            <a:ext cx="12192000" cy="6858000"/>
-          </a:xfrm>
-          <a:prstGeom prst="rect">
-            <a:avLst/>
-          </a:prstGeom>
-        </p:spPr>
-      </p:pic>
-      <p:sp>
-        <p:nvSpPr>
-          <p:cNvPr id="2" name="Title 1">
-            <a:extLst>
-              <a:ext uri="{FF2B5EF4-FFF2-40B4-BE49-F238E27FC236}">
-                <a16:creationId xmlns:a16="http://schemas.microsoft.com/office/drawing/2014/main" id="{755AC5D1-2CB9-47F4-ADBF-D14195C01182}"/>
-              </a:ext>
-            </a:extLst>
-          </p:cNvPr>
-          <p:cNvSpPr>
-            <a:spLocks noGrp="1"/>
-          </p:cNvSpPr>
-          <p:nvPr>
-            <p:ph type="title"/>
-          </p:nvPr>
-        </p:nvSpPr>
-        <p:spPr>
-          <a:xfrm>
-            <a:off x="838200" y="1175657"/>
-            <a:ext cx="10515600" cy="984069"/>
-          </a:xfrm>
-        </p:spPr>
-        <p:txBody>
-          <a:bodyPr>
-            <a:normAutofit/>
-          </a:bodyPr>
-          <a:lstStyle/>
-          <a:p>
-            <a:endParaRPr lang="en-IN" dirty="0"/>
-          </a:p>
-        </p:txBody>
-      </p:sp>
-      <p:sp>
-        <p:nvSpPr>
-          <p:cNvPr id="3" name="Content Placeholder 2">
-            <a:extLst>
-              <a:ext uri="{FF2B5EF4-FFF2-40B4-BE49-F238E27FC236}">
-                <a16:creationId xmlns:a16="http://schemas.microsoft.com/office/drawing/2014/main" id="{101259B3-6D8F-47B0-9907-AC17AC3B359A}"/>
-              </a:ext>
-            </a:extLst>
-          </p:cNvPr>
-          <p:cNvSpPr>
-            <a:spLocks noGrp="1"/>
-          </p:cNvSpPr>
-          <p:nvPr>
-            <p:ph idx="1"/>
-          </p:nvPr>
-        </p:nvSpPr>
-        <p:spPr>
-          <a:xfrm>
-            <a:off x="838200" y="2342606"/>
-            <a:ext cx="10515600" cy="3834357"/>
-          </a:xfrm>
-        </p:spPr>
-        <p:txBody>
-          <a:bodyPr/>
-          <a:lstStyle/>
-          <a:p>
-            <a:endParaRPr lang="en-IN" dirty="0"/>
-          </a:p>
-        </p:txBody>
-      </p:sp>
-    </p:spTree>
-    <p:extLst>
-      <p:ext uri="{BB962C8B-B14F-4D97-AF65-F5344CB8AC3E}">
-        <p14:creationId xmlns:p14="http://schemas.microsoft.com/office/powerpoint/2010/main" val="554333656"/>
-      </p:ext>
-    </p:extLst>
-  </p:cSld>
-  <p:clrMapOvr>
-    <a:masterClrMapping/>
-  </p:clrMapOvr>
-</p:sld>
-</file>
-
-<file path=ppt/slides/slide6.xml><?xml version="1.0" encoding="utf-8"?>
+<file path=ppt/slides/slide7.xml><?xml version="1.0" encoding="utf-8"?>
 <p:sld xmlns:a="http://schemas.openxmlformats.org/drawingml/2006/main" xmlns:r="http://schemas.openxmlformats.org/officeDocument/2006/relationships" xmlns:p="http://schemas.openxmlformats.org/presentationml/2006/main">
   <p:cSld>
     <p:spTree>
@@ -6072,7 +7632,7 @@
             </p:cNvPicPr>
             <p:nvPr/>
           </p:nvPicPr>
-          <p:blipFill rotWithShape="1">
+          <p:blipFill>
             <a:blip r:embed="rId6">
               <a:extLst>
                 <a:ext uri="{28A0092B-C50C-407E-A947-70E740481C1C}">
@@ -6080,13 +7640,14 @@
                 </a:ext>
               </a:extLst>
             </a:blip>
-            <a:srcRect l="16615" r="16615"/>
-            <a:stretch/>
+            <a:stretch>
+              <a:fillRect/>
+            </a:stretch>
           </p:blipFill>
           <p:spPr>
             <a:xfrm>
-              <a:off x="7395187" y="1904502"/>
-              <a:ext cx="2063138" cy="2063138"/>
+              <a:off x="7395529" y="1904502"/>
+              <a:ext cx="2062454" cy="2063138"/>
             </a:xfrm>
             <a:prstGeom prst="ellipse">
               <a:avLst/>
@@ -7622,7 +9183,7 @@
 </p:sld>
 </file>
 
-<file path=ppt/slides/slide7.xml><?xml version="1.0" encoding="utf-8"?>
+<file path=ppt/slides/slide8.xml><?xml version="1.0" encoding="utf-8"?>
 <p:sld xmlns:a="http://schemas.openxmlformats.org/drawingml/2006/main" xmlns:r="http://schemas.openxmlformats.org/officeDocument/2006/relationships" xmlns:p="http://schemas.openxmlformats.org/presentationml/2006/main">
   <p:cSld>
     <p:spTree>
@@ -7675,6 +9236,97 @@
           </a:prstGeom>
         </p:spPr>
       </p:pic>
+      <p:sp>
+        <p:nvSpPr>
+          <p:cNvPr id="2" name="Title 1">
+            <a:extLst>
+              <a:ext uri="{FF2B5EF4-FFF2-40B4-BE49-F238E27FC236}">
+                <a16:creationId xmlns:a16="http://schemas.microsoft.com/office/drawing/2014/main" id="{DD45883A-6B76-4A99-803A-1D0403A6B2A5}"/>
+              </a:ext>
+            </a:extLst>
+          </p:cNvPr>
+          <p:cNvSpPr>
+            <a:spLocks noGrp="1"/>
+          </p:cNvSpPr>
+          <p:nvPr>
+            <p:ph type="title"/>
+          </p:nvPr>
+        </p:nvSpPr>
+        <p:spPr>
+          <a:xfrm>
+            <a:off x="838200" y="1138843"/>
+            <a:ext cx="10515600" cy="1047403"/>
+          </a:xfrm>
+        </p:spPr>
+        <p:txBody>
+          <a:bodyPr/>
+          <a:lstStyle/>
+          <a:p>
+            <a:r>
+              <a:rPr lang="en-US" b="1" dirty="0">
+                <a:latin typeface="Montserrat" panose="00000500000000000000" pitchFamily="50" charset="0"/>
+              </a:rPr>
+              <a:t>Upcoming Features</a:t>
+            </a:r>
+            <a:endParaRPr lang="en-IN" b="1" dirty="0">
+              <a:latin typeface="Montserrat" panose="00000500000000000000" pitchFamily="50" charset="0"/>
+            </a:endParaRPr>
+          </a:p>
+        </p:txBody>
+      </p:sp>
+      <p:sp>
+        <p:nvSpPr>
+          <p:cNvPr id="3" name="Content Placeholder 2">
+            <a:extLst>
+              <a:ext uri="{FF2B5EF4-FFF2-40B4-BE49-F238E27FC236}">
+                <a16:creationId xmlns:a16="http://schemas.microsoft.com/office/drawing/2014/main" id="{89EC121A-08E2-4E71-9332-148A5605C4DC}"/>
+              </a:ext>
+            </a:extLst>
+          </p:cNvPr>
+          <p:cNvSpPr>
+            <a:spLocks noGrp="1"/>
+          </p:cNvSpPr>
+          <p:nvPr>
+            <p:ph idx="1"/>
+          </p:nvPr>
+        </p:nvSpPr>
+        <p:spPr>
+          <a:xfrm>
+            <a:off x="838200" y="2274513"/>
+            <a:ext cx="10515600" cy="3702338"/>
+          </a:xfrm>
+        </p:spPr>
+        <p:txBody>
+          <a:bodyPr>
+            <a:normAutofit/>
+          </a:bodyPr>
+          <a:lstStyle/>
+          <a:p>
+            <a:r>
+              <a:rPr lang="en-US" sz="5400" dirty="0">
+                <a:latin typeface="Montserrat" panose="00000500000000000000" pitchFamily="50" charset="0"/>
+              </a:rPr>
+              <a:t>Booking Service</a:t>
+            </a:r>
+          </a:p>
+          <a:p>
+            <a:r>
+              <a:rPr lang="en-US" sz="5400" dirty="0">
+                <a:latin typeface="Montserrat" panose="00000500000000000000" pitchFamily="50" charset="0"/>
+              </a:rPr>
+              <a:t>Emergency Assistance</a:t>
+            </a:r>
+          </a:p>
+          <a:p>
+            <a:r>
+              <a:rPr lang="en-US" sz="5400" dirty="0">
+                <a:latin typeface="Montserrat" panose="00000500000000000000" pitchFamily="50" charset="0"/>
+              </a:rPr>
+              <a:t>Mobile App</a:t>
+            </a:r>
+          </a:p>
+        </p:txBody>
+      </p:sp>
     </p:spTree>
     <p:extLst>
       <p:ext uri="{BB962C8B-B14F-4D97-AF65-F5344CB8AC3E}">
@@ -7685,6 +9337,505 @@
   <p:clrMapOvr>
     <a:masterClrMapping/>
   </p:clrMapOvr>
+  <p:timing>
+    <p:tnLst>
+      <p:par>
+        <p:cTn id="1" dur="indefinite" restart="never" nodeType="tmRoot">
+          <p:childTnLst>
+            <p:seq concurrent="1" nextAc="seek">
+              <p:cTn id="2" dur="indefinite" nodeType="mainSeq">
+                <p:childTnLst>
+                  <p:par>
+                    <p:cTn id="3" fill="hold">
+                      <p:stCondLst>
+                        <p:cond delay="indefinite"/>
+                      </p:stCondLst>
+                      <p:childTnLst>
+                        <p:par>
+                          <p:cTn id="4" fill="hold">
+                            <p:stCondLst>
+                              <p:cond delay="0"/>
+                            </p:stCondLst>
+                            <p:childTnLst>
+                              <p:par>
+                                <p:cTn id="5" presetID="42" presetClass="entr" presetSubtype="0" fill="hold" grpId="0" nodeType="clickEffect">
+                                  <p:stCondLst>
+                                    <p:cond delay="0"/>
+                                  </p:stCondLst>
+                                  <p:childTnLst>
+                                    <p:set>
+                                      <p:cBhvr>
+                                        <p:cTn id="6" dur="1" fill="hold">
+                                          <p:stCondLst>
+                                            <p:cond delay="0"/>
+                                          </p:stCondLst>
+                                        </p:cTn>
+                                        <p:tgtEl>
+                                          <p:spTgt spid="2"/>
+                                        </p:tgtEl>
+                                        <p:attrNameLst>
+                                          <p:attrName>style.visibility</p:attrName>
+                                        </p:attrNameLst>
+                                      </p:cBhvr>
+                                      <p:to>
+                                        <p:strVal val="visible"/>
+                                      </p:to>
+                                    </p:set>
+                                    <p:animEffect transition="in" filter="fade">
+                                      <p:cBhvr>
+                                        <p:cTn id="7" dur="1000"/>
+                                        <p:tgtEl>
+                                          <p:spTgt spid="2"/>
+                                        </p:tgtEl>
+                                      </p:cBhvr>
+                                    </p:animEffect>
+                                    <p:anim calcmode="lin" valueType="num">
+                                      <p:cBhvr>
+                                        <p:cTn id="8" dur="1000" fill="hold"/>
+                                        <p:tgtEl>
+                                          <p:spTgt spid="2"/>
+                                        </p:tgtEl>
+                                        <p:attrNameLst>
+                                          <p:attrName>ppt_x</p:attrName>
+                                        </p:attrNameLst>
+                                      </p:cBhvr>
+                                      <p:tavLst>
+                                        <p:tav tm="0">
+                                          <p:val>
+                                            <p:strVal val="#ppt_x"/>
+                                          </p:val>
+                                        </p:tav>
+                                        <p:tav tm="100000">
+                                          <p:val>
+                                            <p:strVal val="#ppt_x"/>
+                                          </p:val>
+                                        </p:tav>
+                                      </p:tavLst>
+                                    </p:anim>
+                                    <p:anim calcmode="lin" valueType="num">
+                                      <p:cBhvr>
+                                        <p:cTn id="9" dur="1000" fill="hold"/>
+                                        <p:tgtEl>
+                                          <p:spTgt spid="2"/>
+                                        </p:tgtEl>
+                                        <p:attrNameLst>
+                                          <p:attrName>ppt_y</p:attrName>
+                                        </p:attrNameLst>
+                                      </p:cBhvr>
+                                      <p:tavLst>
+                                        <p:tav tm="0">
+                                          <p:val>
+                                            <p:strVal val="#ppt_y+.1"/>
+                                          </p:val>
+                                        </p:tav>
+                                        <p:tav tm="100000">
+                                          <p:val>
+                                            <p:strVal val="#ppt_y"/>
+                                          </p:val>
+                                        </p:tav>
+                                      </p:tavLst>
+                                    </p:anim>
+                                  </p:childTnLst>
+                                </p:cTn>
+                              </p:par>
+                            </p:childTnLst>
+                          </p:cTn>
+                        </p:par>
+                      </p:childTnLst>
+                    </p:cTn>
+                  </p:par>
+                  <p:par>
+                    <p:cTn id="10" fill="hold">
+                      <p:stCondLst>
+                        <p:cond delay="indefinite"/>
+                      </p:stCondLst>
+                      <p:childTnLst>
+                        <p:par>
+                          <p:cTn id="11" fill="hold">
+                            <p:stCondLst>
+                              <p:cond delay="0"/>
+                            </p:stCondLst>
+                            <p:childTnLst>
+                              <p:par>
+                                <p:cTn id="12" presetID="10" presetClass="entr" presetSubtype="0" fill="hold" grpId="0" nodeType="clickEffect">
+                                  <p:stCondLst>
+                                    <p:cond delay="0"/>
+                                  </p:stCondLst>
+                                  <p:childTnLst>
+                                    <p:set>
+                                      <p:cBhvr>
+                                        <p:cTn id="13" dur="1" fill="hold">
+                                          <p:stCondLst>
+                                            <p:cond delay="0"/>
+                                          </p:stCondLst>
+                                        </p:cTn>
+                                        <p:tgtEl>
+                                          <p:spTgt spid="3">
+                                            <p:txEl>
+                                              <p:pRg st="0" end="0"/>
+                                            </p:txEl>
+                                          </p:spTgt>
+                                        </p:tgtEl>
+                                        <p:attrNameLst>
+                                          <p:attrName>style.visibility</p:attrName>
+                                        </p:attrNameLst>
+                                      </p:cBhvr>
+                                      <p:to>
+                                        <p:strVal val="visible"/>
+                                      </p:to>
+                                    </p:set>
+                                    <p:animEffect transition="in" filter="fade">
+                                      <p:cBhvr>
+                                        <p:cTn id="14" dur="500"/>
+                                        <p:tgtEl>
+                                          <p:spTgt spid="3">
+                                            <p:txEl>
+                                              <p:pRg st="0" end="0"/>
+                                            </p:txEl>
+                                          </p:spTgt>
+                                        </p:tgtEl>
+                                      </p:cBhvr>
+                                    </p:animEffect>
+                                  </p:childTnLst>
+                                </p:cTn>
+                              </p:par>
+                            </p:childTnLst>
+                          </p:cTn>
+                        </p:par>
+                      </p:childTnLst>
+                    </p:cTn>
+                  </p:par>
+                  <p:par>
+                    <p:cTn id="15" fill="hold">
+                      <p:stCondLst>
+                        <p:cond delay="indefinite"/>
+                      </p:stCondLst>
+                      <p:childTnLst>
+                        <p:par>
+                          <p:cTn id="16" fill="hold">
+                            <p:stCondLst>
+                              <p:cond delay="0"/>
+                            </p:stCondLst>
+                            <p:childTnLst>
+                              <p:par>
+                                <p:cTn id="17" presetID="10" presetClass="entr" presetSubtype="0" fill="hold" grpId="0" nodeType="clickEffect">
+                                  <p:stCondLst>
+                                    <p:cond delay="0"/>
+                                  </p:stCondLst>
+                                  <p:childTnLst>
+                                    <p:set>
+                                      <p:cBhvr>
+                                        <p:cTn id="18" dur="1" fill="hold">
+                                          <p:stCondLst>
+                                            <p:cond delay="0"/>
+                                          </p:stCondLst>
+                                        </p:cTn>
+                                        <p:tgtEl>
+                                          <p:spTgt spid="3">
+                                            <p:txEl>
+                                              <p:pRg st="1" end="1"/>
+                                            </p:txEl>
+                                          </p:spTgt>
+                                        </p:tgtEl>
+                                        <p:attrNameLst>
+                                          <p:attrName>style.visibility</p:attrName>
+                                        </p:attrNameLst>
+                                      </p:cBhvr>
+                                      <p:to>
+                                        <p:strVal val="visible"/>
+                                      </p:to>
+                                    </p:set>
+                                    <p:animEffect transition="in" filter="fade">
+                                      <p:cBhvr>
+                                        <p:cTn id="19" dur="500"/>
+                                        <p:tgtEl>
+                                          <p:spTgt spid="3">
+                                            <p:txEl>
+                                              <p:pRg st="1" end="1"/>
+                                            </p:txEl>
+                                          </p:spTgt>
+                                        </p:tgtEl>
+                                      </p:cBhvr>
+                                    </p:animEffect>
+                                  </p:childTnLst>
+                                </p:cTn>
+                              </p:par>
+                            </p:childTnLst>
+                          </p:cTn>
+                        </p:par>
+                      </p:childTnLst>
+                    </p:cTn>
+                  </p:par>
+                  <p:par>
+                    <p:cTn id="20" fill="hold">
+                      <p:stCondLst>
+                        <p:cond delay="indefinite"/>
+                      </p:stCondLst>
+                      <p:childTnLst>
+                        <p:par>
+                          <p:cTn id="21" fill="hold">
+                            <p:stCondLst>
+                              <p:cond delay="0"/>
+                            </p:stCondLst>
+                            <p:childTnLst>
+                              <p:par>
+                                <p:cTn id="22" presetID="10" presetClass="entr" presetSubtype="0" fill="hold" grpId="0" nodeType="clickEffect">
+                                  <p:stCondLst>
+                                    <p:cond delay="0"/>
+                                  </p:stCondLst>
+                                  <p:childTnLst>
+                                    <p:set>
+                                      <p:cBhvr>
+                                        <p:cTn id="23" dur="1" fill="hold">
+                                          <p:stCondLst>
+                                            <p:cond delay="0"/>
+                                          </p:stCondLst>
+                                        </p:cTn>
+                                        <p:tgtEl>
+                                          <p:spTgt spid="3">
+                                            <p:txEl>
+                                              <p:pRg st="2" end="2"/>
+                                            </p:txEl>
+                                          </p:spTgt>
+                                        </p:tgtEl>
+                                        <p:attrNameLst>
+                                          <p:attrName>style.visibility</p:attrName>
+                                        </p:attrNameLst>
+                                      </p:cBhvr>
+                                      <p:to>
+                                        <p:strVal val="visible"/>
+                                      </p:to>
+                                    </p:set>
+                                    <p:animEffect transition="in" filter="fade">
+                                      <p:cBhvr>
+                                        <p:cTn id="24" dur="500"/>
+                                        <p:tgtEl>
+                                          <p:spTgt spid="3">
+                                            <p:txEl>
+                                              <p:pRg st="2" end="2"/>
+                                            </p:txEl>
+                                          </p:spTgt>
+                                        </p:tgtEl>
+                                      </p:cBhvr>
+                                    </p:animEffect>
+                                  </p:childTnLst>
+                                </p:cTn>
+                              </p:par>
+                            </p:childTnLst>
+                          </p:cTn>
+                        </p:par>
+                      </p:childTnLst>
+                    </p:cTn>
+                  </p:par>
+                </p:childTnLst>
+              </p:cTn>
+              <p:prevCondLst>
+                <p:cond evt="onPrev" delay="0">
+                  <p:tgtEl>
+                    <p:sldTgt/>
+                  </p:tgtEl>
+                </p:cond>
+              </p:prevCondLst>
+              <p:nextCondLst>
+                <p:cond evt="onNext" delay="0">
+                  <p:tgtEl>
+                    <p:sldTgt/>
+                  </p:tgtEl>
+                </p:cond>
+              </p:nextCondLst>
+            </p:seq>
+          </p:childTnLst>
+        </p:cTn>
+      </p:par>
+    </p:tnLst>
+    <p:bldLst>
+      <p:bldP spid="2" grpId="0"/>
+      <p:bldP spid="3" grpId="0" build="p"/>
+    </p:bldLst>
+  </p:timing>
+</p:sld>
+</file>
+
+<file path=ppt/slides/slide9.xml><?xml version="1.0" encoding="utf-8"?>
+<p:sld xmlns:a="http://schemas.openxmlformats.org/drawingml/2006/main" xmlns:r="http://schemas.openxmlformats.org/officeDocument/2006/relationships" xmlns:p="http://schemas.openxmlformats.org/presentationml/2006/main">
+  <p:cSld>
+    <p:spTree>
+      <p:nvGrpSpPr>
+        <p:cNvPr id="1" name=""/>
+        <p:cNvGrpSpPr/>
+        <p:nvPr/>
+      </p:nvGrpSpPr>
+      <p:grpSpPr>
+        <a:xfrm>
+          <a:off x="0" y="0"/>
+          <a:ext cx="0" cy="0"/>
+          <a:chOff x="0" y="0"/>
+          <a:chExt cx="0" cy="0"/>
+        </a:xfrm>
+      </p:grpSpPr>
+      <p:pic>
+        <p:nvPicPr>
+          <p:cNvPr id="3" name="Picture 2">
+            <a:extLst>
+              <a:ext uri="{FF2B5EF4-FFF2-40B4-BE49-F238E27FC236}">
+                <a16:creationId xmlns:a16="http://schemas.microsoft.com/office/drawing/2014/main" id="{9E60EE4B-6C4E-43A6-859B-E994AB48F306}"/>
+              </a:ext>
+            </a:extLst>
+          </p:cNvPr>
+          <p:cNvPicPr>
+            <a:picLocks noChangeAspect="1"/>
+          </p:cNvPicPr>
+          <p:nvPr/>
+        </p:nvPicPr>
+        <p:blipFill>
+          <a:blip r:embed="rId2">
+            <a:extLst>
+              <a:ext uri="{28A0092B-C50C-407E-A947-70E740481C1C}">
+                <a14:useLocalDpi xmlns:a14="http://schemas.microsoft.com/office/drawing/2010/main" val="0"/>
+              </a:ext>
+            </a:extLst>
+          </a:blip>
+          <a:stretch>
+            <a:fillRect/>
+          </a:stretch>
+        </p:blipFill>
+        <p:spPr>
+          <a:xfrm>
+            <a:off x="8972" y="0"/>
+            <a:ext cx="12174055" cy="6858000"/>
+          </a:xfrm>
+          <a:prstGeom prst="rect">
+            <a:avLst/>
+          </a:prstGeom>
+        </p:spPr>
+      </p:pic>
+      <p:sp>
+        <p:nvSpPr>
+          <p:cNvPr id="4" name="TextBox 3">
+            <a:extLst>
+              <a:ext uri="{FF2B5EF4-FFF2-40B4-BE49-F238E27FC236}">
+                <a16:creationId xmlns:a16="http://schemas.microsoft.com/office/drawing/2014/main" id="{6741DF46-8DDA-4BF0-90CC-BFDC70B9FDC3}"/>
+              </a:ext>
+            </a:extLst>
+          </p:cNvPr>
+          <p:cNvSpPr txBox="1"/>
+          <p:nvPr/>
+        </p:nvSpPr>
+        <p:spPr>
+          <a:xfrm>
+            <a:off x="2759825" y="2644170"/>
+            <a:ext cx="8462356" cy="1569660"/>
+          </a:xfrm>
+          <a:prstGeom prst="rect">
+            <a:avLst/>
+          </a:prstGeom>
+          <a:noFill/>
+        </p:spPr>
+        <p:txBody>
+          <a:bodyPr wrap="square" rtlCol="0">
+            <a:spAutoFit/>
+          </a:bodyPr>
+          <a:lstStyle/>
+          <a:p>
+            <a:r>
+              <a:rPr lang="en-US" sz="9600" dirty="0">
+                <a:latin typeface="Pacifico" panose="00000500000000000000" pitchFamily="2" charset="0"/>
+              </a:rPr>
+              <a:t>Thank You</a:t>
+            </a:r>
+            <a:endParaRPr lang="en-IN" sz="9600" dirty="0">
+              <a:latin typeface="Pacifico" panose="00000500000000000000" pitchFamily="2" charset="0"/>
+            </a:endParaRPr>
+          </a:p>
+        </p:txBody>
+      </p:sp>
+    </p:spTree>
+    <p:extLst>
+      <p:ext uri="{BB962C8B-B14F-4D97-AF65-F5344CB8AC3E}">
+        <p14:creationId xmlns:p14="http://schemas.microsoft.com/office/powerpoint/2010/main" val="3912390986"/>
+      </p:ext>
+    </p:extLst>
+  </p:cSld>
+  <p:clrMapOvr>
+    <a:masterClrMapping/>
+  </p:clrMapOvr>
+  <p:timing>
+    <p:tnLst>
+      <p:par>
+        <p:cTn id="1" dur="indefinite" restart="never" nodeType="tmRoot">
+          <p:childTnLst>
+            <p:seq concurrent="1" nextAc="seek">
+              <p:cTn id="2" dur="indefinite" nodeType="mainSeq">
+                <p:childTnLst>
+                  <p:par>
+                    <p:cTn id="3" fill="hold">
+                      <p:stCondLst>
+                        <p:cond delay="indefinite"/>
+                      </p:stCondLst>
+                      <p:childTnLst>
+                        <p:par>
+                          <p:cTn id="4" fill="hold">
+                            <p:stCondLst>
+                              <p:cond delay="0"/>
+                            </p:stCondLst>
+                            <p:childTnLst>
+                              <p:par>
+                                <p:cTn id="5" presetID="18" presetClass="emph" presetSubtype="0" fill="hold" grpId="0" nodeType="clickEffect">
+                                  <p:stCondLst>
+                                    <p:cond delay="0"/>
+                                  </p:stCondLst>
+                                  <p:iterate type="lt">
+                                    <p:tmPct val="4000"/>
+                                  </p:iterate>
+                                  <p:childTnLst>
+                                    <p:set>
+                                      <p:cBhvr override="childStyle">
+                                        <p:cTn id="6" dur="500" fill="hold"/>
+                                        <p:tgtEl>
+                                          <p:spTgt spid="4"/>
+                                        </p:tgtEl>
+                                        <p:attrNameLst>
+                                          <p:attrName>style.textDecorationUnderline</p:attrName>
+                                        </p:attrNameLst>
+                                      </p:cBhvr>
+                                      <p:to>
+                                        <p:strVal val="true"/>
+                                      </p:to>
+                                    </p:set>
+                                  </p:childTnLst>
+                                </p:cTn>
+                              </p:par>
+                            </p:childTnLst>
+                          </p:cTn>
+                        </p:par>
+                      </p:childTnLst>
+                    </p:cTn>
+                  </p:par>
+                </p:childTnLst>
+              </p:cTn>
+              <p:prevCondLst>
+                <p:cond evt="onPrev" delay="0">
+                  <p:tgtEl>
+                    <p:sldTgt/>
+                  </p:tgtEl>
+                </p:cond>
+              </p:prevCondLst>
+              <p:nextCondLst>
+                <p:cond evt="onNext" delay="0">
+                  <p:tgtEl>
+                    <p:sldTgt/>
+                  </p:tgtEl>
+                </p:cond>
+              </p:nextCondLst>
+            </p:seq>
+          </p:childTnLst>
+        </p:cTn>
+      </p:par>
+    </p:tnLst>
+    <p:bldLst>
+      <p:bldP spid="4" grpId="0"/>
+    </p:bldLst>
+  </p:timing>
 </p:sld>
 </file>
 

--- a/ISQIP-Presentation/ISQIP_presentation.pptx
+++ b/ISQIP-Presentation/ISQIP_presentation.pptx
@@ -11,9 +11,8 @@
     <p:sldId id="262" r:id="rId5"/>
     <p:sldId id="263" r:id="rId6"/>
     <p:sldId id="271" r:id="rId7"/>
-    <p:sldId id="260" r:id="rId8"/>
-    <p:sldId id="261" r:id="rId9"/>
-    <p:sldId id="270" r:id="rId10"/>
+    <p:sldId id="261" r:id="rId8"/>
+    <p:sldId id="270" r:id="rId9"/>
   </p:sldIdLst>
   <p:sldSz cx="12192000" cy="6858000"/>
   <p:notesSz cx="6858000" cy="9144000"/>
@@ -6427,2815 +6426,6 @@
           </a:prstGeom>
         </p:spPr>
       </p:pic>
-      <p:grpSp>
-        <p:nvGrpSpPr>
-          <p:cNvPr id="3" name="Group 2">
-            <a:extLst>
-              <a:ext uri="{FF2B5EF4-FFF2-40B4-BE49-F238E27FC236}">
-                <a16:creationId xmlns:a16="http://schemas.microsoft.com/office/drawing/2014/main" id="{FDEE576C-74EE-4E9C-AFCB-FF0634783AC3}"/>
-              </a:ext>
-            </a:extLst>
-          </p:cNvPr>
-          <p:cNvGrpSpPr/>
-          <p:nvPr/>
-        </p:nvGrpSpPr>
-        <p:grpSpPr>
-          <a:xfrm>
-            <a:off x="926490" y="2131565"/>
-            <a:ext cx="2017224" cy="2017224"/>
-            <a:chOff x="1466851" y="1754971"/>
-            <a:chExt cx="2362200" cy="2362200"/>
-          </a:xfrm>
-        </p:grpSpPr>
-        <p:sp>
-          <p:nvSpPr>
-            <p:cNvPr id="4" name="Oval 3">
-              <a:extLst>
-                <a:ext uri="{FF2B5EF4-FFF2-40B4-BE49-F238E27FC236}">
-                  <a16:creationId xmlns:a16="http://schemas.microsoft.com/office/drawing/2014/main" id="{138773A2-30D9-4EDF-86F9-36C5EAAF0555}"/>
-                </a:ext>
-              </a:extLst>
-            </p:cNvPr>
-            <p:cNvSpPr/>
-            <p:nvPr/>
-          </p:nvSpPr>
-          <p:spPr>
-            <a:xfrm>
-              <a:off x="1466851" y="1754971"/>
-              <a:ext cx="2362200" cy="2362200"/>
-            </a:xfrm>
-            <a:prstGeom prst="ellipse">
-              <a:avLst/>
-            </a:prstGeom>
-            <a:solidFill>
-              <a:srgbClr val="FF5969"/>
-            </a:solidFill>
-            <a:ln>
-              <a:noFill/>
-            </a:ln>
-          </p:spPr>
-          <p:style>
-            <a:lnRef idx="2">
-              <a:schemeClr val="accent1">
-                <a:shade val="50000"/>
-              </a:schemeClr>
-            </a:lnRef>
-            <a:fillRef idx="1">
-              <a:schemeClr val="accent1"/>
-            </a:fillRef>
-            <a:effectRef idx="0">
-              <a:schemeClr val="accent1"/>
-            </a:effectRef>
-            <a:fontRef idx="minor">
-              <a:schemeClr val="lt1"/>
-            </a:fontRef>
-          </p:style>
-          <p:txBody>
-            <a:bodyPr rtlCol="0" anchor="ctr"/>
-            <a:lstStyle/>
-            <a:p>
-              <a:pPr algn="ctr"/>
-              <a:endParaRPr lang="en-US"/>
-            </a:p>
-          </p:txBody>
-        </p:sp>
-        <p:pic>
-          <p:nvPicPr>
-            <p:cNvPr id="6" name="Picture 5">
-              <a:extLst>
-                <a:ext uri="{FF2B5EF4-FFF2-40B4-BE49-F238E27FC236}">
-                  <a16:creationId xmlns:a16="http://schemas.microsoft.com/office/drawing/2014/main" id="{C3D6C5D9-1A3F-41CB-99C7-897712190CC1}"/>
-                </a:ext>
-              </a:extLst>
-            </p:cNvPr>
-            <p:cNvPicPr>
-              <a:picLocks noChangeAspect="1"/>
-            </p:cNvPicPr>
-            <p:nvPr/>
-          </p:nvPicPr>
-          <p:blipFill rotWithShape="1">
-            <a:blip r:embed="rId3">
-              <a:extLst>
-                <a:ext uri="{28A0092B-C50C-407E-A947-70E740481C1C}">
-                  <a14:useLocalDpi xmlns:a14="http://schemas.microsoft.com/office/drawing/2010/main" val="0"/>
-                </a:ext>
-              </a:extLst>
-            </a:blip>
-            <a:srcRect t="-1441" b="1441"/>
-            <a:stretch/>
-          </p:blipFill>
-          <p:spPr>
-            <a:xfrm>
-              <a:off x="1619252" y="1907373"/>
-              <a:ext cx="2057396" cy="2057396"/>
-            </a:xfrm>
-            <a:prstGeom prst="ellipse">
-              <a:avLst/>
-            </a:prstGeom>
-          </p:spPr>
-        </p:pic>
-      </p:grpSp>
-      <p:grpSp>
-        <p:nvGrpSpPr>
-          <p:cNvPr id="7" name="Group 6">
-            <a:extLst>
-              <a:ext uri="{FF2B5EF4-FFF2-40B4-BE49-F238E27FC236}">
-                <a16:creationId xmlns:a16="http://schemas.microsoft.com/office/drawing/2014/main" id="{65DA054C-30F4-45B4-B31F-B12540A543FE}"/>
-              </a:ext>
-            </a:extLst>
-          </p:cNvPr>
-          <p:cNvGrpSpPr/>
-          <p:nvPr/>
-        </p:nvGrpSpPr>
-        <p:grpSpPr>
-          <a:xfrm>
-            <a:off x="3624151" y="2102502"/>
-            <a:ext cx="2075350" cy="2075350"/>
-            <a:chOff x="4388156" y="1754971"/>
-            <a:chExt cx="2362200" cy="2362200"/>
-          </a:xfrm>
-          <a:solidFill>
-            <a:srgbClr val="03A1A4"/>
-          </a:solidFill>
-        </p:grpSpPr>
-        <p:sp>
-          <p:nvSpPr>
-            <p:cNvPr id="8" name="Oval 7">
-              <a:extLst>
-                <a:ext uri="{FF2B5EF4-FFF2-40B4-BE49-F238E27FC236}">
-                  <a16:creationId xmlns:a16="http://schemas.microsoft.com/office/drawing/2014/main" id="{B596DB72-B0D2-4DC6-9AEC-25E2A038886D}"/>
-                </a:ext>
-              </a:extLst>
-            </p:cNvPr>
-            <p:cNvSpPr/>
-            <p:nvPr/>
-          </p:nvSpPr>
-          <p:spPr>
-            <a:xfrm>
-              <a:off x="4388156" y="1754971"/>
-              <a:ext cx="2362200" cy="2362200"/>
-            </a:xfrm>
-            <a:prstGeom prst="ellipse">
-              <a:avLst/>
-            </a:prstGeom>
-            <a:solidFill>
-              <a:srgbClr val="00A0A8"/>
-            </a:solidFill>
-            <a:ln>
-              <a:noFill/>
-            </a:ln>
-          </p:spPr>
-          <p:style>
-            <a:lnRef idx="2">
-              <a:schemeClr val="accent1">
-                <a:shade val="50000"/>
-              </a:schemeClr>
-            </a:lnRef>
-            <a:fillRef idx="1">
-              <a:schemeClr val="accent1"/>
-            </a:fillRef>
-            <a:effectRef idx="0">
-              <a:schemeClr val="accent1"/>
-            </a:effectRef>
-            <a:fontRef idx="minor">
-              <a:schemeClr val="lt1"/>
-            </a:fontRef>
-          </p:style>
-          <p:txBody>
-            <a:bodyPr rtlCol="0" anchor="ctr"/>
-            <a:lstStyle/>
-            <a:p>
-              <a:pPr algn="ctr"/>
-              <a:endParaRPr lang="en-US"/>
-            </a:p>
-          </p:txBody>
-        </p:sp>
-        <p:pic>
-          <p:nvPicPr>
-            <p:cNvPr id="9" name="Picture 8">
-              <a:extLst>
-                <a:ext uri="{FF2B5EF4-FFF2-40B4-BE49-F238E27FC236}">
-                  <a16:creationId xmlns:a16="http://schemas.microsoft.com/office/drawing/2014/main" id="{6DAB5F44-A983-44C8-B472-3E8BBF8D17D7}"/>
-                </a:ext>
-              </a:extLst>
-            </p:cNvPr>
-            <p:cNvPicPr>
-              <a:picLocks noChangeAspect="1"/>
-            </p:cNvPicPr>
-            <p:nvPr/>
-          </p:nvPicPr>
-          <p:blipFill>
-            <a:blip r:embed="rId4">
-              <a:extLst>
-                <a:ext uri="{28A0092B-C50C-407E-A947-70E740481C1C}">
-                  <a14:useLocalDpi xmlns:a14="http://schemas.microsoft.com/office/drawing/2010/main" val="0"/>
-                </a:ext>
-              </a:extLst>
-            </a:blip>
-            <a:stretch>
-              <a:fillRect/>
-            </a:stretch>
-          </p:blipFill>
-          <p:spPr>
-            <a:xfrm>
-              <a:off x="4540558" y="1907373"/>
-              <a:ext cx="2057396" cy="2057396"/>
-            </a:xfrm>
-            <a:prstGeom prst="ellipse">
-              <a:avLst/>
-            </a:prstGeom>
-            <a:grpFill/>
-          </p:spPr>
-        </p:pic>
-      </p:grpSp>
-      <p:grpSp>
-        <p:nvGrpSpPr>
-          <p:cNvPr id="10" name="Group 9">
-            <a:extLst>
-              <a:ext uri="{FF2B5EF4-FFF2-40B4-BE49-F238E27FC236}">
-                <a16:creationId xmlns:a16="http://schemas.microsoft.com/office/drawing/2014/main" id="{6112E5EE-5F2C-4A52-929C-744512D6E38E}"/>
-              </a:ext>
-            </a:extLst>
-          </p:cNvPr>
-          <p:cNvGrpSpPr/>
-          <p:nvPr/>
-        </p:nvGrpSpPr>
-        <p:grpSpPr>
-          <a:xfrm>
-            <a:off x="6393584" y="2097351"/>
-            <a:ext cx="2085652" cy="2085652"/>
-            <a:chOff x="7245656" y="1754971"/>
-            <a:chExt cx="2362200" cy="2362200"/>
-          </a:xfrm>
-          <a:solidFill>
-            <a:srgbClr val="30469B"/>
-          </a:solidFill>
-        </p:grpSpPr>
-        <p:sp>
-          <p:nvSpPr>
-            <p:cNvPr id="11" name="Oval 10">
-              <a:extLst>
-                <a:ext uri="{FF2B5EF4-FFF2-40B4-BE49-F238E27FC236}">
-                  <a16:creationId xmlns:a16="http://schemas.microsoft.com/office/drawing/2014/main" id="{671F9A09-5C81-488D-92A1-CF1056F7B6D4}"/>
-                </a:ext>
-              </a:extLst>
-            </p:cNvPr>
-            <p:cNvSpPr/>
-            <p:nvPr/>
-          </p:nvSpPr>
-          <p:spPr>
-            <a:xfrm>
-              <a:off x="7245656" y="1754971"/>
-              <a:ext cx="2362200" cy="2362200"/>
-            </a:xfrm>
-            <a:prstGeom prst="ellipse">
-              <a:avLst/>
-            </a:prstGeom>
-            <a:grpFill/>
-            <a:ln>
-              <a:noFill/>
-            </a:ln>
-          </p:spPr>
-          <p:style>
-            <a:lnRef idx="2">
-              <a:schemeClr val="accent1">
-                <a:shade val="50000"/>
-              </a:schemeClr>
-            </a:lnRef>
-            <a:fillRef idx="1">
-              <a:schemeClr val="accent1"/>
-            </a:fillRef>
-            <a:effectRef idx="0">
-              <a:schemeClr val="accent1"/>
-            </a:effectRef>
-            <a:fontRef idx="minor">
-              <a:schemeClr val="lt1"/>
-            </a:fontRef>
-          </p:style>
-          <p:txBody>
-            <a:bodyPr rtlCol="0" anchor="ctr"/>
-            <a:lstStyle/>
-            <a:p>
-              <a:pPr algn="ctr"/>
-              <a:endParaRPr lang="en-US"/>
-            </a:p>
-          </p:txBody>
-        </p:sp>
-        <p:pic>
-          <p:nvPicPr>
-            <p:cNvPr id="12" name="Picture 11">
-              <a:extLst>
-                <a:ext uri="{FF2B5EF4-FFF2-40B4-BE49-F238E27FC236}">
-                  <a16:creationId xmlns:a16="http://schemas.microsoft.com/office/drawing/2014/main" id="{4DD60FAD-304E-41D2-859C-D11A699C8E8B}"/>
-                </a:ext>
-              </a:extLst>
-            </p:cNvPr>
-            <p:cNvPicPr>
-              <a:picLocks noChangeAspect="1"/>
-            </p:cNvPicPr>
-            <p:nvPr/>
-          </p:nvPicPr>
-          <p:blipFill>
-            <a:blip r:embed="rId5">
-              <a:extLst>
-                <a:ext uri="{28A0092B-C50C-407E-A947-70E740481C1C}">
-                  <a14:useLocalDpi xmlns:a14="http://schemas.microsoft.com/office/drawing/2010/main" val="0"/>
-                </a:ext>
-              </a:extLst>
-            </a:blip>
-            <a:stretch>
-              <a:fillRect/>
-            </a:stretch>
-          </p:blipFill>
-          <p:spPr>
-            <a:xfrm>
-              <a:off x="7395187" y="1904502"/>
-              <a:ext cx="2063138" cy="2063138"/>
-            </a:xfrm>
-            <a:prstGeom prst="ellipse">
-              <a:avLst/>
-            </a:prstGeom>
-            <a:grpFill/>
-          </p:spPr>
-        </p:pic>
-      </p:grpSp>
-      <p:grpSp>
-        <p:nvGrpSpPr>
-          <p:cNvPr id="13" name="Group 12">
-            <a:extLst>
-              <a:ext uri="{FF2B5EF4-FFF2-40B4-BE49-F238E27FC236}">
-                <a16:creationId xmlns:a16="http://schemas.microsoft.com/office/drawing/2014/main" id="{D96D09DF-2D1C-4644-A13C-70DFAD27BC84}"/>
-              </a:ext>
-            </a:extLst>
-          </p:cNvPr>
-          <p:cNvGrpSpPr/>
-          <p:nvPr/>
-        </p:nvGrpSpPr>
-        <p:grpSpPr>
-          <a:xfrm>
-            <a:off x="1007577" y="2097351"/>
-            <a:ext cx="662608" cy="523220"/>
-            <a:chOff x="668600" y="2123782"/>
-            <a:chExt cx="662608" cy="523220"/>
-          </a:xfrm>
-        </p:grpSpPr>
-        <p:sp>
-          <p:nvSpPr>
-            <p:cNvPr id="14" name="Oval 13">
-              <a:extLst>
-                <a:ext uri="{FF2B5EF4-FFF2-40B4-BE49-F238E27FC236}">
-                  <a16:creationId xmlns:a16="http://schemas.microsoft.com/office/drawing/2014/main" id="{ACD51578-8E2D-4B0C-99EA-B4AFD3E8DDDE}"/>
-                </a:ext>
-              </a:extLst>
-            </p:cNvPr>
-            <p:cNvSpPr/>
-            <p:nvPr/>
-          </p:nvSpPr>
-          <p:spPr>
-            <a:xfrm>
-              <a:off x="732304" y="2123782"/>
-              <a:ext cx="523220" cy="523220"/>
-            </a:xfrm>
-            <a:prstGeom prst="ellipse">
-              <a:avLst/>
-            </a:prstGeom>
-            <a:solidFill>
-              <a:srgbClr val="FF5969"/>
-            </a:solidFill>
-            <a:ln>
-              <a:noFill/>
-            </a:ln>
-          </p:spPr>
-          <p:style>
-            <a:lnRef idx="2">
-              <a:schemeClr val="accent1">
-                <a:shade val="50000"/>
-              </a:schemeClr>
-            </a:lnRef>
-            <a:fillRef idx="1">
-              <a:schemeClr val="accent1"/>
-            </a:fillRef>
-            <a:effectRef idx="0">
-              <a:schemeClr val="accent1"/>
-            </a:effectRef>
-            <a:fontRef idx="minor">
-              <a:schemeClr val="lt1"/>
-            </a:fontRef>
-          </p:style>
-          <p:txBody>
-            <a:bodyPr rtlCol="0" anchor="ctr"/>
-            <a:lstStyle/>
-            <a:p>
-              <a:pPr algn="ctr"/>
-              <a:endParaRPr lang="en-US" dirty="0"/>
-            </a:p>
-          </p:txBody>
-        </p:sp>
-        <p:sp>
-          <p:nvSpPr>
-            <p:cNvPr id="15" name="TextBox 14">
-              <a:extLst>
-                <a:ext uri="{FF2B5EF4-FFF2-40B4-BE49-F238E27FC236}">
-                  <a16:creationId xmlns:a16="http://schemas.microsoft.com/office/drawing/2014/main" id="{E37EBC1B-910E-4C74-B28C-4DB94230DAEB}"/>
-                </a:ext>
-              </a:extLst>
-            </p:cNvPr>
-            <p:cNvSpPr txBox="1"/>
-            <p:nvPr/>
-          </p:nvSpPr>
-          <p:spPr>
-            <a:xfrm>
-              <a:off x="668600" y="2154559"/>
-              <a:ext cx="662608" cy="461665"/>
-            </a:xfrm>
-            <a:prstGeom prst="rect">
-              <a:avLst/>
-            </a:prstGeom>
-            <a:noFill/>
-          </p:spPr>
-          <p:txBody>
-            <a:bodyPr wrap="square" rtlCol="0">
-              <a:spAutoFit/>
-            </a:bodyPr>
-            <a:lstStyle/>
-            <a:p>
-              <a:pPr algn="ctr"/>
-              <a:r>
-                <a:rPr lang="en-US" sz="2400" b="1" dirty="0">
-                  <a:solidFill>
-                    <a:srgbClr val="E6E7E9"/>
-                  </a:solidFill>
-                  <a:latin typeface="Tw Cen MT" panose="020B0602020104020603" pitchFamily="34" charset="0"/>
-                </a:rPr>
-                <a:t>01</a:t>
-              </a:r>
-            </a:p>
-          </p:txBody>
-        </p:sp>
-      </p:grpSp>
-      <p:grpSp>
-        <p:nvGrpSpPr>
-          <p:cNvPr id="16" name="Group 15">
-            <a:extLst>
-              <a:ext uri="{FF2B5EF4-FFF2-40B4-BE49-F238E27FC236}">
-                <a16:creationId xmlns:a16="http://schemas.microsoft.com/office/drawing/2014/main" id="{AA04F77F-93F2-44C4-9BF7-9C03CE95A2AD}"/>
-              </a:ext>
-            </a:extLst>
-          </p:cNvPr>
-          <p:cNvGrpSpPr/>
-          <p:nvPr/>
-        </p:nvGrpSpPr>
-        <p:grpSpPr>
-          <a:xfrm>
-            <a:off x="3695382" y="2097351"/>
-            <a:ext cx="662608" cy="523220"/>
-            <a:chOff x="662610" y="2123782"/>
-            <a:chExt cx="662608" cy="523220"/>
-          </a:xfrm>
-        </p:grpSpPr>
-        <p:sp>
-          <p:nvSpPr>
-            <p:cNvPr id="17" name="Oval 16">
-              <a:extLst>
-                <a:ext uri="{FF2B5EF4-FFF2-40B4-BE49-F238E27FC236}">
-                  <a16:creationId xmlns:a16="http://schemas.microsoft.com/office/drawing/2014/main" id="{1C13843E-CB15-4D2A-ABF0-49CADBBBD6C0}"/>
-                </a:ext>
-              </a:extLst>
-            </p:cNvPr>
-            <p:cNvSpPr/>
-            <p:nvPr/>
-          </p:nvSpPr>
-          <p:spPr>
-            <a:xfrm>
-              <a:off x="732304" y="2123782"/>
-              <a:ext cx="523220" cy="523220"/>
-            </a:xfrm>
-            <a:prstGeom prst="ellipse">
-              <a:avLst/>
-            </a:prstGeom>
-            <a:solidFill>
-              <a:srgbClr val="03A1A4"/>
-            </a:solidFill>
-            <a:ln>
-              <a:noFill/>
-            </a:ln>
-          </p:spPr>
-          <p:style>
-            <a:lnRef idx="2">
-              <a:schemeClr val="accent1">
-                <a:shade val="50000"/>
-              </a:schemeClr>
-            </a:lnRef>
-            <a:fillRef idx="1">
-              <a:schemeClr val="accent1"/>
-            </a:fillRef>
-            <a:effectRef idx="0">
-              <a:schemeClr val="accent1"/>
-            </a:effectRef>
-            <a:fontRef idx="minor">
-              <a:schemeClr val="lt1"/>
-            </a:fontRef>
-          </p:style>
-          <p:txBody>
-            <a:bodyPr rtlCol="0" anchor="ctr"/>
-            <a:lstStyle/>
-            <a:p>
-              <a:pPr algn="ctr"/>
-              <a:endParaRPr lang="en-US"/>
-            </a:p>
-          </p:txBody>
-        </p:sp>
-        <p:sp>
-          <p:nvSpPr>
-            <p:cNvPr id="18" name="TextBox 17">
-              <a:extLst>
-                <a:ext uri="{FF2B5EF4-FFF2-40B4-BE49-F238E27FC236}">
-                  <a16:creationId xmlns:a16="http://schemas.microsoft.com/office/drawing/2014/main" id="{8172A5E6-10D2-4587-B3CF-5A38762C4077}"/>
-                </a:ext>
-              </a:extLst>
-            </p:cNvPr>
-            <p:cNvSpPr txBox="1"/>
-            <p:nvPr/>
-          </p:nvSpPr>
-          <p:spPr>
-            <a:xfrm>
-              <a:off x="662610" y="2154559"/>
-              <a:ext cx="662608" cy="461665"/>
-            </a:xfrm>
-            <a:prstGeom prst="rect">
-              <a:avLst/>
-            </a:prstGeom>
-            <a:noFill/>
-          </p:spPr>
-          <p:txBody>
-            <a:bodyPr wrap="square" rtlCol="0">
-              <a:spAutoFit/>
-            </a:bodyPr>
-            <a:lstStyle/>
-            <a:p>
-              <a:pPr algn="ctr"/>
-              <a:r>
-                <a:rPr lang="en-US" sz="2400" b="1" dirty="0">
-                  <a:solidFill>
-                    <a:srgbClr val="E6E7E9"/>
-                  </a:solidFill>
-                  <a:latin typeface="Tw Cen MT" panose="020B0602020104020603" pitchFamily="34" charset="0"/>
-                </a:rPr>
-                <a:t>02</a:t>
-              </a:r>
-            </a:p>
-          </p:txBody>
-        </p:sp>
-      </p:grpSp>
-      <p:grpSp>
-        <p:nvGrpSpPr>
-          <p:cNvPr id="2" name="Group 1">
-            <a:extLst>
-              <a:ext uri="{FF2B5EF4-FFF2-40B4-BE49-F238E27FC236}">
-                <a16:creationId xmlns:a16="http://schemas.microsoft.com/office/drawing/2014/main" id="{8B3C4D20-CDD9-4DBC-BAF3-CE9474D4CC6B}"/>
-              </a:ext>
-            </a:extLst>
-          </p:cNvPr>
-          <p:cNvGrpSpPr/>
-          <p:nvPr/>
-        </p:nvGrpSpPr>
-        <p:grpSpPr>
-          <a:xfrm>
-            <a:off x="6449712" y="2104925"/>
-            <a:ext cx="662608" cy="508072"/>
-            <a:chOff x="6530992" y="1596925"/>
-            <a:chExt cx="662608" cy="508072"/>
-          </a:xfrm>
-        </p:grpSpPr>
-        <p:sp>
-          <p:nvSpPr>
-            <p:cNvPr id="20" name="Oval 19">
-              <a:extLst>
-                <a:ext uri="{FF2B5EF4-FFF2-40B4-BE49-F238E27FC236}">
-                  <a16:creationId xmlns:a16="http://schemas.microsoft.com/office/drawing/2014/main" id="{6BFF3336-5603-44D9-B372-B65DC900E92E}"/>
-                </a:ext>
-              </a:extLst>
-            </p:cNvPr>
-            <p:cNvSpPr/>
-            <p:nvPr/>
-          </p:nvSpPr>
-          <p:spPr>
-            <a:xfrm>
-              <a:off x="6608260" y="1596925"/>
-              <a:ext cx="508072" cy="508072"/>
-            </a:xfrm>
-            <a:prstGeom prst="ellipse">
-              <a:avLst/>
-            </a:prstGeom>
-            <a:solidFill>
-              <a:srgbClr val="31479D"/>
-            </a:solidFill>
-            <a:ln>
-              <a:noFill/>
-            </a:ln>
-          </p:spPr>
-          <p:style>
-            <a:lnRef idx="2">
-              <a:schemeClr val="accent1">
-                <a:shade val="50000"/>
-              </a:schemeClr>
-            </a:lnRef>
-            <a:fillRef idx="1">
-              <a:schemeClr val="accent1"/>
-            </a:fillRef>
-            <a:effectRef idx="0">
-              <a:schemeClr val="accent1"/>
-            </a:effectRef>
-            <a:fontRef idx="minor">
-              <a:schemeClr val="lt1"/>
-            </a:fontRef>
-          </p:style>
-          <p:txBody>
-            <a:bodyPr rtlCol="0" anchor="ctr"/>
-            <a:lstStyle/>
-            <a:p>
-              <a:pPr algn="ctr"/>
-              <a:endParaRPr lang="en-US" dirty="0"/>
-            </a:p>
-          </p:txBody>
-        </p:sp>
-        <p:sp>
-          <p:nvSpPr>
-            <p:cNvPr id="21" name="TextBox 20">
-              <a:extLst>
-                <a:ext uri="{FF2B5EF4-FFF2-40B4-BE49-F238E27FC236}">
-                  <a16:creationId xmlns:a16="http://schemas.microsoft.com/office/drawing/2014/main" id="{061A6318-15D7-4DC8-8179-29CC3FCBC87C}"/>
-                </a:ext>
-              </a:extLst>
-            </p:cNvPr>
-            <p:cNvSpPr txBox="1"/>
-            <p:nvPr/>
-          </p:nvSpPr>
-          <p:spPr>
-            <a:xfrm>
-              <a:off x="6530992" y="1620127"/>
-              <a:ext cx="662608" cy="461665"/>
-            </a:xfrm>
-            <a:prstGeom prst="rect">
-              <a:avLst/>
-            </a:prstGeom>
-            <a:noFill/>
-          </p:spPr>
-          <p:txBody>
-            <a:bodyPr wrap="square" rtlCol="0">
-              <a:spAutoFit/>
-            </a:bodyPr>
-            <a:lstStyle/>
-            <a:p>
-              <a:pPr algn="ctr"/>
-              <a:r>
-                <a:rPr lang="en-US" sz="2400" b="1" dirty="0">
-                  <a:solidFill>
-                    <a:srgbClr val="E6E7E9"/>
-                  </a:solidFill>
-                  <a:latin typeface="Tw Cen MT" panose="020B0602020104020603" pitchFamily="34" charset="0"/>
-                </a:rPr>
-                <a:t>03</a:t>
-              </a:r>
-            </a:p>
-          </p:txBody>
-        </p:sp>
-      </p:grpSp>
-      <p:grpSp>
-        <p:nvGrpSpPr>
-          <p:cNvPr id="22" name="Group 21">
-            <a:extLst>
-              <a:ext uri="{FF2B5EF4-FFF2-40B4-BE49-F238E27FC236}">
-                <a16:creationId xmlns:a16="http://schemas.microsoft.com/office/drawing/2014/main" id="{97415E41-0F63-41B2-AB2C-3838CE211ED5}"/>
-              </a:ext>
-            </a:extLst>
-          </p:cNvPr>
-          <p:cNvGrpSpPr/>
-          <p:nvPr/>
-        </p:nvGrpSpPr>
-        <p:grpSpPr>
-          <a:xfrm>
-            <a:off x="426137" y="4620242"/>
-            <a:ext cx="3048141" cy="1452554"/>
-            <a:chOff x="264581" y="4416136"/>
-            <a:chExt cx="3048141" cy="1452554"/>
-          </a:xfrm>
-        </p:grpSpPr>
-        <p:sp>
-          <p:nvSpPr>
-            <p:cNvPr id="23" name="TextBox 22">
-              <a:extLst>
-                <a:ext uri="{FF2B5EF4-FFF2-40B4-BE49-F238E27FC236}">
-                  <a16:creationId xmlns:a16="http://schemas.microsoft.com/office/drawing/2014/main" id="{E6A2CE1D-DEDC-43F7-98E9-2DBBEDB7196F}"/>
-                </a:ext>
-              </a:extLst>
-            </p:cNvPr>
-            <p:cNvSpPr txBox="1"/>
-            <p:nvPr/>
-          </p:nvSpPr>
-          <p:spPr>
-            <a:xfrm>
-              <a:off x="466266" y="4416136"/>
-              <a:ext cx="2644771" cy="461665"/>
-            </a:xfrm>
-            <a:prstGeom prst="rect">
-              <a:avLst/>
-            </a:prstGeom>
-            <a:noFill/>
-          </p:spPr>
-          <p:txBody>
-            <a:bodyPr wrap="square" rtlCol="0">
-              <a:spAutoFit/>
-            </a:bodyPr>
-            <a:lstStyle/>
-            <a:p>
-              <a:pPr algn="ctr"/>
-              <a:r>
-                <a:rPr lang="en-US" sz="2400" dirty="0">
-                  <a:solidFill>
-                    <a:srgbClr val="FF5969"/>
-                  </a:solidFill>
-                  <a:latin typeface="Tw Cen MT" panose="020B0602020104020603" pitchFamily="34" charset="0"/>
-                </a:rPr>
-                <a:t>ARAVIND R</a:t>
-              </a:r>
-            </a:p>
-          </p:txBody>
-        </p:sp>
-        <p:sp>
-          <p:nvSpPr>
-            <p:cNvPr id="24" name="TextBox 23">
-              <a:extLst>
-                <a:ext uri="{FF2B5EF4-FFF2-40B4-BE49-F238E27FC236}">
-                  <a16:creationId xmlns:a16="http://schemas.microsoft.com/office/drawing/2014/main" id="{8B7F7354-1D3F-46FC-95CB-2169FB3126D8}"/>
-                </a:ext>
-              </a:extLst>
-            </p:cNvPr>
-            <p:cNvSpPr txBox="1"/>
-            <p:nvPr/>
-          </p:nvSpPr>
-          <p:spPr>
-            <a:xfrm>
-              <a:off x="466266" y="4853747"/>
-              <a:ext cx="2644771" cy="369332"/>
-            </a:xfrm>
-            <a:prstGeom prst="rect">
-              <a:avLst/>
-            </a:prstGeom>
-            <a:noFill/>
-          </p:spPr>
-          <p:txBody>
-            <a:bodyPr wrap="square" rtlCol="0">
-              <a:spAutoFit/>
-            </a:bodyPr>
-            <a:lstStyle/>
-            <a:p>
-              <a:pPr algn="ctr"/>
-              <a:r>
-                <a:rPr lang="en-US" dirty="0">
-                  <a:solidFill>
-                    <a:schemeClr val="bg1">
-                      <a:lumMod val="65000"/>
-                    </a:schemeClr>
-                  </a:solidFill>
-                  <a:latin typeface="Tw Cen MT" panose="020B0602020104020603" pitchFamily="34" charset="0"/>
-                </a:rPr>
-                <a:t>DESIGNER,DEVELOPER</a:t>
-              </a:r>
-            </a:p>
-          </p:txBody>
-        </p:sp>
-        <p:sp>
-          <p:nvSpPr>
-            <p:cNvPr id="25" name="TextBox 24">
-              <a:extLst>
-                <a:ext uri="{FF2B5EF4-FFF2-40B4-BE49-F238E27FC236}">
-                  <a16:creationId xmlns:a16="http://schemas.microsoft.com/office/drawing/2014/main" id="{32CF3D44-C882-4926-9A02-4F939AAC6B7A}"/>
-                </a:ext>
-              </a:extLst>
-            </p:cNvPr>
-            <p:cNvSpPr txBox="1"/>
-            <p:nvPr/>
-          </p:nvSpPr>
-          <p:spPr>
-            <a:xfrm>
-              <a:off x="264581" y="5222359"/>
-              <a:ext cx="3048141" cy="646331"/>
-            </a:xfrm>
-            <a:prstGeom prst="rect">
-              <a:avLst/>
-            </a:prstGeom>
-            <a:noFill/>
-          </p:spPr>
-          <p:txBody>
-            <a:bodyPr wrap="square" rtlCol="0">
-              <a:spAutoFit/>
-            </a:bodyPr>
-            <a:lstStyle/>
-            <a:p>
-              <a:pPr algn="ctr"/>
-              <a:r>
-                <a:rPr lang="en-US" dirty="0">
-                  <a:solidFill>
-                    <a:schemeClr val="bg1">
-                      <a:lumMod val="65000"/>
-                    </a:schemeClr>
-                  </a:solidFill>
-                  <a:latin typeface="Tw Cen MT" panose="020B0602020104020603" pitchFamily="34" charset="0"/>
-                </a:rPr>
-                <a:t>Contributed to the design and front-end of the site</a:t>
-              </a:r>
-            </a:p>
-          </p:txBody>
-        </p:sp>
-      </p:grpSp>
-      <p:grpSp>
-        <p:nvGrpSpPr>
-          <p:cNvPr id="26" name="Group 25">
-            <a:extLst>
-              <a:ext uri="{FF2B5EF4-FFF2-40B4-BE49-F238E27FC236}">
-                <a16:creationId xmlns:a16="http://schemas.microsoft.com/office/drawing/2014/main" id="{C9376B38-85A7-4A14-9C8F-C5B4DA3CA067}"/>
-              </a:ext>
-            </a:extLst>
-          </p:cNvPr>
-          <p:cNvGrpSpPr/>
-          <p:nvPr/>
-        </p:nvGrpSpPr>
-        <p:grpSpPr>
-          <a:xfrm>
-            <a:off x="3272593" y="4620242"/>
-            <a:ext cx="2917995" cy="1452554"/>
-            <a:chOff x="3273197" y="4416136"/>
-            <a:chExt cx="2917995" cy="1452554"/>
-          </a:xfrm>
-        </p:grpSpPr>
-        <p:sp>
-          <p:nvSpPr>
-            <p:cNvPr id="27" name="TextBox 26">
-              <a:extLst>
-                <a:ext uri="{FF2B5EF4-FFF2-40B4-BE49-F238E27FC236}">
-                  <a16:creationId xmlns:a16="http://schemas.microsoft.com/office/drawing/2014/main" id="{48497E43-1A89-4CF3-98DA-D95E0B1393FB}"/>
-                </a:ext>
-              </a:extLst>
-            </p:cNvPr>
-            <p:cNvSpPr txBox="1"/>
-            <p:nvPr/>
-          </p:nvSpPr>
-          <p:spPr>
-            <a:xfrm>
-              <a:off x="3344736" y="4416136"/>
-              <a:ext cx="2644771" cy="461665"/>
-            </a:xfrm>
-            <a:prstGeom prst="rect">
-              <a:avLst/>
-            </a:prstGeom>
-            <a:noFill/>
-          </p:spPr>
-          <p:txBody>
-            <a:bodyPr wrap="square" rtlCol="0">
-              <a:spAutoFit/>
-            </a:bodyPr>
-            <a:lstStyle/>
-            <a:p>
-              <a:pPr algn="ctr"/>
-              <a:r>
-                <a:rPr lang="en-US" sz="2400" dirty="0">
-                  <a:solidFill>
-                    <a:srgbClr val="03A1A4"/>
-                  </a:solidFill>
-                  <a:latin typeface="Tw Cen MT" panose="020B0602020104020603" pitchFamily="34" charset="0"/>
-                </a:rPr>
-                <a:t>AKHIL RAVINDRAN</a:t>
-              </a:r>
-            </a:p>
-          </p:txBody>
-        </p:sp>
-        <p:sp>
-          <p:nvSpPr>
-            <p:cNvPr id="28" name="TextBox 27">
-              <a:extLst>
-                <a:ext uri="{FF2B5EF4-FFF2-40B4-BE49-F238E27FC236}">
-                  <a16:creationId xmlns:a16="http://schemas.microsoft.com/office/drawing/2014/main" id="{12D855BE-2715-497D-99CB-7641EFCC2853}"/>
-                </a:ext>
-              </a:extLst>
-            </p:cNvPr>
-            <p:cNvSpPr txBox="1"/>
-            <p:nvPr/>
-          </p:nvSpPr>
-          <p:spPr>
-            <a:xfrm>
-              <a:off x="3344736" y="4853747"/>
-              <a:ext cx="2644771" cy="369332"/>
-            </a:xfrm>
-            <a:prstGeom prst="rect">
-              <a:avLst/>
-            </a:prstGeom>
-            <a:noFill/>
-          </p:spPr>
-          <p:txBody>
-            <a:bodyPr wrap="square" rtlCol="0">
-              <a:spAutoFit/>
-            </a:bodyPr>
-            <a:lstStyle/>
-            <a:p>
-              <a:pPr algn="ctr"/>
-              <a:r>
-                <a:rPr lang="en-US" dirty="0">
-                  <a:solidFill>
-                    <a:schemeClr val="bg1">
-                      <a:lumMod val="65000"/>
-                    </a:schemeClr>
-                  </a:solidFill>
-                  <a:latin typeface="Tw Cen MT" panose="020B0602020104020603" pitchFamily="34" charset="0"/>
-                </a:rPr>
-                <a:t>BACK-END DEVELOPER</a:t>
-              </a:r>
-            </a:p>
-          </p:txBody>
-        </p:sp>
-        <p:sp>
-          <p:nvSpPr>
-            <p:cNvPr id="29" name="TextBox 28">
-              <a:extLst>
-                <a:ext uri="{FF2B5EF4-FFF2-40B4-BE49-F238E27FC236}">
-                  <a16:creationId xmlns:a16="http://schemas.microsoft.com/office/drawing/2014/main" id="{86DA8CCE-0E6E-4FCF-80FC-F7FAA8F98C00}"/>
-                </a:ext>
-              </a:extLst>
-            </p:cNvPr>
-            <p:cNvSpPr txBox="1"/>
-            <p:nvPr/>
-          </p:nvSpPr>
-          <p:spPr>
-            <a:xfrm>
-              <a:off x="3273197" y="5222359"/>
-              <a:ext cx="2917995" cy="646331"/>
-            </a:xfrm>
-            <a:prstGeom prst="rect">
-              <a:avLst/>
-            </a:prstGeom>
-            <a:noFill/>
-          </p:spPr>
-          <p:txBody>
-            <a:bodyPr wrap="square" rtlCol="0">
-              <a:spAutoFit/>
-            </a:bodyPr>
-            <a:lstStyle/>
-            <a:p>
-              <a:pPr algn="ctr"/>
-              <a:r>
-                <a:rPr lang="en-US" dirty="0">
-                  <a:solidFill>
-                    <a:schemeClr val="bg1">
-                      <a:lumMod val="65000"/>
-                    </a:schemeClr>
-                  </a:solidFill>
-                  <a:latin typeface="Tw Cen MT" panose="020B0602020104020603" pitchFamily="34" charset="0"/>
-                </a:rPr>
-                <a:t>Contributed to the back-end of the site</a:t>
-              </a:r>
-            </a:p>
-          </p:txBody>
-        </p:sp>
-      </p:grpSp>
-      <p:grpSp>
-        <p:nvGrpSpPr>
-          <p:cNvPr id="30" name="Group 29">
-            <a:extLst>
-              <a:ext uri="{FF2B5EF4-FFF2-40B4-BE49-F238E27FC236}">
-                <a16:creationId xmlns:a16="http://schemas.microsoft.com/office/drawing/2014/main" id="{3E8D1996-8007-491A-BF23-9E9357890C28}"/>
-              </a:ext>
-            </a:extLst>
-          </p:cNvPr>
-          <p:cNvGrpSpPr/>
-          <p:nvPr/>
-        </p:nvGrpSpPr>
-        <p:grpSpPr>
-          <a:xfrm>
-            <a:off x="5913121" y="4620242"/>
-            <a:ext cx="3126254" cy="1452554"/>
-            <a:chOff x="6189959" y="4416136"/>
-            <a:chExt cx="3126254" cy="1452554"/>
-          </a:xfrm>
-        </p:grpSpPr>
-        <p:sp>
-          <p:nvSpPr>
-            <p:cNvPr id="31" name="TextBox 30">
-              <a:extLst>
-                <a:ext uri="{FF2B5EF4-FFF2-40B4-BE49-F238E27FC236}">
-                  <a16:creationId xmlns:a16="http://schemas.microsoft.com/office/drawing/2014/main" id="{C7B203F9-04EF-43C8-A9D3-A352F577FED1}"/>
-                </a:ext>
-              </a:extLst>
-            </p:cNvPr>
-            <p:cNvSpPr txBox="1"/>
-            <p:nvPr/>
-          </p:nvSpPr>
-          <p:spPr>
-            <a:xfrm>
-              <a:off x="6189959" y="4416136"/>
-              <a:ext cx="3126254" cy="461665"/>
-            </a:xfrm>
-            <a:prstGeom prst="rect">
-              <a:avLst/>
-            </a:prstGeom>
-            <a:noFill/>
-          </p:spPr>
-          <p:txBody>
-            <a:bodyPr wrap="square" rtlCol="0">
-              <a:spAutoFit/>
-            </a:bodyPr>
-            <a:lstStyle/>
-            <a:p>
-              <a:pPr algn="ctr"/>
-              <a:r>
-                <a:rPr lang="en-US" sz="2400" dirty="0">
-                  <a:solidFill>
-                    <a:srgbClr val="31479D"/>
-                  </a:solidFill>
-                  <a:latin typeface="Tw Cen MT" panose="020B0602020104020603" pitchFamily="34" charset="0"/>
-                </a:rPr>
-                <a:t>JESSWIN W VARGHESE</a:t>
-              </a:r>
-            </a:p>
-          </p:txBody>
-        </p:sp>
-        <p:sp>
-          <p:nvSpPr>
-            <p:cNvPr id="32" name="TextBox 31">
-              <a:extLst>
-                <a:ext uri="{FF2B5EF4-FFF2-40B4-BE49-F238E27FC236}">
-                  <a16:creationId xmlns:a16="http://schemas.microsoft.com/office/drawing/2014/main" id="{9CBB1482-9625-4848-84B7-7B93EDFE8487}"/>
-                </a:ext>
-              </a:extLst>
-            </p:cNvPr>
-            <p:cNvSpPr txBox="1"/>
-            <p:nvPr/>
-          </p:nvSpPr>
-          <p:spPr>
-            <a:xfrm>
-              <a:off x="6392877" y="4853747"/>
-              <a:ext cx="2644771" cy="369332"/>
-            </a:xfrm>
-            <a:prstGeom prst="rect">
-              <a:avLst/>
-            </a:prstGeom>
-            <a:noFill/>
-          </p:spPr>
-          <p:txBody>
-            <a:bodyPr wrap="square" rtlCol="0">
-              <a:spAutoFit/>
-            </a:bodyPr>
-            <a:lstStyle/>
-            <a:p>
-              <a:pPr algn="ctr"/>
-              <a:r>
-                <a:rPr lang="en-US" dirty="0">
-                  <a:solidFill>
-                    <a:schemeClr val="bg1">
-                      <a:lumMod val="65000"/>
-                    </a:schemeClr>
-                  </a:solidFill>
-                  <a:latin typeface="Tw Cen MT" panose="020B0602020104020603" pitchFamily="34" charset="0"/>
-                </a:rPr>
-                <a:t>DESIGNER,DEVELOPER</a:t>
-              </a:r>
-            </a:p>
-          </p:txBody>
-        </p:sp>
-        <p:sp>
-          <p:nvSpPr>
-            <p:cNvPr id="33" name="TextBox 32">
-              <a:extLst>
-                <a:ext uri="{FF2B5EF4-FFF2-40B4-BE49-F238E27FC236}">
-                  <a16:creationId xmlns:a16="http://schemas.microsoft.com/office/drawing/2014/main" id="{33CCDBB7-5075-4C75-9CB0-232DCACC290D}"/>
-                </a:ext>
-              </a:extLst>
-            </p:cNvPr>
-            <p:cNvSpPr txBox="1"/>
-            <p:nvPr/>
-          </p:nvSpPr>
-          <p:spPr>
-            <a:xfrm>
-              <a:off x="6392877" y="5222359"/>
-              <a:ext cx="2846456" cy="646331"/>
-            </a:xfrm>
-            <a:prstGeom prst="rect">
-              <a:avLst/>
-            </a:prstGeom>
-            <a:noFill/>
-          </p:spPr>
-          <p:txBody>
-            <a:bodyPr wrap="square" rtlCol="0">
-              <a:spAutoFit/>
-            </a:bodyPr>
-            <a:lstStyle/>
-            <a:p>
-              <a:pPr algn="ctr"/>
-              <a:r>
-                <a:rPr lang="en-US" dirty="0">
-                  <a:solidFill>
-                    <a:schemeClr val="bg1">
-                      <a:lumMod val="65000"/>
-                    </a:schemeClr>
-                  </a:solidFill>
-                  <a:latin typeface="Tw Cen MT" panose="020B0602020104020603" pitchFamily="34" charset="0"/>
-                </a:rPr>
-                <a:t>Contributed to the design and documentation</a:t>
-              </a:r>
-            </a:p>
-          </p:txBody>
-        </p:sp>
-      </p:grpSp>
-      <p:grpSp>
-        <p:nvGrpSpPr>
-          <p:cNvPr id="34" name="Group 33">
-            <a:extLst>
-              <a:ext uri="{FF2B5EF4-FFF2-40B4-BE49-F238E27FC236}">
-                <a16:creationId xmlns:a16="http://schemas.microsoft.com/office/drawing/2014/main" id="{FC538179-7558-4532-B497-5D3CA505203C}"/>
-              </a:ext>
-            </a:extLst>
-          </p:cNvPr>
-          <p:cNvGrpSpPr/>
-          <p:nvPr/>
-        </p:nvGrpSpPr>
-        <p:grpSpPr>
-          <a:xfrm>
-            <a:off x="9316919" y="2063137"/>
-            <a:ext cx="2085652" cy="2085652"/>
-            <a:chOff x="7245656" y="1754971"/>
-            <a:chExt cx="2362200" cy="2362200"/>
-          </a:xfrm>
-          <a:solidFill>
-            <a:srgbClr val="7030A0"/>
-          </a:solidFill>
-        </p:grpSpPr>
-        <p:sp>
-          <p:nvSpPr>
-            <p:cNvPr id="35" name="Oval 34">
-              <a:extLst>
-                <a:ext uri="{FF2B5EF4-FFF2-40B4-BE49-F238E27FC236}">
-                  <a16:creationId xmlns:a16="http://schemas.microsoft.com/office/drawing/2014/main" id="{32A663F7-8032-4748-81AD-65A865BFEE4E}"/>
-                </a:ext>
-              </a:extLst>
-            </p:cNvPr>
-            <p:cNvSpPr/>
-            <p:nvPr/>
-          </p:nvSpPr>
-          <p:spPr>
-            <a:xfrm>
-              <a:off x="7245656" y="1754971"/>
-              <a:ext cx="2362200" cy="2362200"/>
-            </a:xfrm>
-            <a:prstGeom prst="ellipse">
-              <a:avLst/>
-            </a:prstGeom>
-            <a:grpFill/>
-            <a:ln>
-              <a:noFill/>
-            </a:ln>
-          </p:spPr>
-          <p:style>
-            <a:lnRef idx="2">
-              <a:schemeClr val="accent1">
-                <a:shade val="50000"/>
-              </a:schemeClr>
-            </a:lnRef>
-            <a:fillRef idx="1">
-              <a:schemeClr val="accent1"/>
-            </a:fillRef>
-            <a:effectRef idx="0">
-              <a:schemeClr val="accent1"/>
-            </a:effectRef>
-            <a:fontRef idx="minor">
-              <a:schemeClr val="lt1"/>
-            </a:fontRef>
-          </p:style>
-          <p:txBody>
-            <a:bodyPr rtlCol="0" anchor="ctr"/>
-            <a:lstStyle/>
-            <a:p>
-              <a:pPr algn="ctr"/>
-              <a:endParaRPr lang="en-US"/>
-            </a:p>
-          </p:txBody>
-        </p:sp>
-        <p:pic>
-          <p:nvPicPr>
-            <p:cNvPr id="36" name="Picture 35">
-              <a:extLst>
-                <a:ext uri="{FF2B5EF4-FFF2-40B4-BE49-F238E27FC236}">
-                  <a16:creationId xmlns:a16="http://schemas.microsoft.com/office/drawing/2014/main" id="{D2BB8B3E-6D06-4987-B3BF-BD85908925AE}"/>
-                </a:ext>
-              </a:extLst>
-            </p:cNvPr>
-            <p:cNvPicPr>
-              <a:picLocks noChangeAspect="1"/>
-            </p:cNvPicPr>
-            <p:nvPr/>
-          </p:nvPicPr>
-          <p:blipFill>
-            <a:blip r:embed="rId6">
-              <a:extLst>
-                <a:ext uri="{28A0092B-C50C-407E-A947-70E740481C1C}">
-                  <a14:useLocalDpi xmlns:a14="http://schemas.microsoft.com/office/drawing/2010/main" val="0"/>
-                </a:ext>
-              </a:extLst>
-            </a:blip>
-            <a:stretch>
-              <a:fillRect/>
-            </a:stretch>
-          </p:blipFill>
-          <p:spPr>
-            <a:xfrm>
-              <a:off x="7395529" y="1904502"/>
-              <a:ext cx="2062454" cy="2063138"/>
-            </a:xfrm>
-            <a:prstGeom prst="ellipse">
-              <a:avLst/>
-            </a:prstGeom>
-            <a:grpFill/>
-          </p:spPr>
-        </p:pic>
-      </p:grpSp>
-      <p:grpSp>
-        <p:nvGrpSpPr>
-          <p:cNvPr id="44" name="Group 43">
-            <a:extLst>
-              <a:ext uri="{FF2B5EF4-FFF2-40B4-BE49-F238E27FC236}">
-                <a16:creationId xmlns:a16="http://schemas.microsoft.com/office/drawing/2014/main" id="{3AC26843-E7B8-4266-BAD5-D0336A7075FF}"/>
-              </a:ext>
-            </a:extLst>
-          </p:cNvPr>
-          <p:cNvGrpSpPr/>
-          <p:nvPr/>
-        </p:nvGrpSpPr>
-        <p:grpSpPr>
-          <a:xfrm>
-            <a:off x="9373047" y="2070711"/>
-            <a:ext cx="662608" cy="508072"/>
-            <a:chOff x="9454327" y="1562711"/>
-            <a:chExt cx="662608" cy="508072"/>
-          </a:xfrm>
-        </p:grpSpPr>
-        <p:sp>
-          <p:nvSpPr>
-            <p:cNvPr id="38" name="Oval 37">
-              <a:extLst>
-                <a:ext uri="{FF2B5EF4-FFF2-40B4-BE49-F238E27FC236}">
-                  <a16:creationId xmlns:a16="http://schemas.microsoft.com/office/drawing/2014/main" id="{0F4071FD-450D-4E60-A816-EC5E594485B9}"/>
-                </a:ext>
-              </a:extLst>
-            </p:cNvPr>
-            <p:cNvSpPr/>
-            <p:nvPr/>
-          </p:nvSpPr>
-          <p:spPr>
-            <a:xfrm>
-              <a:off x="9531595" y="1562711"/>
-              <a:ext cx="508072" cy="508072"/>
-            </a:xfrm>
-            <a:prstGeom prst="ellipse">
-              <a:avLst/>
-            </a:prstGeom>
-            <a:solidFill>
-              <a:srgbClr val="7030A0"/>
-            </a:solidFill>
-            <a:ln>
-              <a:noFill/>
-            </a:ln>
-          </p:spPr>
-          <p:style>
-            <a:lnRef idx="2">
-              <a:schemeClr val="accent1">
-                <a:shade val="50000"/>
-              </a:schemeClr>
-            </a:lnRef>
-            <a:fillRef idx="1">
-              <a:schemeClr val="accent1"/>
-            </a:fillRef>
-            <a:effectRef idx="0">
-              <a:schemeClr val="accent1"/>
-            </a:effectRef>
-            <a:fontRef idx="minor">
-              <a:schemeClr val="lt1"/>
-            </a:fontRef>
-          </p:style>
-          <p:txBody>
-            <a:bodyPr rtlCol="0" anchor="ctr"/>
-            <a:lstStyle/>
-            <a:p>
-              <a:pPr algn="ctr"/>
-              <a:endParaRPr lang="en-US" dirty="0"/>
-            </a:p>
-          </p:txBody>
-        </p:sp>
-        <p:sp>
-          <p:nvSpPr>
-            <p:cNvPr id="39" name="TextBox 38">
-              <a:extLst>
-                <a:ext uri="{FF2B5EF4-FFF2-40B4-BE49-F238E27FC236}">
-                  <a16:creationId xmlns:a16="http://schemas.microsoft.com/office/drawing/2014/main" id="{D45D5834-2D30-47DA-ADB9-15C0E5691748}"/>
-                </a:ext>
-              </a:extLst>
-            </p:cNvPr>
-            <p:cNvSpPr txBox="1"/>
-            <p:nvPr/>
-          </p:nvSpPr>
-          <p:spPr>
-            <a:xfrm>
-              <a:off x="9454327" y="1585913"/>
-              <a:ext cx="662608" cy="461665"/>
-            </a:xfrm>
-            <a:prstGeom prst="rect">
-              <a:avLst/>
-            </a:prstGeom>
-            <a:noFill/>
-          </p:spPr>
-          <p:txBody>
-            <a:bodyPr wrap="square" rtlCol="0">
-              <a:spAutoFit/>
-            </a:bodyPr>
-            <a:lstStyle/>
-            <a:p>
-              <a:pPr algn="ctr"/>
-              <a:r>
-                <a:rPr lang="en-US" sz="2400" b="1" dirty="0">
-                  <a:solidFill>
-                    <a:srgbClr val="E6E7E9"/>
-                  </a:solidFill>
-                  <a:latin typeface="Tw Cen MT" panose="020B0602020104020603" pitchFamily="34" charset="0"/>
-                </a:rPr>
-                <a:t>04</a:t>
-              </a:r>
-            </a:p>
-          </p:txBody>
-        </p:sp>
-      </p:grpSp>
-      <p:grpSp>
-        <p:nvGrpSpPr>
-          <p:cNvPr id="40" name="Group 39">
-            <a:extLst>
-              <a:ext uri="{FF2B5EF4-FFF2-40B4-BE49-F238E27FC236}">
-                <a16:creationId xmlns:a16="http://schemas.microsoft.com/office/drawing/2014/main" id="{D5FA134A-BFF3-4F39-944D-BC3FC34B0485}"/>
-              </a:ext>
-            </a:extLst>
-          </p:cNvPr>
-          <p:cNvGrpSpPr/>
-          <p:nvPr/>
-        </p:nvGrpSpPr>
-        <p:grpSpPr>
-          <a:xfrm>
-            <a:off x="8837689" y="4586028"/>
-            <a:ext cx="3048141" cy="1452554"/>
-            <a:chOff x="6191192" y="4416136"/>
-            <a:chExt cx="3048141" cy="1452554"/>
-          </a:xfrm>
-        </p:grpSpPr>
-        <p:sp>
-          <p:nvSpPr>
-            <p:cNvPr id="41" name="TextBox 40">
-              <a:extLst>
-                <a:ext uri="{FF2B5EF4-FFF2-40B4-BE49-F238E27FC236}">
-                  <a16:creationId xmlns:a16="http://schemas.microsoft.com/office/drawing/2014/main" id="{16153E39-A560-4057-81EE-ABD90671F64A}"/>
-                </a:ext>
-              </a:extLst>
-            </p:cNvPr>
-            <p:cNvSpPr txBox="1"/>
-            <p:nvPr/>
-          </p:nvSpPr>
-          <p:spPr>
-            <a:xfrm>
-              <a:off x="6392877" y="4416136"/>
-              <a:ext cx="2644771" cy="461665"/>
-            </a:xfrm>
-            <a:prstGeom prst="rect">
-              <a:avLst/>
-            </a:prstGeom>
-            <a:noFill/>
-          </p:spPr>
-          <p:txBody>
-            <a:bodyPr wrap="square" rtlCol="0">
-              <a:spAutoFit/>
-            </a:bodyPr>
-            <a:lstStyle/>
-            <a:p>
-              <a:pPr algn="ctr"/>
-              <a:r>
-                <a:rPr lang="en-US" sz="2400" dirty="0">
-                  <a:solidFill>
-                    <a:srgbClr val="7030A0"/>
-                  </a:solidFill>
-                  <a:latin typeface="Tw Cen MT" panose="020B0602020104020603" pitchFamily="34" charset="0"/>
-                </a:rPr>
-                <a:t>JEENU CHACKO</a:t>
-              </a:r>
-            </a:p>
-          </p:txBody>
-        </p:sp>
-        <p:sp>
-          <p:nvSpPr>
-            <p:cNvPr id="42" name="TextBox 41">
-              <a:extLst>
-                <a:ext uri="{FF2B5EF4-FFF2-40B4-BE49-F238E27FC236}">
-                  <a16:creationId xmlns:a16="http://schemas.microsoft.com/office/drawing/2014/main" id="{10361647-B865-4F53-8D43-2091E72ED53B}"/>
-                </a:ext>
-              </a:extLst>
-            </p:cNvPr>
-            <p:cNvSpPr txBox="1"/>
-            <p:nvPr/>
-          </p:nvSpPr>
-          <p:spPr>
-            <a:xfrm>
-              <a:off x="6392877" y="4853747"/>
-              <a:ext cx="2644771" cy="369332"/>
-            </a:xfrm>
-            <a:prstGeom prst="rect">
-              <a:avLst/>
-            </a:prstGeom>
-            <a:noFill/>
-          </p:spPr>
-          <p:txBody>
-            <a:bodyPr wrap="square" rtlCol="0">
-              <a:spAutoFit/>
-            </a:bodyPr>
-            <a:lstStyle/>
-            <a:p>
-              <a:pPr algn="ctr"/>
-              <a:r>
-                <a:rPr lang="en-US" dirty="0">
-                  <a:solidFill>
-                    <a:schemeClr val="bg1">
-                      <a:lumMod val="65000"/>
-                    </a:schemeClr>
-                  </a:solidFill>
-                  <a:latin typeface="Tw Cen MT" panose="020B0602020104020603" pitchFamily="34" charset="0"/>
-                </a:rPr>
-                <a:t>DEVELOPER</a:t>
-              </a:r>
-            </a:p>
-          </p:txBody>
-        </p:sp>
-        <p:sp>
-          <p:nvSpPr>
-            <p:cNvPr id="43" name="TextBox 42">
-              <a:extLst>
-                <a:ext uri="{FF2B5EF4-FFF2-40B4-BE49-F238E27FC236}">
-                  <a16:creationId xmlns:a16="http://schemas.microsoft.com/office/drawing/2014/main" id="{BFA6C436-14EB-49E0-B2B9-CE97EDE6AB68}"/>
-                </a:ext>
-              </a:extLst>
-            </p:cNvPr>
-            <p:cNvSpPr txBox="1"/>
-            <p:nvPr/>
-          </p:nvSpPr>
-          <p:spPr>
-            <a:xfrm>
-              <a:off x="6191192" y="5222359"/>
-              <a:ext cx="3048141" cy="646331"/>
-            </a:xfrm>
-            <a:prstGeom prst="rect">
-              <a:avLst/>
-            </a:prstGeom>
-            <a:noFill/>
-          </p:spPr>
-          <p:txBody>
-            <a:bodyPr wrap="square" rtlCol="0">
-              <a:spAutoFit/>
-            </a:bodyPr>
-            <a:lstStyle/>
-            <a:p>
-              <a:pPr algn="ctr"/>
-              <a:r>
-                <a:rPr lang="en-US" dirty="0">
-                  <a:solidFill>
-                    <a:schemeClr val="bg1">
-                      <a:lumMod val="65000"/>
-                    </a:schemeClr>
-                  </a:solidFill>
-                  <a:latin typeface="Tw Cen MT" panose="020B0602020104020603" pitchFamily="34" charset="0"/>
-                </a:rPr>
-                <a:t>Contributed to the overall design and presentation </a:t>
-              </a:r>
-            </a:p>
-          </p:txBody>
-        </p:sp>
-      </p:grpSp>
-      <p:sp>
-        <p:nvSpPr>
-          <p:cNvPr id="47" name="Title 46">
-            <a:extLst>
-              <a:ext uri="{FF2B5EF4-FFF2-40B4-BE49-F238E27FC236}">
-                <a16:creationId xmlns:a16="http://schemas.microsoft.com/office/drawing/2014/main" id="{A66EE39E-92DC-4EFE-96CA-5251FA6746C4}"/>
-              </a:ext>
-            </a:extLst>
-          </p:cNvPr>
-          <p:cNvSpPr>
-            <a:spLocks noGrp="1"/>
-          </p:cNvSpPr>
-          <p:nvPr>
-            <p:ph type="title"/>
-          </p:nvPr>
-        </p:nvSpPr>
-        <p:spPr>
-          <a:xfrm>
-            <a:off x="5318516" y="1002503"/>
-            <a:ext cx="1554967" cy="757864"/>
-          </a:xfrm>
-        </p:spPr>
-        <p:txBody>
-          <a:bodyPr>
-            <a:normAutofit fontScale="90000"/>
-          </a:bodyPr>
-          <a:lstStyle/>
-          <a:p>
-            <a:r>
-              <a:rPr lang="en-IN" sz="4000" b="1" dirty="0">
-                <a:solidFill>
-                  <a:srgbClr val="354DAE"/>
-                </a:solidFill>
-                <a:latin typeface="Montserrat" panose="00000500000000000000" pitchFamily="50" charset="0"/>
-              </a:rPr>
-              <a:t>Team</a:t>
-            </a:r>
-          </a:p>
-        </p:txBody>
-      </p:sp>
-    </p:spTree>
-    <p:extLst>
-      <p:ext uri="{BB962C8B-B14F-4D97-AF65-F5344CB8AC3E}">
-        <p14:creationId xmlns:p14="http://schemas.microsoft.com/office/powerpoint/2010/main" val="1579411533"/>
-      </p:ext>
-    </p:extLst>
-  </p:cSld>
-  <p:clrMapOvr>
-    <a:masterClrMapping/>
-  </p:clrMapOvr>
-  <p:timing>
-    <p:tnLst>
-      <p:par>
-        <p:cTn id="1" dur="indefinite" restart="never" nodeType="tmRoot">
-          <p:childTnLst>
-            <p:seq concurrent="1" nextAc="seek">
-              <p:cTn id="2" dur="indefinite" nodeType="mainSeq">
-                <p:childTnLst>
-                  <p:par>
-                    <p:cTn id="3" fill="hold">
-                      <p:stCondLst>
-                        <p:cond delay="indefinite"/>
-                      </p:stCondLst>
-                      <p:childTnLst>
-                        <p:par>
-                          <p:cTn id="4" fill="hold">
-                            <p:stCondLst>
-                              <p:cond delay="0"/>
-                            </p:stCondLst>
-                            <p:childTnLst>
-                              <p:par>
-                                <p:cTn id="5" presetID="53" presetClass="entr" presetSubtype="16" fill="hold" grpId="0" nodeType="clickEffect">
-                                  <p:stCondLst>
-                                    <p:cond delay="0"/>
-                                  </p:stCondLst>
-                                  <p:childTnLst>
-                                    <p:set>
-                                      <p:cBhvr>
-                                        <p:cTn id="6" dur="1" fill="hold">
-                                          <p:stCondLst>
-                                            <p:cond delay="0"/>
-                                          </p:stCondLst>
-                                        </p:cTn>
-                                        <p:tgtEl>
-                                          <p:spTgt spid="47"/>
-                                        </p:tgtEl>
-                                        <p:attrNameLst>
-                                          <p:attrName>style.visibility</p:attrName>
-                                        </p:attrNameLst>
-                                      </p:cBhvr>
-                                      <p:to>
-                                        <p:strVal val="visible"/>
-                                      </p:to>
-                                    </p:set>
-                                    <p:anim calcmode="lin" valueType="num">
-                                      <p:cBhvr>
-                                        <p:cTn id="7" dur="500" fill="hold"/>
-                                        <p:tgtEl>
-                                          <p:spTgt spid="47"/>
-                                        </p:tgtEl>
-                                        <p:attrNameLst>
-                                          <p:attrName>ppt_w</p:attrName>
-                                        </p:attrNameLst>
-                                      </p:cBhvr>
-                                      <p:tavLst>
-                                        <p:tav tm="0">
-                                          <p:val>
-                                            <p:fltVal val="0"/>
-                                          </p:val>
-                                        </p:tav>
-                                        <p:tav tm="100000">
-                                          <p:val>
-                                            <p:strVal val="#ppt_w"/>
-                                          </p:val>
-                                        </p:tav>
-                                      </p:tavLst>
-                                    </p:anim>
-                                    <p:anim calcmode="lin" valueType="num">
-                                      <p:cBhvr>
-                                        <p:cTn id="8" dur="500" fill="hold"/>
-                                        <p:tgtEl>
-                                          <p:spTgt spid="47"/>
-                                        </p:tgtEl>
-                                        <p:attrNameLst>
-                                          <p:attrName>ppt_h</p:attrName>
-                                        </p:attrNameLst>
-                                      </p:cBhvr>
-                                      <p:tavLst>
-                                        <p:tav tm="0">
-                                          <p:val>
-                                            <p:fltVal val="0"/>
-                                          </p:val>
-                                        </p:tav>
-                                        <p:tav tm="100000">
-                                          <p:val>
-                                            <p:strVal val="#ppt_h"/>
-                                          </p:val>
-                                        </p:tav>
-                                      </p:tavLst>
-                                    </p:anim>
-                                    <p:animEffect transition="in" filter="fade">
-                                      <p:cBhvr>
-                                        <p:cTn id="9" dur="500"/>
-                                        <p:tgtEl>
-                                          <p:spTgt spid="47"/>
-                                        </p:tgtEl>
-                                      </p:cBhvr>
-                                    </p:animEffect>
-                                  </p:childTnLst>
-                                </p:cTn>
-                              </p:par>
-                            </p:childTnLst>
-                          </p:cTn>
-                        </p:par>
-                        <p:par>
-                          <p:cTn id="10" fill="hold">
-                            <p:stCondLst>
-                              <p:cond delay="500"/>
-                            </p:stCondLst>
-                            <p:childTnLst>
-                              <p:par>
-                                <p:cTn id="11" presetID="53" presetClass="entr" presetSubtype="16" fill="hold" nodeType="afterEffect">
-                                  <p:stCondLst>
-                                    <p:cond delay="0"/>
-                                  </p:stCondLst>
-                                  <p:childTnLst>
-                                    <p:set>
-                                      <p:cBhvr>
-                                        <p:cTn id="12" dur="1" fill="hold">
-                                          <p:stCondLst>
-                                            <p:cond delay="0"/>
-                                          </p:stCondLst>
-                                        </p:cTn>
-                                        <p:tgtEl>
-                                          <p:spTgt spid="3"/>
-                                        </p:tgtEl>
-                                        <p:attrNameLst>
-                                          <p:attrName>style.visibility</p:attrName>
-                                        </p:attrNameLst>
-                                      </p:cBhvr>
-                                      <p:to>
-                                        <p:strVal val="visible"/>
-                                      </p:to>
-                                    </p:set>
-                                    <p:anim calcmode="lin" valueType="num">
-                                      <p:cBhvr>
-                                        <p:cTn id="13" dur="500" fill="hold"/>
-                                        <p:tgtEl>
-                                          <p:spTgt spid="3"/>
-                                        </p:tgtEl>
-                                        <p:attrNameLst>
-                                          <p:attrName>ppt_w</p:attrName>
-                                        </p:attrNameLst>
-                                      </p:cBhvr>
-                                      <p:tavLst>
-                                        <p:tav tm="0">
-                                          <p:val>
-                                            <p:fltVal val="0"/>
-                                          </p:val>
-                                        </p:tav>
-                                        <p:tav tm="100000">
-                                          <p:val>
-                                            <p:strVal val="#ppt_w"/>
-                                          </p:val>
-                                        </p:tav>
-                                      </p:tavLst>
-                                    </p:anim>
-                                    <p:anim calcmode="lin" valueType="num">
-                                      <p:cBhvr>
-                                        <p:cTn id="14" dur="500" fill="hold"/>
-                                        <p:tgtEl>
-                                          <p:spTgt spid="3"/>
-                                        </p:tgtEl>
-                                        <p:attrNameLst>
-                                          <p:attrName>ppt_h</p:attrName>
-                                        </p:attrNameLst>
-                                      </p:cBhvr>
-                                      <p:tavLst>
-                                        <p:tav tm="0">
-                                          <p:val>
-                                            <p:fltVal val="0"/>
-                                          </p:val>
-                                        </p:tav>
-                                        <p:tav tm="100000">
-                                          <p:val>
-                                            <p:strVal val="#ppt_h"/>
-                                          </p:val>
-                                        </p:tav>
-                                      </p:tavLst>
-                                    </p:anim>
-                                    <p:animEffect transition="in" filter="fade">
-                                      <p:cBhvr>
-                                        <p:cTn id="15" dur="500"/>
-                                        <p:tgtEl>
-                                          <p:spTgt spid="3"/>
-                                        </p:tgtEl>
-                                      </p:cBhvr>
-                                    </p:animEffect>
-                                  </p:childTnLst>
-                                </p:cTn>
-                              </p:par>
-                            </p:childTnLst>
-                          </p:cTn>
-                        </p:par>
-                        <p:par>
-                          <p:cTn id="16" fill="hold">
-                            <p:stCondLst>
-                              <p:cond delay="1000"/>
-                            </p:stCondLst>
-                            <p:childTnLst>
-                              <p:par>
-                                <p:cTn id="17" presetID="53" presetClass="entr" presetSubtype="16" fill="hold" nodeType="afterEffect">
-                                  <p:stCondLst>
-                                    <p:cond delay="0"/>
-                                  </p:stCondLst>
-                                  <p:childTnLst>
-                                    <p:set>
-                                      <p:cBhvr>
-                                        <p:cTn id="18" dur="1" fill="hold">
-                                          <p:stCondLst>
-                                            <p:cond delay="0"/>
-                                          </p:stCondLst>
-                                        </p:cTn>
-                                        <p:tgtEl>
-                                          <p:spTgt spid="13"/>
-                                        </p:tgtEl>
-                                        <p:attrNameLst>
-                                          <p:attrName>style.visibility</p:attrName>
-                                        </p:attrNameLst>
-                                      </p:cBhvr>
-                                      <p:to>
-                                        <p:strVal val="visible"/>
-                                      </p:to>
-                                    </p:set>
-                                    <p:anim calcmode="lin" valueType="num">
-                                      <p:cBhvr>
-                                        <p:cTn id="19" dur="500" fill="hold"/>
-                                        <p:tgtEl>
-                                          <p:spTgt spid="13"/>
-                                        </p:tgtEl>
-                                        <p:attrNameLst>
-                                          <p:attrName>ppt_w</p:attrName>
-                                        </p:attrNameLst>
-                                      </p:cBhvr>
-                                      <p:tavLst>
-                                        <p:tav tm="0">
-                                          <p:val>
-                                            <p:fltVal val="0"/>
-                                          </p:val>
-                                        </p:tav>
-                                        <p:tav tm="100000">
-                                          <p:val>
-                                            <p:strVal val="#ppt_w"/>
-                                          </p:val>
-                                        </p:tav>
-                                      </p:tavLst>
-                                    </p:anim>
-                                    <p:anim calcmode="lin" valueType="num">
-                                      <p:cBhvr>
-                                        <p:cTn id="20" dur="500" fill="hold"/>
-                                        <p:tgtEl>
-                                          <p:spTgt spid="13"/>
-                                        </p:tgtEl>
-                                        <p:attrNameLst>
-                                          <p:attrName>ppt_h</p:attrName>
-                                        </p:attrNameLst>
-                                      </p:cBhvr>
-                                      <p:tavLst>
-                                        <p:tav tm="0">
-                                          <p:val>
-                                            <p:fltVal val="0"/>
-                                          </p:val>
-                                        </p:tav>
-                                        <p:tav tm="100000">
-                                          <p:val>
-                                            <p:strVal val="#ppt_h"/>
-                                          </p:val>
-                                        </p:tav>
-                                      </p:tavLst>
-                                    </p:anim>
-                                    <p:animEffect transition="in" filter="fade">
-                                      <p:cBhvr>
-                                        <p:cTn id="21" dur="500"/>
-                                        <p:tgtEl>
-                                          <p:spTgt spid="13"/>
-                                        </p:tgtEl>
-                                      </p:cBhvr>
-                                    </p:animEffect>
-                                  </p:childTnLst>
-                                </p:cTn>
-                              </p:par>
-                            </p:childTnLst>
-                          </p:cTn>
-                        </p:par>
-                        <p:par>
-                          <p:cTn id="22" fill="hold">
-                            <p:stCondLst>
-                              <p:cond delay="1500"/>
-                            </p:stCondLst>
-                            <p:childTnLst>
-                              <p:par>
-                                <p:cTn id="23" presetID="42" presetClass="entr" presetSubtype="0" fill="hold" nodeType="afterEffect">
-                                  <p:stCondLst>
-                                    <p:cond delay="0"/>
-                                  </p:stCondLst>
-                                  <p:childTnLst>
-                                    <p:set>
-                                      <p:cBhvr>
-                                        <p:cTn id="24" dur="1" fill="hold">
-                                          <p:stCondLst>
-                                            <p:cond delay="0"/>
-                                          </p:stCondLst>
-                                        </p:cTn>
-                                        <p:tgtEl>
-                                          <p:spTgt spid="22"/>
-                                        </p:tgtEl>
-                                        <p:attrNameLst>
-                                          <p:attrName>style.visibility</p:attrName>
-                                        </p:attrNameLst>
-                                      </p:cBhvr>
-                                      <p:to>
-                                        <p:strVal val="visible"/>
-                                      </p:to>
-                                    </p:set>
-                                    <p:animEffect transition="in" filter="fade">
-                                      <p:cBhvr>
-                                        <p:cTn id="25" dur="500"/>
-                                        <p:tgtEl>
-                                          <p:spTgt spid="22"/>
-                                        </p:tgtEl>
-                                      </p:cBhvr>
-                                    </p:animEffect>
-                                    <p:anim calcmode="lin" valueType="num">
-                                      <p:cBhvr>
-                                        <p:cTn id="26" dur="500" fill="hold"/>
-                                        <p:tgtEl>
-                                          <p:spTgt spid="22"/>
-                                        </p:tgtEl>
-                                        <p:attrNameLst>
-                                          <p:attrName>ppt_x</p:attrName>
-                                        </p:attrNameLst>
-                                      </p:cBhvr>
-                                      <p:tavLst>
-                                        <p:tav tm="0">
-                                          <p:val>
-                                            <p:strVal val="#ppt_x"/>
-                                          </p:val>
-                                        </p:tav>
-                                        <p:tav tm="100000">
-                                          <p:val>
-                                            <p:strVal val="#ppt_x"/>
-                                          </p:val>
-                                        </p:tav>
-                                      </p:tavLst>
-                                    </p:anim>
-                                    <p:anim calcmode="lin" valueType="num">
-                                      <p:cBhvr>
-                                        <p:cTn id="27" dur="500" fill="hold"/>
-                                        <p:tgtEl>
-                                          <p:spTgt spid="22"/>
-                                        </p:tgtEl>
-                                        <p:attrNameLst>
-                                          <p:attrName>ppt_y</p:attrName>
-                                        </p:attrNameLst>
-                                      </p:cBhvr>
-                                      <p:tavLst>
-                                        <p:tav tm="0">
-                                          <p:val>
-                                            <p:strVal val="#ppt_y+.1"/>
-                                          </p:val>
-                                        </p:tav>
-                                        <p:tav tm="100000">
-                                          <p:val>
-                                            <p:strVal val="#ppt_y"/>
-                                          </p:val>
-                                        </p:tav>
-                                      </p:tavLst>
-                                    </p:anim>
-                                  </p:childTnLst>
-                                </p:cTn>
-                              </p:par>
-                            </p:childTnLst>
-                          </p:cTn>
-                        </p:par>
-                        <p:par>
-                          <p:cTn id="28" fill="hold">
-                            <p:stCondLst>
-                              <p:cond delay="2000"/>
-                            </p:stCondLst>
-                            <p:childTnLst>
-                              <p:par>
-                                <p:cTn id="29" presetID="53" presetClass="entr" presetSubtype="16" fill="hold" nodeType="afterEffect">
-                                  <p:stCondLst>
-                                    <p:cond delay="0"/>
-                                  </p:stCondLst>
-                                  <p:childTnLst>
-                                    <p:set>
-                                      <p:cBhvr>
-                                        <p:cTn id="30" dur="1" fill="hold">
-                                          <p:stCondLst>
-                                            <p:cond delay="0"/>
-                                          </p:stCondLst>
-                                        </p:cTn>
-                                        <p:tgtEl>
-                                          <p:spTgt spid="7"/>
-                                        </p:tgtEl>
-                                        <p:attrNameLst>
-                                          <p:attrName>style.visibility</p:attrName>
-                                        </p:attrNameLst>
-                                      </p:cBhvr>
-                                      <p:to>
-                                        <p:strVal val="visible"/>
-                                      </p:to>
-                                    </p:set>
-                                    <p:anim calcmode="lin" valueType="num">
-                                      <p:cBhvr>
-                                        <p:cTn id="31" dur="500" fill="hold"/>
-                                        <p:tgtEl>
-                                          <p:spTgt spid="7"/>
-                                        </p:tgtEl>
-                                        <p:attrNameLst>
-                                          <p:attrName>ppt_w</p:attrName>
-                                        </p:attrNameLst>
-                                      </p:cBhvr>
-                                      <p:tavLst>
-                                        <p:tav tm="0">
-                                          <p:val>
-                                            <p:fltVal val="0"/>
-                                          </p:val>
-                                        </p:tav>
-                                        <p:tav tm="100000">
-                                          <p:val>
-                                            <p:strVal val="#ppt_w"/>
-                                          </p:val>
-                                        </p:tav>
-                                      </p:tavLst>
-                                    </p:anim>
-                                    <p:anim calcmode="lin" valueType="num">
-                                      <p:cBhvr>
-                                        <p:cTn id="32" dur="500" fill="hold"/>
-                                        <p:tgtEl>
-                                          <p:spTgt spid="7"/>
-                                        </p:tgtEl>
-                                        <p:attrNameLst>
-                                          <p:attrName>ppt_h</p:attrName>
-                                        </p:attrNameLst>
-                                      </p:cBhvr>
-                                      <p:tavLst>
-                                        <p:tav tm="0">
-                                          <p:val>
-                                            <p:fltVal val="0"/>
-                                          </p:val>
-                                        </p:tav>
-                                        <p:tav tm="100000">
-                                          <p:val>
-                                            <p:strVal val="#ppt_h"/>
-                                          </p:val>
-                                        </p:tav>
-                                      </p:tavLst>
-                                    </p:anim>
-                                    <p:animEffect transition="in" filter="fade">
-                                      <p:cBhvr>
-                                        <p:cTn id="33" dur="500"/>
-                                        <p:tgtEl>
-                                          <p:spTgt spid="7"/>
-                                        </p:tgtEl>
-                                      </p:cBhvr>
-                                    </p:animEffect>
-                                  </p:childTnLst>
-                                </p:cTn>
-                              </p:par>
-                            </p:childTnLst>
-                          </p:cTn>
-                        </p:par>
-                        <p:par>
-                          <p:cTn id="34" fill="hold">
-                            <p:stCondLst>
-                              <p:cond delay="2500"/>
-                            </p:stCondLst>
-                            <p:childTnLst>
-                              <p:par>
-                                <p:cTn id="35" presetID="53" presetClass="entr" presetSubtype="16" fill="hold" nodeType="afterEffect">
-                                  <p:stCondLst>
-                                    <p:cond delay="0"/>
-                                  </p:stCondLst>
-                                  <p:childTnLst>
-                                    <p:set>
-                                      <p:cBhvr>
-                                        <p:cTn id="36" dur="1" fill="hold">
-                                          <p:stCondLst>
-                                            <p:cond delay="0"/>
-                                          </p:stCondLst>
-                                        </p:cTn>
-                                        <p:tgtEl>
-                                          <p:spTgt spid="16"/>
-                                        </p:tgtEl>
-                                        <p:attrNameLst>
-                                          <p:attrName>style.visibility</p:attrName>
-                                        </p:attrNameLst>
-                                      </p:cBhvr>
-                                      <p:to>
-                                        <p:strVal val="visible"/>
-                                      </p:to>
-                                    </p:set>
-                                    <p:anim calcmode="lin" valueType="num">
-                                      <p:cBhvr>
-                                        <p:cTn id="37" dur="500" fill="hold"/>
-                                        <p:tgtEl>
-                                          <p:spTgt spid="16"/>
-                                        </p:tgtEl>
-                                        <p:attrNameLst>
-                                          <p:attrName>ppt_w</p:attrName>
-                                        </p:attrNameLst>
-                                      </p:cBhvr>
-                                      <p:tavLst>
-                                        <p:tav tm="0">
-                                          <p:val>
-                                            <p:fltVal val="0"/>
-                                          </p:val>
-                                        </p:tav>
-                                        <p:tav tm="100000">
-                                          <p:val>
-                                            <p:strVal val="#ppt_w"/>
-                                          </p:val>
-                                        </p:tav>
-                                      </p:tavLst>
-                                    </p:anim>
-                                    <p:anim calcmode="lin" valueType="num">
-                                      <p:cBhvr>
-                                        <p:cTn id="38" dur="500" fill="hold"/>
-                                        <p:tgtEl>
-                                          <p:spTgt spid="16"/>
-                                        </p:tgtEl>
-                                        <p:attrNameLst>
-                                          <p:attrName>ppt_h</p:attrName>
-                                        </p:attrNameLst>
-                                      </p:cBhvr>
-                                      <p:tavLst>
-                                        <p:tav tm="0">
-                                          <p:val>
-                                            <p:fltVal val="0"/>
-                                          </p:val>
-                                        </p:tav>
-                                        <p:tav tm="100000">
-                                          <p:val>
-                                            <p:strVal val="#ppt_h"/>
-                                          </p:val>
-                                        </p:tav>
-                                      </p:tavLst>
-                                    </p:anim>
-                                    <p:animEffect transition="in" filter="fade">
-                                      <p:cBhvr>
-                                        <p:cTn id="39" dur="500"/>
-                                        <p:tgtEl>
-                                          <p:spTgt spid="16"/>
-                                        </p:tgtEl>
-                                      </p:cBhvr>
-                                    </p:animEffect>
-                                  </p:childTnLst>
-                                </p:cTn>
-                              </p:par>
-                            </p:childTnLst>
-                          </p:cTn>
-                        </p:par>
-                        <p:par>
-                          <p:cTn id="40" fill="hold">
-                            <p:stCondLst>
-                              <p:cond delay="3000"/>
-                            </p:stCondLst>
-                            <p:childTnLst>
-                              <p:par>
-                                <p:cTn id="41" presetID="42" presetClass="entr" presetSubtype="0" fill="hold" nodeType="afterEffect">
-                                  <p:stCondLst>
-                                    <p:cond delay="0"/>
-                                  </p:stCondLst>
-                                  <p:childTnLst>
-                                    <p:set>
-                                      <p:cBhvr>
-                                        <p:cTn id="42" dur="1" fill="hold">
-                                          <p:stCondLst>
-                                            <p:cond delay="0"/>
-                                          </p:stCondLst>
-                                        </p:cTn>
-                                        <p:tgtEl>
-                                          <p:spTgt spid="26"/>
-                                        </p:tgtEl>
-                                        <p:attrNameLst>
-                                          <p:attrName>style.visibility</p:attrName>
-                                        </p:attrNameLst>
-                                      </p:cBhvr>
-                                      <p:to>
-                                        <p:strVal val="visible"/>
-                                      </p:to>
-                                    </p:set>
-                                    <p:animEffect transition="in" filter="fade">
-                                      <p:cBhvr>
-                                        <p:cTn id="43" dur="500"/>
-                                        <p:tgtEl>
-                                          <p:spTgt spid="26"/>
-                                        </p:tgtEl>
-                                      </p:cBhvr>
-                                    </p:animEffect>
-                                    <p:anim calcmode="lin" valueType="num">
-                                      <p:cBhvr>
-                                        <p:cTn id="44" dur="500" fill="hold"/>
-                                        <p:tgtEl>
-                                          <p:spTgt spid="26"/>
-                                        </p:tgtEl>
-                                        <p:attrNameLst>
-                                          <p:attrName>ppt_x</p:attrName>
-                                        </p:attrNameLst>
-                                      </p:cBhvr>
-                                      <p:tavLst>
-                                        <p:tav tm="0">
-                                          <p:val>
-                                            <p:strVal val="#ppt_x"/>
-                                          </p:val>
-                                        </p:tav>
-                                        <p:tav tm="100000">
-                                          <p:val>
-                                            <p:strVal val="#ppt_x"/>
-                                          </p:val>
-                                        </p:tav>
-                                      </p:tavLst>
-                                    </p:anim>
-                                    <p:anim calcmode="lin" valueType="num">
-                                      <p:cBhvr>
-                                        <p:cTn id="45" dur="500" fill="hold"/>
-                                        <p:tgtEl>
-                                          <p:spTgt spid="26"/>
-                                        </p:tgtEl>
-                                        <p:attrNameLst>
-                                          <p:attrName>ppt_y</p:attrName>
-                                        </p:attrNameLst>
-                                      </p:cBhvr>
-                                      <p:tavLst>
-                                        <p:tav tm="0">
-                                          <p:val>
-                                            <p:strVal val="#ppt_y+.1"/>
-                                          </p:val>
-                                        </p:tav>
-                                        <p:tav tm="100000">
-                                          <p:val>
-                                            <p:strVal val="#ppt_y"/>
-                                          </p:val>
-                                        </p:tav>
-                                      </p:tavLst>
-                                    </p:anim>
-                                  </p:childTnLst>
-                                </p:cTn>
-                              </p:par>
-                            </p:childTnLst>
-                          </p:cTn>
-                        </p:par>
-                        <p:par>
-                          <p:cTn id="46" fill="hold">
-                            <p:stCondLst>
-                              <p:cond delay="3500"/>
-                            </p:stCondLst>
-                            <p:childTnLst>
-                              <p:par>
-                                <p:cTn id="47" presetID="53" presetClass="entr" presetSubtype="16" fill="hold" nodeType="afterEffect">
-                                  <p:stCondLst>
-                                    <p:cond delay="0"/>
-                                  </p:stCondLst>
-                                  <p:childTnLst>
-                                    <p:set>
-                                      <p:cBhvr>
-                                        <p:cTn id="48" dur="1" fill="hold">
-                                          <p:stCondLst>
-                                            <p:cond delay="0"/>
-                                          </p:stCondLst>
-                                        </p:cTn>
-                                        <p:tgtEl>
-                                          <p:spTgt spid="10"/>
-                                        </p:tgtEl>
-                                        <p:attrNameLst>
-                                          <p:attrName>style.visibility</p:attrName>
-                                        </p:attrNameLst>
-                                      </p:cBhvr>
-                                      <p:to>
-                                        <p:strVal val="visible"/>
-                                      </p:to>
-                                    </p:set>
-                                    <p:anim calcmode="lin" valueType="num">
-                                      <p:cBhvr>
-                                        <p:cTn id="49" dur="500" fill="hold"/>
-                                        <p:tgtEl>
-                                          <p:spTgt spid="10"/>
-                                        </p:tgtEl>
-                                        <p:attrNameLst>
-                                          <p:attrName>ppt_w</p:attrName>
-                                        </p:attrNameLst>
-                                      </p:cBhvr>
-                                      <p:tavLst>
-                                        <p:tav tm="0">
-                                          <p:val>
-                                            <p:fltVal val="0"/>
-                                          </p:val>
-                                        </p:tav>
-                                        <p:tav tm="100000">
-                                          <p:val>
-                                            <p:strVal val="#ppt_w"/>
-                                          </p:val>
-                                        </p:tav>
-                                      </p:tavLst>
-                                    </p:anim>
-                                    <p:anim calcmode="lin" valueType="num">
-                                      <p:cBhvr>
-                                        <p:cTn id="50" dur="500" fill="hold"/>
-                                        <p:tgtEl>
-                                          <p:spTgt spid="10"/>
-                                        </p:tgtEl>
-                                        <p:attrNameLst>
-                                          <p:attrName>ppt_h</p:attrName>
-                                        </p:attrNameLst>
-                                      </p:cBhvr>
-                                      <p:tavLst>
-                                        <p:tav tm="0">
-                                          <p:val>
-                                            <p:fltVal val="0"/>
-                                          </p:val>
-                                        </p:tav>
-                                        <p:tav tm="100000">
-                                          <p:val>
-                                            <p:strVal val="#ppt_h"/>
-                                          </p:val>
-                                        </p:tav>
-                                      </p:tavLst>
-                                    </p:anim>
-                                    <p:animEffect transition="in" filter="fade">
-                                      <p:cBhvr>
-                                        <p:cTn id="51" dur="500"/>
-                                        <p:tgtEl>
-                                          <p:spTgt spid="10"/>
-                                        </p:tgtEl>
-                                      </p:cBhvr>
-                                    </p:animEffect>
-                                  </p:childTnLst>
-                                </p:cTn>
-                              </p:par>
-                            </p:childTnLst>
-                          </p:cTn>
-                        </p:par>
-                        <p:par>
-                          <p:cTn id="52" fill="hold">
-                            <p:stCondLst>
-                              <p:cond delay="4000"/>
-                            </p:stCondLst>
-                            <p:childTnLst>
-                              <p:par>
-                                <p:cTn id="53" presetID="53" presetClass="entr" presetSubtype="16" fill="hold" nodeType="afterEffect">
-                                  <p:stCondLst>
-                                    <p:cond delay="0"/>
-                                  </p:stCondLst>
-                                  <p:childTnLst>
-                                    <p:set>
-                                      <p:cBhvr>
-                                        <p:cTn id="54" dur="1" fill="hold">
-                                          <p:stCondLst>
-                                            <p:cond delay="0"/>
-                                          </p:stCondLst>
-                                        </p:cTn>
-                                        <p:tgtEl>
-                                          <p:spTgt spid="2"/>
-                                        </p:tgtEl>
-                                        <p:attrNameLst>
-                                          <p:attrName>style.visibility</p:attrName>
-                                        </p:attrNameLst>
-                                      </p:cBhvr>
-                                      <p:to>
-                                        <p:strVal val="visible"/>
-                                      </p:to>
-                                    </p:set>
-                                    <p:anim calcmode="lin" valueType="num">
-                                      <p:cBhvr>
-                                        <p:cTn id="55" dur="500" fill="hold"/>
-                                        <p:tgtEl>
-                                          <p:spTgt spid="2"/>
-                                        </p:tgtEl>
-                                        <p:attrNameLst>
-                                          <p:attrName>ppt_w</p:attrName>
-                                        </p:attrNameLst>
-                                      </p:cBhvr>
-                                      <p:tavLst>
-                                        <p:tav tm="0">
-                                          <p:val>
-                                            <p:fltVal val="0"/>
-                                          </p:val>
-                                        </p:tav>
-                                        <p:tav tm="100000">
-                                          <p:val>
-                                            <p:strVal val="#ppt_w"/>
-                                          </p:val>
-                                        </p:tav>
-                                      </p:tavLst>
-                                    </p:anim>
-                                    <p:anim calcmode="lin" valueType="num">
-                                      <p:cBhvr>
-                                        <p:cTn id="56" dur="500" fill="hold"/>
-                                        <p:tgtEl>
-                                          <p:spTgt spid="2"/>
-                                        </p:tgtEl>
-                                        <p:attrNameLst>
-                                          <p:attrName>ppt_h</p:attrName>
-                                        </p:attrNameLst>
-                                      </p:cBhvr>
-                                      <p:tavLst>
-                                        <p:tav tm="0">
-                                          <p:val>
-                                            <p:fltVal val="0"/>
-                                          </p:val>
-                                        </p:tav>
-                                        <p:tav tm="100000">
-                                          <p:val>
-                                            <p:strVal val="#ppt_h"/>
-                                          </p:val>
-                                        </p:tav>
-                                      </p:tavLst>
-                                    </p:anim>
-                                    <p:animEffect transition="in" filter="fade">
-                                      <p:cBhvr>
-                                        <p:cTn id="57" dur="500"/>
-                                        <p:tgtEl>
-                                          <p:spTgt spid="2"/>
-                                        </p:tgtEl>
-                                      </p:cBhvr>
-                                    </p:animEffect>
-                                  </p:childTnLst>
-                                </p:cTn>
-                              </p:par>
-                            </p:childTnLst>
-                          </p:cTn>
-                        </p:par>
-                        <p:par>
-                          <p:cTn id="58" fill="hold">
-                            <p:stCondLst>
-                              <p:cond delay="4500"/>
-                            </p:stCondLst>
-                            <p:childTnLst>
-                              <p:par>
-                                <p:cTn id="59" presetID="42" presetClass="entr" presetSubtype="0" fill="hold" nodeType="afterEffect">
-                                  <p:stCondLst>
-                                    <p:cond delay="0"/>
-                                  </p:stCondLst>
-                                  <p:childTnLst>
-                                    <p:set>
-                                      <p:cBhvr>
-                                        <p:cTn id="60" dur="1" fill="hold">
-                                          <p:stCondLst>
-                                            <p:cond delay="0"/>
-                                          </p:stCondLst>
-                                        </p:cTn>
-                                        <p:tgtEl>
-                                          <p:spTgt spid="30"/>
-                                        </p:tgtEl>
-                                        <p:attrNameLst>
-                                          <p:attrName>style.visibility</p:attrName>
-                                        </p:attrNameLst>
-                                      </p:cBhvr>
-                                      <p:to>
-                                        <p:strVal val="visible"/>
-                                      </p:to>
-                                    </p:set>
-                                    <p:animEffect transition="in" filter="fade">
-                                      <p:cBhvr>
-                                        <p:cTn id="61" dur="500"/>
-                                        <p:tgtEl>
-                                          <p:spTgt spid="30"/>
-                                        </p:tgtEl>
-                                      </p:cBhvr>
-                                    </p:animEffect>
-                                    <p:anim calcmode="lin" valueType="num">
-                                      <p:cBhvr>
-                                        <p:cTn id="62" dur="500" fill="hold"/>
-                                        <p:tgtEl>
-                                          <p:spTgt spid="30"/>
-                                        </p:tgtEl>
-                                        <p:attrNameLst>
-                                          <p:attrName>ppt_x</p:attrName>
-                                        </p:attrNameLst>
-                                      </p:cBhvr>
-                                      <p:tavLst>
-                                        <p:tav tm="0">
-                                          <p:val>
-                                            <p:strVal val="#ppt_x"/>
-                                          </p:val>
-                                        </p:tav>
-                                        <p:tav tm="100000">
-                                          <p:val>
-                                            <p:strVal val="#ppt_x"/>
-                                          </p:val>
-                                        </p:tav>
-                                      </p:tavLst>
-                                    </p:anim>
-                                    <p:anim calcmode="lin" valueType="num">
-                                      <p:cBhvr>
-                                        <p:cTn id="63" dur="500" fill="hold"/>
-                                        <p:tgtEl>
-                                          <p:spTgt spid="30"/>
-                                        </p:tgtEl>
-                                        <p:attrNameLst>
-                                          <p:attrName>ppt_y</p:attrName>
-                                        </p:attrNameLst>
-                                      </p:cBhvr>
-                                      <p:tavLst>
-                                        <p:tav tm="0">
-                                          <p:val>
-                                            <p:strVal val="#ppt_y+.1"/>
-                                          </p:val>
-                                        </p:tav>
-                                        <p:tav tm="100000">
-                                          <p:val>
-                                            <p:strVal val="#ppt_y"/>
-                                          </p:val>
-                                        </p:tav>
-                                      </p:tavLst>
-                                    </p:anim>
-                                  </p:childTnLst>
-                                </p:cTn>
-                              </p:par>
-                            </p:childTnLst>
-                          </p:cTn>
-                        </p:par>
-                        <p:par>
-                          <p:cTn id="64" fill="hold">
-                            <p:stCondLst>
-                              <p:cond delay="5000"/>
-                            </p:stCondLst>
-                            <p:childTnLst>
-                              <p:par>
-                                <p:cTn id="65" presetID="53" presetClass="entr" presetSubtype="16" fill="hold" nodeType="afterEffect">
-                                  <p:stCondLst>
-                                    <p:cond delay="0"/>
-                                  </p:stCondLst>
-                                  <p:childTnLst>
-                                    <p:set>
-                                      <p:cBhvr>
-                                        <p:cTn id="66" dur="1" fill="hold">
-                                          <p:stCondLst>
-                                            <p:cond delay="0"/>
-                                          </p:stCondLst>
-                                        </p:cTn>
-                                        <p:tgtEl>
-                                          <p:spTgt spid="34"/>
-                                        </p:tgtEl>
-                                        <p:attrNameLst>
-                                          <p:attrName>style.visibility</p:attrName>
-                                        </p:attrNameLst>
-                                      </p:cBhvr>
-                                      <p:to>
-                                        <p:strVal val="visible"/>
-                                      </p:to>
-                                    </p:set>
-                                    <p:anim calcmode="lin" valueType="num">
-                                      <p:cBhvr>
-                                        <p:cTn id="67" dur="500" fill="hold"/>
-                                        <p:tgtEl>
-                                          <p:spTgt spid="34"/>
-                                        </p:tgtEl>
-                                        <p:attrNameLst>
-                                          <p:attrName>ppt_w</p:attrName>
-                                        </p:attrNameLst>
-                                      </p:cBhvr>
-                                      <p:tavLst>
-                                        <p:tav tm="0">
-                                          <p:val>
-                                            <p:fltVal val="0"/>
-                                          </p:val>
-                                        </p:tav>
-                                        <p:tav tm="100000">
-                                          <p:val>
-                                            <p:strVal val="#ppt_w"/>
-                                          </p:val>
-                                        </p:tav>
-                                      </p:tavLst>
-                                    </p:anim>
-                                    <p:anim calcmode="lin" valueType="num">
-                                      <p:cBhvr>
-                                        <p:cTn id="68" dur="500" fill="hold"/>
-                                        <p:tgtEl>
-                                          <p:spTgt spid="34"/>
-                                        </p:tgtEl>
-                                        <p:attrNameLst>
-                                          <p:attrName>ppt_h</p:attrName>
-                                        </p:attrNameLst>
-                                      </p:cBhvr>
-                                      <p:tavLst>
-                                        <p:tav tm="0">
-                                          <p:val>
-                                            <p:fltVal val="0"/>
-                                          </p:val>
-                                        </p:tav>
-                                        <p:tav tm="100000">
-                                          <p:val>
-                                            <p:strVal val="#ppt_h"/>
-                                          </p:val>
-                                        </p:tav>
-                                      </p:tavLst>
-                                    </p:anim>
-                                    <p:animEffect transition="in" filter="fade">
-                                      <p:cBhvr>
-                                        <p:cTn id="69" dur="500"/>
-                                        <p:tgtEl>
-                                          <p:spTgt spid="34"/>
-                                        </p:tgtEl>
-                                      </p:cBhvr>
-                                    </p:animEffect>
-                                  </p:childTnLst>
-                                </p:cTn>
-                              </p:par>
-                            </p:childTnLst>
-                          </p:cTn>
-                        </p:par>
-                        <p:par>
-                          <p:cTn id="70" fill="hold">
-                            <p:stCondLst>
-                              <p:cond delay="5500"/>
-                            </p:stCondLst>
-                            <p:childTnLst>
-                              <p:par>
-                                <p:cTn id="71" presetID="53" presetClass="entr" presetSubtype="16" fill="hold" nodeType="afterEffect">
-                                  <p:stCondLst>
-                                    <p:cond delay="0"/>
-                                  </p:stCondLst>
-                                  <p:childTnLst>
-                                    <p:set>
-                                      <p:cBhvr>
-                                        <p:cTn id="72" dur="1" fill="hold">
-                                          <p:stCondLst>
-                                            <p:cond delay="0"/>
-                                          </p:stCondLst>
-                                        </p:cTn>
-                                        <p:tgtEl>
-                                          <p:spTgt spid="44"/>
-                                        </p:tgtEl>
-                                        <p:attrNameLst>
-                                          <p:attrName>style.visibility</p:attrName>
-                                        </p:attrNameLst>
-                                      </p:cBhvr>
-                                      <p:to>
-                                        <p:strVal val="visible"/>
-                                      </p:to>
-                                    </p:set>
-                                    <p:anim calcmode="lin" valueType="num">
-                                      <p:cBhvr>
-                                        <p:cTn id="73" dur="500" fill="hold"/>
-                                        <p:tgtEl>
-                                          <p:spTgt spid="44"/>
-                                        </p:tgtEl>
-                                        <p:attrNameLst>
-                                          <p:attrName>ppt_w</p:attrName>
-                                        </p:attrNameLst>
-                                      </p:cBhvr>
-                                      <p:tavLst>
-                                        <p:tav tm="0">
-                                          <p:val>
-                                            <p:fltVal val="0"/>
-                                          </p:val>
-                                        </p:tav>
-                                        <p:tav tm="100000">
-                                          <p:val>
-                                            <p:strVal val="#ppt_w"/>
-                                          </p:val>
-                                        </p:tav>
-                                      </p:tavLst>
-                                    </p:anim>
-                                    <p:anim calcmode="lin" valueType="num">
-                                      <p:cBhvr>
-                                        <p:cTn id="74" dur="500" fill="hold"/>
-                                        <p:tgtEl>
-                                          <p:spTgt spid="44"/>
-                                        </p:tgtEl>
-                                        <p:attrNameLst>
-                                          <p:attrName>ppt_h</p:attrName>
-                                        </p:attrNameLst>
-                                      </p:cBhvr>
-                                      <p:tavLst>
-                                        <p:tav tm="0">
-                                          <p:val>
-                                            <p:fltVal val="0"/>
-                                          </p:val>
-                                        </p:tav>
-                                        <p:tav tm="100000">
-                                          <p:val>
-                                            <p:strVal val="#ppt_h"/>
-                                          </p:val>
-                                        </p:tav>
-                                      </p:tavLst>
-                                    </p:anim>
-                                    <p:animEffect transition="in" filter="fade">
-                                      <p:cBhvr>
-                                        <p:cTn id="75" dur="500"/>
-                                        <p:tgtEl>
-                                          <p:spTgt spid="44"/>
-                                        </p:tgtEl>
-                                      </p:cBhvr>
-                                    </p:animEffect>
-                                  </p:childTnLst>
-                                </p:cTn>
-                              </p:par>
-                            </p:childTnLst>
-                          </p:cTn>
-                        </p:par>
-                        <p:par>
-                          <p:cTn id="76" fill="hold">
-                            <p:stCondLst>
-                              <p:cond delay="6000"/>
-                            </p:stCondLst>
-                            <p:childTnLst>
-                              <p:par>
-                                <p:cTn id="77" presetID="42" presetClass="entr" presetSubtype="0" fill="hold" nodeType="afterEffect">
-                                  <p:stCondLst>
-                                    <p:cond delay="0"/>
-                                  </p:stCondLst>
-                                  <p:childTnLst>
-                                    <p:set>
-                                      <p:cBhvr>
-                                        <p:cTn id="78" dur="1" fill="hold">
-                                          <p:stCondLst>
-                                            <p:cond delay="0"/>
-                                          </p:stCondLst>
-                                        </p:cTn>
-                                        <p:tgtEl>
-                                          <p:spTgt spid="40"/>
-                                        </p:tgtEl>
-                                        <p:attrNameLst>
-                                          <p:attrName>style.visibility</p:attrName>
-                                        </p:attrNameLst>
-                                      </p:cBhvr>
-                                      <p:to>
-                                        <p:strVal val="visible"/>
-                                      </p:to>
-                                    </p:set>
-                                    <p:animEffect transition="in" filter="fade">
-                                      <p:cBhvr>
-                                        <p:cTn id="79" dur="500"/>
-                                        <p:tgtEl>
-                                          <p:spTgt spid="40"/>
-                                        </p:tgtEl>
-                                      </p:cBhvr>
-                                    </p:animEffect>
-                                    <p:anim calcmode="lin" valueType="num">
-                                      <p:cBhvr>
-                                        <p:cTn id="80" dur="500" fill="hold"/>
-                                        <p:tgtEl>
-                                          <p:spTgt spid="40"/>
-                                        </p:tgtEl>
-                                        <p:attrNameLst>
-                                          <p:attrName>ppt_x</p:attrName>
-                                        </p:attrNameLst>
-                                      </p:cBhvr>
-                                      <p:tavLst>
-                                        <p:tav tm="0">
-                                          <p:val>
-                                            <p:strVal val="#ppt_x"/>
-                                          </p:val>
-                                        </p:tav>
-                                        <p:tav tm="100000">
-                                          <p:val>
-                                            <p:strVal val="#ppt_x"/>
-                                          </p:val>
-                                        </p:tav>
-                                      </p:tavLst>
-                                    </p:anim>
-                                    <p:anim calcmode="lin" valueType="num">
-                                      <p:cBhvr>
-                                        <p:cTn id="81" dur="500" fill="hold"/>
-                                        <p:tgtEl>
-                                          <p:spTgt spid="40"/>
-                                        </p:tgtEl>
-                                        <p:attrNameLst>
-                                          <p:attrName>ppt_y</p:attrName>
-                                        </p:attrNameLst>
-                                      </p:cBhvr>
-                                      <p:tavLst>
-                                        <p:tav tm="0">
-                                          <p:val>
-                                            <p:strVal val="#ppt_y+.1"/>
-                                          </p:val>
-                                        </p:tav>
-                                        <p:tav tm="100000">
-                                          <p:val>
-                                            <p:strVal val="#ppt_y"/>
-                                          </p:val>
-                                        </p:tav>
-                                      </p:tavLst>
-                                    </p:anim>
-                                  </p:childTnLst>
-                                </p:cTn>
-                              </p:par>
-                            </p:childTnLst>
-                          </p:cTn>
-                        </p:par>
-                      </p:childTnLst>
-                    </p:cTn>
-                  </p:par>
-                </p:childTnLst>
-              </p:cTn>
-              <p:prevCondLst>
-                <p:cond evt="onPrev" delay="0">
-                  <p:tgtEl>
-                    <p:sldTgt/>
-                  </p:tgtEl>
-                </p:cond>
-              </p:prevCondLst>
-              <p:nextCondLst>
-                <p:cond evt="onNext" delay="0">
-                  <p:tgtEl>
-                    <p:sldTgt/>
-                  </p:tgtEl>
-                </p:cond>
-              </p:nextCondLst>
-            </p:seq>
-          </p:childTnLst>
-        </p:cTn>
-      </p:par>
-    </p:tnLst>
-    <p:bldLst>
-      <p:bldP spid="47" grpId="0"/>
-    </p:bldLst>
-  </p:timing>
-</p:sld>
-</file>
-
-<file path=ppt/slides/slide8.xml><?xml version="1.0" encoding="utf-8"?>
-<p:sld xmlns:a="http://schemas.openxmlformats.org/drawingml/2006/main" xmlns:r="http://schemas.openxmlformats.org/officeDocument/2006/relationships" xmlns:p="http://schemas.openxmlformats.org/presentationml/2006/main">
-  <p:cSld>
-    <p:spTree>
-      <p:nvGrpSpPr>
-        <p:cNvPr id="1" name=""/>
-        <p:cNvGrpSpPr/>
-        <p:nvPr/>
-      </p:nvGrpSpPr>
-      <p:grpSpPr>
-        <a:xfrm>
-          <a:off x="0" y="0"/>
-          <a:ext cx="0" cy="0"/>
-          <a:chOff x="0" y="0"/>
-          <a:chExt cx="0" cy="0"/>
-        </a:xfrm>
-      </p:grpSpPr>
-      <p:pic>
-        <p:nvPicPr>
-          <p:cNvPr id="5" name="Picture 4">
-            <a:extLst>
-              <a:ext uri="{FF2B5EF4-FFF2-40B4-BE49-F238E27FC236}">
-                <a16:creationId xmlns:a16="http://schemas.microsoft.com/office/drawing/2014/main" id="{4F8476F6-0F73-4EC1-87E9-C68A75BA8F87}"/>
-              </a:ext>
-            </a:extLst>
-          </p:cNvPr>
-          <p:cNvPicPr>
-            <a:picLocks noChangeAspect="1"/>
-          </p:cNvPicPr>
-          <p:nvPr/>
-        </p:nvPicPr>
-        <p:blipFill>
-          <a:blip r:embed="rId2">
-            <a:extLst>
-              <a:ext uri="{28A0092B-C50C-407E-A947-70E740481C1C}">
-                <a14:useLocalDpi xmlns:a14="http://schemas.microsoft.com/office/drawing/2010/main" val="0"/>
-              </a:ext>
-            </a:extLst>
-          </a:blip>
-          <a:stretch>
-            <a:fillRect/>
-          </a:stretch>
-        </p:blipFill>
-        <p:spPr>
-          <a:xfrm>
-            <a:off x="0" y="0"/>
-            <a:ext cx="12192000" cy="6858000"/>
-          </a:xfrm>
-          <a:prstGeom prst="rect">
-            <a:avLst/>
-          </a:prstGeom>
-        </p:spPr>
-      </p:pic>
       <p:sp>
         <p:nvSpPr>
           <p:cNvPr id="2" name="Title 1">
@@ -9656,7 +6846,7 @@
 </p:sld>
 </file>
 
-<file path=ppt/slides/slide9.xml><?xml version="1.0" encoding="utf-8"?>
+<file path=ppt/slides/slide8.xml><?xml version="1.0" encoding="utf-8"?>
 <p:sld xmlns:a="http://schemas.openxmlformats.org/drawingml/2006/main" xmlns:r="http://schemas.openxmlformats.org/officeDocument/2006/relationships" xmlns:p="http://schemas.openxmlformats.org/presentationml/2006/main">
   <p:cSld>
     <p:spTree>
